--- a/Installatieprocedure.pptx
+++ b/Installatieprocedure.pptx
@@ -13,6 +13,20 @@
     <p:sldId id="261" r:id="rId7"/>
     <p:sldId id="262" r:id="rId8"/>
     <p:sldId id="263" r:id="rId9"/>
+    <p:sldId id="268" r:id="rId10"/>
+    <p:sldId id="269" r:id="rId11"/>
+    <p:sldId id="270" r:id="rId12"/>
+    <p:sldId id="273" r:id="rId13"/>
+    <p:sldId id="274" r:id="rId14"/>
+    <p:sldId id="275" r:id="rId15"/>
+    <p:sldId id="272" r:id="rId16"/>
+    <p:sldId id="276" r:id="rId17"/>
+    <p:sldId id="277" r:id="rId18"/>
+    <p:sldId id="271" r:id="rId19"/>
+    <p:sldId id="264" r:id="rId20"/>
+    <p:sldId id="265" r:id="rId21"/>
+    <p:sldId id="266" r:id="rId22"/>
+    <p:sldId id="267" r:id="rId23"/>
   </p:sldIdLst>
   <p:sldSz cx="12192000" cy="6858000"/>
   <p:notesSz cx="6858000" cy="9144000"/>
@@ -136,7 +150,7 @@
           <p:cNvPr id="2" name="Titel 1">
             <a:extLst>
               <a:ext uri="{FF2B5EF4-FFF2-40B4-BE49-F238E27FC236}">
-                <a16:creationId xmlns:a16="http://schemas.microsoft.com/office/drawing/2014/main" xmlns="" id="{92F1BE29-8AB8-482E-AD3F-AEC8E6AEA5E6}"/>
+                <a16:creationId xmlns="" xmlns:a16="http://schemas.microsoft.com/office/drawing/2014/main" id="{92F1BE29-8AB8-482E-AD3F-AEC8E6AEA5E6}"/>
               </a:ext>
             </a:extLst>
           </p:cNvPr>
@@ -173,7 +187,7 @@
           <p:cNvPr id="3" name="Ondertitel 2">
             <a:extLst>
               <a:ext uri="{FF2B5EF4-FFF2-40B4-BE49-F238E27FC236}">
-                <a16:creationId xmlns:a16="http://schemas.microsoft.com/office/drawing/2014/main" xmlns="" id="{C6C48210-9CB1-4017-851A-BF3F605E3E48}"/>
+                <a16:creationId xmlns="" xmlns:a16="http://schemas.microsoft.com/office/drawing/2014/main" id="{C6C48210-9CB1-4017-851A-BF3F605E3E48}"/>
               </a:ext>
             </a:extLst>
           </p:cNvPr>
@@ -243,7 +257,7 @@
           <p:cNvPr id="4" name="Tijdelijke aanduiding voor datum 3">
             <a:extLst>
               <a:ext uri="{FF2B5EF4-FFF2-40B4-BE49-F238E27FC236}">
-                <a16:creationId xmlns:a16="http://schemas.microsoft.com/office/drawing/2014/main" xmlns="" id="{6B8F8D90-F4E7-4DAB-AEC6-E643ED77E978}"/>
+                <a16:creationId xmlns="" xmlns:a16="http://schemas.microsoft.com/office/drawing/2014/main" id="{6B8F8D90-F4E7-4DAB-AEC6-E643ED77E978}"/>
               </a:ext>
             </a:extLst>
           </p:cNvPr>
@@ -262,7 +276,7 @@
             <a:fld id="{13AED1D5-1654-4538-8418-B6EE1FB4A56C}" type="datetimeFigureOut">
               <a:rPr lang="nl-NL" smtClean="0"/>
               <a:pPr/>
-              <a:t>21-8-2020</a:t>
+              <a:t>22-8-2020</a:t>
             </a:fld>
             <a:endParaRPr lang="nl-NL"/>
           </a:p>
@@ -273,7 +287,7 @@
           <p:cNvPr id="5" name="Tijdelijke aanduiding voor voettekst 4">
             <a:extLst>
               <a:ext uri="{FF2B5EF4-FFF2-40B4-BE49-F238E27FC236}">
-                <a16:creationId xmlns:a16="http://schemas.microsoft.com/office/drawing/2014/main" xmlns="" id="{4127D83A-BF93-4C69-BDC0-AD1D3E04E734}"/>
+                <a16:creationId xmlns="" xmlns:a16="http://schemas.microsoft.com/office/drawing/2014/main" id="{4127D83A-BF93-4C69-BDC0-AD1D3E04E734}"/>
               </a:ext>
             </a:extLst>
           </p:cNvPr>
@@ -298,7 +312,7 @@
           <p:cNvPr id="6" name="Tijdelijke aanduiding voor dianummer 5">
             <a:extLst>
               <a:ext uri="{FF2B5EF4-FFF2-40B4-BE49-F238E27FC236}">
-                <a16:creationId xmlns:a16="http://schemas.microsoft.com/office/drawing/2014/main" xmlns="" id="{36AB64A1-A3F5-4CB9-A9B3-487F34FEF1C0}"/>
+                <a16:creationId xmlns="" xmlns:a16="http://schemas.microsoft.com/office/drawing/2014/main" id="{36AB64A1-A3F5-4CB9-A9B3-487F34FEF1C0}"/>
               </a:ext>
             </a:extLst>
           </p:cNvPr>
@@ -326,7 +340,7 @@
     </p:spTree>
     <p:extLst>
       <p:ext uri="{BB962C8B-B14F-4D97-AF65-F5344CB8AC3E}">
-        <p14:creationId xmlns:p14="http://schemas.microsoft.com/office/powerpoint/2010/main" xmlns="" val="3230414232"/>
+        <p14:creationId xmlns="" xmlns:p14="http://schemas.microsoft.com/office/powerpoint/2010/main" val="3230414232"/>
       </p:ext>
     </p:extLst>
   </p:cSld>
@@ -358,7 +372,7 @@
           <p:cNvPr id="2" name="Titel 1">
             <a:extLst>
               <a:ext uri="{FF2B5EF4-FFF2-40B4-BE49-F238E27FC236}">
-                <a16:creationId xmlns:a16="http://schemas.microsoft.com/office/drawing/2014/main" xmlns="" id="{DB1872D1-8CDF-43DE-A245-B91DED07B68C}"/>
+                <a16:creationId xmlns="" xmlns:a16="http://schemas.microsoft.com/office/drawing/2014/main" id="{DB1872D1-8CDF-43DE-A245-B91DED07B68C}"/>
               </a:ext>
             </a:extLst>
           </p:cNvPr>
@@ -386,7 +400,7 @@
           <p:cNvPr id="3" name="Tijdelijke aanduiding voor verticale tekst 2">
             <a:extLst>
               <a:ext uri="{FF2B5EF4-FFF2-40B4-BE49-F238E27FC236}">
-                <a16:creationId xmlns:a16="http://schemas.microsoft.com/office/drawing/2014/main" xmlns="" id="{2F2BA74A-3F15-47FF-B026-E366E927236F}"/>
+                <a16:creationId xmlns="" xmlns:a16="http://schemas.microsoft.com/office/drawing/2014/main" id="{2F2BA74A-3F15-47FF-B026-E366E927236F}"/>
               </a:ext>
             </a:extLst>
           </p:cNvPr>
@@ -443,7 +457,7 @@
           <p:cNvPr id="4" name="Tijdelijke aanduiding voor datum 3">
             <a:extLst>
               <a:ext uri="{FF2B5EF4-FFF2-40B4-BE49-F238E27FC236}">
-                <a16:creationId xmlns:a16="http://schemas.microsoft.com/office/drawing/2014/main" xmlns="" id="{19BA5D45-EA85-4EE7-8E54-4462E7F0D7E3}"/>
+                <a16:creationId xmlns="" xmlns:a16="http://schemas.microsoft.com/office/drawing/2014/main" id="{19BA5D45-EA85-4EE7-8E54-4462E7F0D7E3}"/>
               </a:ext>
             </a:extLst>
           </p:cNvPr>
@@ -462,7 +476,7 @@
             <a:fld id="{13AED1D5-1654-4538-8418-B6EE1FB4A56C}" type="datetimeFigureOut">
               <a:rPr lang="nl-NL" smtClean="0"/>
               <a:pPr/>
-              <a:t>21-8-2020</a:t>
+              <a:t>22-8-2020</a:t>
             </a:fld>
             <a:endParaRPr lang="nl-NL"/>
           </a:p>
@@ -473,7 +487,7 @@
           <p:cNvPr id="5" name="Tijdelijke aanduiding voor voettekst 4">
             <a:extLst>
               <a:ext uri="{FF2B5EF4-FFF2-40B4-BE49-F238E27FC236}">
-                <a16:creationId xmlns:a16="http://schemas.microsoft.com/office/drawing/2014/main" xmlns="" id="{928AFD3F-8B8B-413B-9AE3-8E59EC8EDDD3}"/>
+                <a16:creationId xmlns="" xmlns:a16="http://schemas.microsoft.com/office/drawing/2014/main" id="{928AFD3F-8B8B-413B-9AE3-8E59EC8EDDD3}"/>
               </a:ext>
             </a:extLst>
           </p:cNvPr>
@@ -498,7 +512,7 @@
           <p:cNvPr id="6" name="Tijdelijke aanduiding voor dianummer 5">
             <a:extLst>
               <a:ext uri="{FF2B5EF4-FFF2-40B4-BE49-F238E27FC236}">
-                <a16:creationId xmlns:a16="http://schemas.microsoft.com/office/drawing/2014/main" xmlns="" id="{B1C22A6D-15BE-4EA8-A509-43987A815888}"/>
+                <a16:creationId xmlns="" xmlns:a16="http://schemas.microsoft.com/office/drawing/2014/main" id="{B1C22A6D-15BE-4EA8-A509-43987A815888}"/>
               </a:ext>
             </a:extLst>
           </p:cNvPr>
@@ -526,7 +540,7 @@
     </p:spTree>
     <p:extLst>
       <p:ext uri="{BB962C8B-B14F-4D97-AF65-F5344CB8AC3E}">
-        <p14:creationId xmlns:p14="http://schemas.microsoft.com/office/powerpoint/2010/main" xmlns="" val="2836989874"/>
+        <p14:creationId xmlns="" xmlns:p14="http://schemas.microsoft.com/office/powerpoint/2010/main" val="2836989874"/>
       </p:ext>
     </p:extLst>
   </p:cSld>
@@ -558,7 +572,7 @@
           <p:cNvPr id="2" name="Verticale titel 1">
             <a:extLst>
               <a:ext uri="{FF2B5EF4-FFF2-40B4-BE49-F238E27FC236}">
-                <a16:creationId xmlns:a16="http://schemas.microsoft.com/office/drawing/2014/main" xmlns="" id="{DF7355AC-1CB8-48CA-AE81-E1E6335B4984}"/>
+                <a16:creationId xmlns="" xmlns:a16="http://schemas.microsoft.com/office/drawing/2014/main" id="{DF7355AC-1CB8-48CA-AE81-E1E6335B4984}"/>
               </a:ext>
             </a:extLst>
           </p:cNvPr>
@@ -591,7 +605,7 @@
           <p:cNvPr id="3" name="Tijdelijke aanduiding voor verticale tekst 2">
             <a:extLst>
               <a:ext uri="{FF2B5EF4-FFF2-40B4-BE49-F238E27FC236}">
-                <a16:creationId xmlns:a16="http://schemas.microsoft.com/office/drawing/2014/main" xmlns="" id="{FA46D06A-D27F-4658-AA13-43F95D1B198D}"/>
+                <a16:creationId xmlns="" xmlns:a16="http://schemas.microsoft.com/office/drawing/2014/main" id="{FA46D06A-D27F-4658-AA13-43F95D1B198D}"/>
               </a:ext>
             </a:extLst>
           </p:cNvPr>
@@ -653,7 +667,7 @@
           <p:cNvPr id="4" name="Tijdelijke aanduiding voor datum 3">
             <a:extLst>
               <a:ext uri="{FF2B5EF4-FFF2-40B4-BE49-F238E27FC236}">
-                <a16:creationId xmlns:a16="http://schemas.microsoft.com/office/drawing/2014/main" xmlns="" id="{7BAF9535-A1DA-4874-A40B-0A6E07759678}"/>
+                <a16:creationId xmlns="" xmlns:a16="http://schemas.microsoft.com/office/drawing/2014/main" id="{7BAF9535-A1DA-4874-A40B-0A6E07759678}"/>
               </a:ext>
             </a:extLst>
           </p:cNvPr>
@@ -672,7 +686,7 @@
             <a:fld id="{13AED1D5-1654-4538-8418-B6EE1FB4A56C}" type="datetimeFigureOut">
               <a:rPr lang="nl-NL" smtClean="0"/>
               <a:pPr/>
-              <a:t>21-8-2020</a:t>
+              <a:t>22-8-2020</a:t>
             </a:fld>
             <a:endParaRPr lang="nl-NL"/>
           </a:p>
@@ -683,7 +697,7 @@
           <p:cNvPr id="5" name="Tijdelijke aanduiding voor voettekst 4">
             <a:extLst>
               <a:ext uri="{FF2B5EF4-FFF2-40B4-BE49-F238E27FC236}">
-                <a16:creationId xmlns:a16="http://schemas.microsoft.com/office/drawing/2014/main" xmlns="" id="{B7B70FA5-7C2B-4A6B-BCCA-7B4BCD4D08DE}"/>
+                <a16:creationId xmlns="" xmlns:a16="http://schemas.microsoft.com/office/drawing/2014/main" id="{B7B70FA5-7C2B-4A6B-BCCA-7B4BCD4D08DE}"/>
               </a:ext>
             </a:extLst>
           </p:cNvPr>
@@ -708,7 +722,7 @@
           <p:cNvPr id="6" name="Tijdelijke aanduiding voor dianummer 5">
             <a:extLst>
               <a:ext uri="{FF2B5EF4-FFF2-40B4-BE49-F238E27FC236}">
-                <a16:creationId xmlns:a16="http://schemas.microsoft.com/office/drawing/2014/main" xmlns="" id="{5FA78C2A-4FAA-4D32-9876-BFBB5F5C5732}"/>
+                <a16:creationId xmlns="" xmlns:a16="http://schemas.microsoft.com/office/drawing/2014/main" id="{5FA78C2A-4FAA-4D32-9876-BFBB5F5C5732}"/>
               </a:ext>
             </a:extLst>
           </p:cNvPr>
@@ -736,7 +750,7 @@
     </p:spTree>
     <p:extLst>
       <p:ext uri="{BB962C8B-B14F-4D97-AF65-F5344CB8AC3E}">
-        <p14:creationId xmlns:p14="http://schemas.microsoft.com/office/powerpoint/2010/main" xmlns="" val="1031980612"/>
+        <p14:creationId xmlns="" xmlns:p14="http://schemas.microsoft.com/office/powerpoint/2010/main" val="1031980612"/>
       </p:ext>
     </p:extLst>
   </p:cSld>
@@ -768,7 +782,7 @@
           <p:cNvPr id="2" name="Titel 1">
             <a:extLst>
               <a:ext uri="{FF2B5EF4-FFF2-40B4-BE49-F238E27FC236}">
-                <a16:creationId xmlns:a16="http://schemas.microsoft.com/office/drawing/2014/main" xmlns="" id="{F879CC31-39FC-4FC8-B674-D3A828A0D379}"/>
+                <a16:creationId xmlns="" xmlns:a16="http://schemas.microsoft.com/office/drawing/2014/main" id="{F879CC31-39FC-4FC8-B674-D3A828A0D379}"/>
               </a:ext>
             </a:extLst>
           </p:cNvPr>
@@ -796,7 +810,7 @@
           <p:cNvPr id="3" name="Tijdelijke aanduiding voor inhoud 2">
             <a:extLst>
               <a:ext uri="{FF2B5EF4-FFF2-40B4-BE49-F238E27FC236}">
-                <a16:creationId xmlns:a16="http://schemas.microsoft.com/office/drawing/2014/main" xmlns="" id="{F30330D2-FA33-490A-B287-DF5657F6B375}"/>
+                <a16:creationId xmlns="" xmlns:a16="http://schemas.microsoft.com/office/drawing/2014/main" id="{F30330D2-FA33-490A-B287-DF5657F6B375}"/>
               </a:ext>
             </a:extLst>
           </p:cNvPr>
@@ -853,7 +867,7 @@
           <p:cNvPr id="4" name="Tijdelijke aanduiding voor datum 3">
             <a:extLst>
               <a:ext uri="{FF2B5EF4-FFF2-40B4-BE49-F238E27FC236}">
-                <a16:creationId xmlns:a16="http://schemas.microsoft.com/office/drawing/2014/main" xmlns="" id="{25D7B7EA-F424-48BC-B7E7-DC2BB59A08BB}"/>
+                <a16:creationId xmlns="" xmlns:a16="http://schemas.microsoft.com/office/drawing/2014/main" id="{25D7B7EA-F424-48BC-B7E7-DC2BB59A08BB}"/>
               </a:ext>
             </a:extLst>
           </p:cNvPr>
@@ -872,7 +886,7 @@
             <a:fld id="{13AED1D5-1654-4538-8418-B6EE1FB4A56C}" type="datetimeFigureOut">
               <a:rPr lang="nl-NL" smtClean="0"/>
               <a:pPr/>
-              <a:t>21-8-2020</a:t>
+              <a:t>22-8-2020</a:t>
             </a:fld>
             <a:endParaRPr lang="nl-NL"/>
           </a:p>
@@ -883,7 +897,7 @@
           <p:cNvPr id="5" name="Tijdelijke aanduiding voor voettekst 4">
             <a:extLst>
               <a:ext uri="{FF2B5EF4-FFF2-40B4-BE49-F238E27FC236}">
-                <a16:creationId xmlns:a16="http://schemas.microsoft.com/office/drawing/2014/main" xmlns="" id="{39077A87-8ADD-44D4-8C11-EBDD3A0618B9}"/>
+                <a16:creationId xmlns="" xmlns:a16="http://schemas.microsoft.com/office/drawing/2014/main" id="{39077A87-8ADD-44D4-8C11-EBDD3A0618B9}"/>
               </a:ext>
             </a:extLst>
           </p:cNvPr>
@@ -908,7 +922,7 @@
           <p:cNvPr id="6" name="Tijdelijke aanduiding voor dianummer 5">
             <a:extLst>
               <a:ext uri="{FF2B5EF4-FFF2-40B4-BE49-F238E27FC236}">
-                <a16:creationId xmlns:a16="http://schemas.microsoft.com/office/drawing/2014/main" xmlns="" id="{636D1538-FEC0-44E5-AD28-79181A9F41C4}"/>
+                <a16:creationId xmlns="" xmlns:a16="http://schemas.microsoft.com/office/drawing/2014/main" id="{636D1538-FEC0-44E5-AD28-79181A9F41C4}"/>
               </a:ext>
             </a:extLst>
           </p:cNvPr>
@@ -936,7 +950,7 @@
     </p:spTree>
     <p:extLst>
       <p:ext uri="{BB962C8B-B14F-4D97-AF65-F5344CB8AC3E}">
-        <p14:creationId xmlns:p14="http://schemas.microsoft.com/office/powerpoint/2010/main" xmlns="" val="203864293"/>
+        <p14:creationId xmlns="" xmlns:p14="http://schemas.microsoft.com/office/powerpoint/2010/main" val="203864293"/>
       </p:ext>
     </p:extLst>
   </p:cSld>
@@ -968,7 +982,7 @@
           <p:cNvPr id="2" name="Titel 1">
             <a:extLst>
               <a:ext uri="{FF2B5EF4-FFF2-40B4-BE49-F238E27FC236}">
-                <a16:creationId xmlns:a16="http://schemas.microsoft.com/office/drawing/2014/main" xmlns="" id="{B40F17A2-2B09-485E-90F9-72FF8DFA39CB}"/>
+                <a16:creationId xmlns="" xmlns:a16="http://schemas.microsoft.com/office/drawing/2014/main" id="{B40F17A2-2B09-485E-90F9-72FF8DFA39CB}"/>
               </a:ext>
             </a:extLst>
           </p:cNvPr>
@@ -1005,7 +1019,7 @@
           <p:cNvPr id="3" name="Tijdelijke aanduiding voor tekst 2">
             <a:extLst>
               <a:ext uri="{FF2B5EF4-FFF2-40B4-BE49-F238E27FC236}">
-                <a16:creationId xmlns:a16="http://schemas.microsoft.com/office/drawing/2014/main" xmlns="" id="{EAB7BAD6-0735-41EA-8F67-635BADB65AF5}"/>
+                <a16:creationId xmlns="" xmlns:a16="http://schemas.microsoft.com/office/drawing/2014/main" id="{EAB7BAD6-0735-41EA-8F67-635BADB65AF5}"/>
               </a:ext>
             </a:extLst>
           </p:cNvPr>
@@ -1130,7 +1144,7 @@
           <p:cNvPr id="4" name="Tijdelijke aanduiding voor datum 3">
             <a:extLst>
               <a:ext uri="{FF2B5EF4-FFF2-40B4-BE49-F238E27FC236}">
-                <a16:creationId xmlns:a16="http://schemas.microsoft.com/office/drawing/2014/main" xmlns="" id="{1998985A-4901-420A-810D-493F00A04682}"/>
+                <a16:creationId xmlns="" xmlns:a16="http://schemas.microsoft.com/office/drawing/2014/main" id="{1998985A-4901-420A-810D-493F00A04682}"/>
               </a:ext>
             </a:extLst>
           </p:cNvPr>
@@ -1149,7 +1163,7 @@
             <a:fld id="{13AED1D5-1654-4538-8418-B6EE1FB4A56C}" type="datetimeFigureOut">
               <a:rPr lang="nl-NL" smtClean="0"/>
               <a:pPr/>
-              <a:t>21-8-2020</a:t>
+              <a:t>22-8-2020</a:t>
             </a:fld>
             <a:endParaRPr lang="nl-NL"/>
           </a:p>
@@ -1160,7 +1174,7 @@
           <p:cNvPr id="5" name="Tijdelijke aanduiding voor voettekst 4">
             <a:extLst>
               <a:ext uri="{FF2B5EF4-FFF2-40B4-BE49-F238E27FC236}">
-                <a16:creationId xmlns:a16="http://schemas.microsoft.com/office/drawing/2014/main" xmlns="" id="{401CD44D-0475-497E-81C6-B167CDB13D7E}"/>
+                <a16:creationId xmlns="" xmlns:a16="http://schemas.microsoft.com/office/drawing/2014/main" id="{401CD44D-0475-497E-81C6-B167CDB13D7E}"/>
               </a:ext>
             </a:extLst>
           </p:cNvPr>
@@ -1185,7 +1199,7 @@
           <p:cNvPr id="6" name="Tijdelijke aanduiding voor dianummer 5">
             <a:extLst>
               <a:ext uri="{FF2B5EF4-FFF2-40B4-BE49-F238E27FC236}">
-                <a16:creationId xmlns:a16="http://schemas.microsoft.com/office/drawing/2014/main" xmlns="" id="{7A4FDD5B-69DF-4F99-BAB2-0ABCD366DEF5}"/>
+                <a16:creationId xmlns="" xmlns:a16="http://schemas.microsoft.com/office/drawing/2014/main" id="{7A4FDD5B-69DF-4F99-BAB2-0ABCD366DEF5}"/>
               </a:ext>
             </a:extLst>
           </p:cNvPr>
@@ -1213,7 +1227,7 @@
     </p:spTree>
     <p:extLst>
       <p:ext uri="{BB962C8B-B14F-4D97-AF65-F5344CB8AC3E}">
-        <p14:creationId xmlns:p14="http://schemas.microsoft.com/office/powerpoint/2010/main" xmlns="" val="2219241122"/>
+        <p14:creationId xmlns="" xmlns:p14="http://schemas.microsoft.com/office/powerpoint/2010/main" val="2219241122"/>
       </p:ext>
     </p:extLst>
   </p:cSld>
@@ -1245,7 +1259,7 @@
           <p:cNvPr id="2" name="Titel 1">
             <a:extLst>
               <a:ext uri="{FF2B5EF4-FFF2-40B4-BE49-F238E27FC236}">
-                <a16:creationId xmlns:a16="http://schemas.microsoft.com/office/drawing/2014/main" xmlns="" id="{3BD4B095-FC1A-42FD-A4BE-82782300AF7B}"/>
+                <a16:creationId xmlns="" xmlns:a16="http://schemas.microsoft.com/office/drawing/2014/main" id="{3BD4B095-FC1A-42FD-A4BE-82782300AF7B}"/>
               </a:ext>
             </a:extLst>
           </p:cNvPr>
@@ -1273,7 +1287,7 @@
           <p:cNvPr id="3" name="Tijdelijke aanduiding voor inhoud 2">
             <a:extLst>
               <a:ext uri="{FF2B5EF4-FFF2-40B4-BE49-F238E27FC236}">
-                <a16:creationId xmlns:a16="http://schemas.microsoft.com/office/drawing/2014/main" xmlns="" id="{F597D9BF-DC6F-48E8-B061-E8EEE699AC0D}"/>
+                <a16:creationId xmlns="" xmlns:a16="http://schemas.microsoft.com/office/drawing/2014/main" id="{F597D9BF-DC6F-48E8-B061-E8EEE699AC0D}"/>
               </a:ext>
             </a:extLst>
           </p:cNvPr>
@@ -1335,7 +1349,7 @@
           <p:cNvPr id="4" name="Tijdelijke aanduiding voor inhoud 3">
             <a:extLst>
               <a:ext uri="{FF2B5EF4-FFF2-40B4-BE49-F238E27FC236}">
-                <a16:creationId xmlns:a16="http://schemas.microsoft.com/office/drawing/2014/main" xmlns="" id="{CC71571E-42A5-459C-8453-0D63D791FA4E}"/>
+                <a16:creationId xmlns="" xmlns:a16="http://schemas.microsoft.com/office/drawing/2014/main" id="{CC71571E-42A5-459C-8453-0D63D791FA4E}"/>
               </a:ext>
             </a:extLst>
           </p:cNvPr>
@@ -1397,7 +1411,7 @@
           <p:cNvPr id="5" name="Tijdelijke aanduiding voor datum 4">
             <a:extLst>
               <a:ext uri="{FF2B5EF4-FFF2-40B4-BE49-F238E27FC236}">
-                <a16:creationId xmlns:a16="http://schemas.microsoft.com/office/drawing/2014/main" xmlns="" id="{FC7929BC-3B9F-4927-A346-716338A87542}"/>
+                <a16:creationId xmlns="" xmlns:a16="http://schemas.microsoft.com/office/drawing/2014/main" id="{FC7929BC-3B9F-4927-A346-716338A87542}"/>
               </a:ext>
             </a:extLst>
           </p:cNvPr>
@@ -1416,7 +1430,7 @@
             <a:fld id="{13AED1D5-1654-4538-8418-B6EE1FB4A56C}" type="datetimeFigureOut">
               <a:rPr lang="nl-NL" smtClean="0"/>
               <a:pPr/>
-              <a:t>21-8-2020</a:t>
+              <a:t>22-8-2020</a:t>
             </a:fld>
             <a:endParaRPr lang="nl-NL"/>
           </a:p>
@@ -1427,7 +1441,7 @@
           <p:cNvPr id="6" name="Tijdelijke aanduiding voor voettekst 5">
             <a:extLst>
               <a:ext uri="{FF2B5EF4-FFF2-40B4-BE49-F238E27FC236}">
-                <a16:creationId xmlns:a16="http://schemas.microsoft.com/office/drawing/2014/main" xmlns="" id="{F62FE8E7-F87A-496E-80BE-9FC94CC8E963}"/>
+                <a16:creationId xmlns="" xmlns:a16="http://schemas.microsoft.com/office/drawing/2014/main" id="{F62FE8E7-F87A-496E-80BE-9FC94CC8E963}"/>
               </a:ext>
             </a:extLst>
           </p:cNvPr>
@@ -1452,7 +1466,7 @@
           <p:cNvPr id="7" name="Tijdelijke aanduiding voor dianummer 6">
             <a:extLst>
               <a:ext uri="{FF2B5EF4-FFF2-40B4-BE49-F238E27FC236}">
-                <a16:creationId xmlns:a16="http://schemas.microsoft.com/office/drawing/2014/main" xmlns="" id="{CEC0DDF8-5C8E-46D8-AC74-D13EBC463B02}"/>
+                <a16:creationId xmlns="" xmlns:a16="http://schemas.microsoft.com/office/drawing/2014/main" id="{CEC0DDF8-5C8E-46D8-AC74-D13EBC463B02}"/>
               </a:ext>
             </a:extLst>
           </p:cNvPr>
@@ -1480,7 +1494,7 @@
     </p:spTree>
     <p:extLst>
       <p:ext uri="{BB962C8B-B14F-4D97-AF65-F5344CB8AC3E}">
-        <p14:creationId xmlns:p14="http://schemas.microsoft.com/office/powerpoint/2010/main" xmlns="" val="492642555"/>
+        <p14:creationId xmlns="" xmlns:p14="http://schemas.microsoft.com/office/powerpoint/2010/main" val="492642555"/>
       </p:ext>
     </p:extLst>
   </p:cSld>
@@ -1512,7 +1526,7 @@
           <p:cNvPr id="2" name="Titel 1">
             <a:extLst>
               <a:ext uri="{FF2B5EF4-FFF2-40B4-BE49-F238E27FC236}">
-                <a16:creationId xmlns:a16="http://schemas.microsoft.com/office/drawing/2014/main" xmlns="" id="{4A8F6050-A228-42F5-8001-526A60D33E71}"/>
+                <a16:creationId xmlns="" xmlns:a16="http://schemas.microsoft.com/office/drawing/2014/main" id="{4A8F6050-A228-42F5-8001-526A60D33E71}"/>
               </a:ext>
             </a:extLst>
           </p:cNvPr>
@@ -1545,7 +1559,7 @@
           <p:cNvPr id="3" name="Tijdelijke aanduiding voor tekst 2">
             <a:extLst>
               <a:ext uri="{FF2B5EF4-FFF2-40B4-BE49-F238E27FC236}">
-                <a16:creationId xmlns:a16="http://schemas.microsoft.com/office/drawing/2014/main" xmlns="" id="{299F1F6D-F609-4387-97C4-D1459249C8A8}"/>
+                <a16:creationId xmlns="" xmlns:a16="http://schemas.microsoft.com/office/drawing/2014/main" id="{299F1F6D-F609-4387-97C4-D1459249C8A8}"/>
               </a:ext>
             </a:extLst>
           </p:cNvPr>
@@ -1616,7 +1630,7 @@
           <p:cNvPr id="4" name="Tijdelijke aanduiding voor inhoud 3">
             <a:extLst>
               <a:ext uri="{FF2B5EF4-FFF2-40B4-BE49-F238E27FC236}">
-                <a16:creationId xmlns:a16="http://schemas.microsoft.com/office/drawing/2014/main" xmlns="" id="{75895B03-7438-4EE7-B736-D9720FC5A184}"/>
+                <a16:creationId xmlns="" xmlns:a16="http://schemas.microsoft.com/office/drawing/2014/main" id="{75895B03-7438-4EE7-B736-D9720FC5A184}"/>
               </a:ext>
             </a:extLst>
           </p:cNvPr>
@@ -1678,7 +1692,7 @@
           <p:cNvPr id="5" name="Tijdelijke aanduiding voor tekst 4">
             <a:extLst>
               <a:ext uri="{FF2B5EF4-FFF2-40B4-BE49-F238E27FC236}">
-                <a16:creationId xmlns:a16="http://schemas.microsoft.com/office/drawing/2014/main" xmlns="" id="{F705EE10-C722-4A1A-8EB2-EA570AF2F5CC}"/>
+                <a16:creationId xmlns="" xmlns:a16="http://schemas.microsoft.com/office/drawing/2014/main" id="{F705EE10-C722-4A1A-8EB2-EA570AF2F5CC}"/>
               </a:ext>
             </a:extLst>
           </p:cNvPr>
@@ -1749,7 +1763,7 @@
           <p:cNvPr id="6" name="Tijdelijke aanduiding voor inhoud 5">
             <a:extLst>
               <a:ext uri="{FF2B5EF4-FFF2-40B4-BE49-F238E27FC236}">
-                <a16:creationId xmlns:a16="http://schemas.microsoft.com/office/drawing/2014/main" xmlns="" id="{8B910ECD-27DA-403D-AC19-9570E22ED734}"/>
+                <a16:creationId xmlns="" xmlns:a16="http://schemas.microsoft.com/office/drawing/2014/main" id="{8B910ECD-27DA-403D-AC19-9570E22ED734}"/>
               </a:ext>
             </a:extLst>
           </p:cNvPr>
@@ -1811,7 +1825,7 @@
           <p:cNvPr id="7" name="Tijdelijke aanduiding voor datum 6">
             <a:extLst>
               <a:ext uri="{FF2B5EF4-FFF2-40B4-BE49-F238E27FC236}">
-                <a16:creationId xmlns:a16="http://schemas.microsoft.com/office/drawing/2014/main" xmlns="" id="{D77E60FF-9D6C-4391-B3D4-3383E95AC43E}"/>
+                <a16:creationId xmlns="" xmlns:a16="http://schemas.microsoft.com/office/drawing/2014/main" id="{D77E60FF-9D6C-4391-B3D4-3383E95AC43E}"/>
               </a:ext>
             </a:extLst>
           </p:cNvPr>
@@ -1830,7 +1844,7 @@
             <a:fld id="{13AED1D5-1654-4538-8418-B6EE1FB4A56C}" type="datetimeFigureOut">
               <a:rPr lang="nl-NL" smtClean="0"/>
               <a:pPr/>
-              <a:t>21-8-2020</a:t>
+              <a:t>22-8-2020</a:t>
             </a:fld>
             <a:endParaRPr lang="nl-NL"/>
           </a:p>
@@ -1841,7 +1855,7 @@
           <p:cNvPr id="8" name="Tijdelijke aanduiding voor voettekst 7">
             <a:extLst>
               <a:ext uri="{FF2B5EF4-FFF2-40B4-BE49-F238E27FC236}">
-                <a16:creationId xmlns:a16="http://schemas.microsoft.com/office/drawing/2014/main" xmlns="" id="{F0BEE2AE-1F0B-4881-8316-347898C93E26}"/>
+                <a16:creationId xmlns="" xmlns:a16="http://schemas.microsoft.com/office/drawing/2014/main" id="{F0BEE2AE-1F0B-4881-8316-347898C93E26}"/>
               </a:ext>
             </a:extLst>
           </p:cNvPr>
@@ -1866,7 +1880,7 @@
           <p:cNvPr id="9" name="Tijdelijke aanduiding voor dianummer 8">
             <a:extLst>
               <a:ext uri="{FF2B5EF4-FFF2-40B4-BE49-F238E27FC236}">
-                <a16:creationId xmlns:a16="http://schemas.microsoft.com/office/drawing/2014/main" xmlns="" id="{9F168A09-C77E-4F1D-BD1D-D882C2D48F23}"/>
+                <a16:creationId xmlns="" xmlns:a16="http://schemas.microsoft.com/office/drawing/2014/main" id="{9F168A09-C77E-4F1D-BD1D-D882C2D48F23}"/>
               </a:ext>
             </a:extLst>
           </p:cNvPr>
@@ -1894,7 +1908,7 @@
     </p:spTree>
     <p:extLst>
       <p:ext uri="{BB962C8B-B14F-4D97-AF65-F5344CB8AC3E}">
-        <p14:creationId xmlns:p14="http://schemas.microsoft.com/office/powerpoint/2010/main" xmlns="" val="2119277661"/>
+        <p14:creationId xmlns="" xmlns:p14="http://schemas.microsoft.com/office/powerpoint/2010/main" val="2119277661"/>
       </p:ext>
     </p:extLst>
   </p:cSld>
@@ -1926,7 +1940,7 @@
           <p:cNvPr id="2" name="Titel 1">
             <a:extLst>
               <a:ext uri="{FF2B5EF4-FFF2-40B4-BE49-F238E27FC236}">
-                <a16:creationId xmlns:a16="http://schemas.microsoft.com/office/drawing/2014/main" xmlns="" id="{6B3D76D3-C607-4BEF-8F58-8B90AD279AE3}"/>
+                <a16:creationId xmlns="" xmlns:a16="http://schemas.microsoft.com/office/drawing/2014/main" id="{6B3D76D3-C607-4BEF-8F58-8B90AD279AE3}"/>
               </a:ext>
             </a:extLst>
           </p:cNvPr>
@@ -1954,7 +1968,7 @@
           <p:cNvPr id="3" name="Tijdelijke aanduiding voor datum 2">
             <a:extLst>
               <a:ext uri="{FF2B5EF4-FFF2-40B4-BE49-F238E27FC236}">
-                <a16:creationId xmlns:a16="http://schemas.microsoft.com/office/drawing/2014/main" xmlns="" id="{DB50A9D3-48CE-4777-9777-C87B19717DF2}"/>
+                <a16:creationId xmlns="" xmlns:a16="http://schemas.microsoft.com/office/drawing/2014/main" id="{DB50A9D3-48CE-4777-9777-C87B19717DF2}"/>
               </a:ext>
             </a:extLst>
           </p:cNvPr>
@@ -1973,7 +1987,7 @@
             <a:fld id="{13AED1D5-1654-4538-8418-B6EE1FB4A56C}" type="datetimeFigureOut">
               <a:rPr lang="nl-NL" smtClean="0"/>
               <a:pPr/>
-              <a:t>21-8-2020</a:t>
+              <a:t>22-8-2020</a:t>
             </a:fld>
             <a:endParaRPr lang="nl-NL"/>
           </a:p>
@@ -1984,7 +1998,7 @@
           <p:cNvPr id="4" name="Tijdelijke aanduiding voor voettekst 3">
             <a:extLst>
               <a:ext uri="{FF2B5EF4-FFF2-40B4-BE49-F238E27FC236}">
-                <a16:creationId xmlns:a16="http://schemas.microsoft.com/office/drawing/2014/main" xmlns="" id="{7537B385-606F-487B-AABE-0FD14D955345}"/>
+                <a16:creationId xmlns="" xmlns:a16="http://schemas.microsoft.com/office/drawing/2014/main" id="{7537B385-606F-487B-AABE-0FD14D955345}"/>
               </a:ext>
             </a:extLst>
           </p:cNvPr>
@@ -2009,7 +2023,7 @@
           <p:cNvPr id="5" name="Tijdelijke aanduiding voor dianummer 4">
             <a:extLst>
               <a:ext uri="{FF2B5EF4-FFF2-40B4-BE49-F238E27FC236}">
-                <a16:creationId xmlns:a16="http://schemas.microsoft.com/office/drawing/2014/main" xmlns="" id="{D8FF4A0A-A367-4204-AFA1-F790B1517B45}"/>
+                <a16:creationId xmlns="" xmlns:a16="http://schemas.microsoft.com/office/drawing/2014/main" id="{D8FF4A0A-A367-4204-AFA1-F790B1517B45}"/>
               </a:ext>
             </a:extLst>
           </p:cNvPr>
@@ -2037,7 +2051,7 @@
     </p:spTree>
     <p:extLst>
       <p:ext uri="{BB962C8B-B14F-4D97-AF65-F5344CB8AC3E}">
-        <p14:creationId xmlns:p14="http://schemas.microsoft.com/office/powerpoint/2010/main" xmlns="" val="885453122"/>
+        <p14:creationId xmlns="" xmlns:p14="http://schemas.microsoft.com/office/powerpoint/2010/main" val="885453122"/>
       </p:ext>
     </p:extLst>
   </p:cSld>
@@ -2069,7 +2083,7 @@
           <p:cNvPr id="2" name="Tijdelijke aanduiding voor datum 1">
             <a:extLst>
               <a:ext uri="{FF2B5EF4-FFF2-40B4-BE49-F238E27FC236}">
-                <a16:creationId xmlns:a16="http://schemas.microsoft.com/office/drawing/2014/main" xmlns="" id="{2058D9A0-300D-4795-A521-E72943093741}"/>
+                <a16:creationId xmlns="" xmlns:a16="http://schemas.microsoft.com/office/drawing/2014/main" id="{2058D9A0-300D-4795-A521-E72943093741}"/>
               </a:ext>
             </a:extLst>
           </p:cNvPr>
@@ -2088,7 +2102,7 @@
             <a:fld id="{13AED1D5-1654-4538-8418-B6EE1FB4A56C}" type="datetimeFigureOut">
               <a:rPr lang="nl-NL" smtClean="0"/>
               <a:pPr/>
-              <a:t>21-8-2020</a:t>
+              <a:t>22-8-2020</a:t>
             </a:fld>
             <a:endParaRPr lang="nl-NL"/>
           </a:p>
@@ -2099,7 +2113,7 @@
           <p:cNvPr id="3" name="Tijdelijke aanduiding voor voettekst 2">
             <a:extLst>
               <a:ext uri="{FF2B5EF4-FFF2-40B4-BE49-F238E27FC236}">
-                <a16:creationId xmlns:a16="http://schemas.microsoft.com/office/drawing/2014/main" xmlns="" id="{AAB46A26-FBA7-442D-AAA6-24E967F8C716}"/>
+                <a16:creationId xmlns="" xmlns:a16="http://schemas.microsoft.com/office/drawing/2014/main" id="{AAB46A26-FBA7-442D-AAA6-24E967F8C716}"/>
               </a:ext>
             </a:extLst>
           </p:cNvPr>
@@ -2124,7 +2138,7 @@
           <p:cNvPr id="4" name="Tijdelijke aanduiding voor dianummer 3">
             <a:extLst>
               <a:ext uri="{FF2B5EF4-FFF2-40B4-BE49-F238E27FC236}">
-                <a16:creationId xmlns:a16="http://schemas.microsoft.com/office/drawing/2014/main" xmlns="" id="{9D43EEF8-E2A6-437F-A4E6-DE68D290E586}"/>
+                <a16:creationId xmlns="" xmlns:a16="http://schemas.microsoft.com/office/drawing/2014/main" id="{9D43EEF8-E2A6-437F-A4E6-DE68D290E586}"/>
               </a:ext>
             </a:extLst>
           </p:cNvPr>
@@ -2152,7 +2166,7 @@
     </p:spTree>
     <p:extLst>
       <p:ext uri="{BB962C8B-B14F-4D97-AF65-F5344CB8AC3E}">
-        <p14:creationId xmlns:p14="http://schemas.microsoft.com/office/powerpoint/2010/main" xmlns="" val="402844399"/>
+        <p14:creationId xmlns="" xmlns:p14="http://schemas.microsoft.com/office/powerpoint/2010/main" val="402844399"/>
       </p:ext>
     </p:extLst>
   </p:cSld>
@@ -2184,7 +2198,7 @@
           <p:cNvPr id="2" name="Titel 1">
             <a:extLst>
               <a:ext uri="{FF2B5EF4-FFF2-40B4-BE49-F238E27FC236}">
-                <a16:creationId xmlns:a16="http://schemas.microsoft.com/office/drawing/2014/main" xmlns="" id="{ED850057-A282-4E12-BFC0-6DFD1E610022}"/>
+                <a16:creationId xmlns="" xmlns:a16="http://schemas.microsoft.com/office/drawing/2014/main" id="{ED850057-A282-4E12-BFC0-6DFD1E610022}"/>
               </a:ext>
             </a:extLst>
           </p:cNvPr>
@@ -2221,7 +2235,7 @@
           <p:cNvPr id="3" name="Tijdelijke aanduiding voor inhoud 2">
             <a:extLst>
               <a:ext uri="{FF2B5EF4-FFF2-40B4-BE49-F238E27FC236}">
-                <a16:creationId xmlns:a16="http://schemas.microsoft.com/office/drawing/2014/main" xmlns="" id="{DFF453CD-FC62-4FBC-AD74-84C593FC87D1}"/>
+                <a16:creationId xmlns="" xmlns:a16="http://schemas.microsoft.com/office/drawing/2014/main" id="{DFF453CD-FC62-4FBC-AD74-84C593FC87D1}"/>
               </a:ext>
             </a:extLst>
           </p:cNvPr>
@@ -2311,7 +2325,7 @@
           <p:cNvPr id="4" name="Tijdelijke aanduiding voor tekst 3">
             <a:extLst>
               <a:ext uri="{FF2B5EF4-FFF2-40B4-BE49-F238E27FC236}">
-                <a16:creationId xmlns:a16="http://schemas.microsoft.com/office/drawing/2014/main" xmlns="" id="{7CE62D8D-D117-4A07-94B9-8C4DF58910C7}"/>
+                <a16:creationId xmlns="" xmlns:a16="http://schemas.microsoft.com/office/drawing/2014/main" id="{7CE62D8D-D117-4A07-94B9-8C4DF58910C7}"/>
               </a:ext>
             </a:extLst>
           </p:cNvPr>
@@ -2382,7 +2396,7 @@
           <p:cNvPr id="5" name="Tijdelijke aanduiding voor datum 4">
             <a:extLst>
               <a:ext uri="{FF2B5EF4-FFF2-40B4-BE49-F238E27FC236}">
-                <a16:creationId xmlns:a16="http://schemas.microsoft.com/office/drawing/2014/main" xmlns="" id="{F9C52D93-587A-48A0-87E8-3D4619F8F3FA}"/>
+                <a16:creationId xmlns="" xmlns:a16="http://schemas.microsoft.com/office/drawing/2014/main" id="{F9C52D93-587A-48A0-87E8-3D4619F8F3FA}"/>
               </a:ext>
             </a:extLst>
           </p:cNvPr>
@@ -2401,7 +2415,7 @@
             <a:fld id="{13AED1D5-1654-4538-8418-B6EE1FB4A56C}" type="datetimeFigureOut">
               <a:rPr lang="nl-NL" smtClean="0"/>
               <a:pPr/>
-              <a:t>21-8-2020</a:t>
+              <a:t>22-8-2020</a:t>
             </a:fld>
             <a:endParaRPr lang="nl-NL"/>
           </a:p>
@@ -2412,7 +2426,7 @@
           <p:cNvPr id="6" name="Tijdelijke aanduiding voor voettekst 5">
             <a:extLst>
               <a:ext uri="{FF2B5EF4-FFF2-40B4-BE49-F238E27FC236}">
-                <a16:creationId xmlns:a16="http://schemas.microsoft.com/office/drawing/2014/main" xmlns="" id="{DD770B93-2EE9-4AB9-AF9E-191459596EF9}"/>
+                <a16:creationId xmlns="" xmlns:a16="http://schemas.microsoft.com/office/drawing/2014/main" id="{DD770B93-2EE9-4AB9-AF9E-191459596EF9}"/>
               </a:ext>
             </a:extLst>
           </p:cNvPr>
@@ -2437,7 +2451,7 @@
           <p:cNvPr id="7" name="Tijdelijke aanduiding voor dianummer 6">
             <a:extLst>
               <a:ext uri="{FF2B5EF4-FFF2-40B4-BE49-F238E27FC236}">
-                <a16:creationId xmlns:a16="http://schemas.microsoft.com/office/drawing/2014/main" xmlns="" id="{26FA886D-365B-4FD1-8EA7-E9AA4BF86703}"/>
+                <a16:creationId xmlns="" xmlns:a16="http://schemas.microsoft.com/office/drawing/2014/main" id="{26FA886D-365B-4FD1-8EA7-E9AA4BF86703}"/>
               </a:ext>
             </a:extLst>
           </p:cNvPr>
@@ -2465,7 +2479,7 @@
     </p:spTree>
     <p:extLst>
       <p:ext uri="{BB962C8B-B14F-4D97-AF65-F5344CB8AC3E}">
-        <p14:creationId xmlns:p14="http://schemas.microsoft.com/office/powerpoint/2010/main" xmlns="" val="1990698523"/>
+        <p14:creationId xmlns="" xmlns:p14="http://schemas.microsoft.com/office/powerpoint/2010/main" val="1990698523"/>
       </p:ext>
     </p:extLst>
   </p:cSld>
@@ -2497,7 +2511,7 @@
           <p:cNvPr id="2" name="Titel 1">
             <a:extLst>
               <a:ext uri="{FF2B5EF4-FFF2-40B4-BE49-F238E27FC236}">
-                <a16:creationId xmlns:a16="http://schemas.microsoft.com/office/drawing/2014/main" xmlns="" id="{38877404-5744-4A16-B4FC-A30C6AD522BA}"/>
+                <a16:creationId xmlns="" xmlns:a16="http://schemas.microsoft.com/office/drawing/2014/main" id="{38877404-5744-4A16-B4FC-A30C6AD522BA}"/>
               </a:ext>
             </a:extLst>
           </p:cNvPr>
@@ -2534,7 +2548,7 @@
           <p:cNvPr id="3" name="Tijdelijke aanduiding voor afbeelding 2">
             <a:extLst>
               <a:ext uri="{FF2B5EF4-FFF2-40B4-BE49-F238E27FC236}">
-                <a16:creationId xmlns:a16="http://schemas.microsoft.com/office/drawing/2014/main" xmlns="" id="{9827DC2C-6952-4B79-AE5C-8F0A7EA5CC93}"/>
+                <a16:creationId xmlns="" xmlns:a16="http://schemas.microsoft.com/office/drawing/2014/main" id="{9827DC2C-6952-4B79-AE5C-8F0A7EA5CC93}"/>
               </a:ext>
             </a:extLst>
           </p:cNvPr>
@@ -2601,7 +2615,7 @@
           <p:cNvPr id="4" name="Tijdelijke aanduiding voor tekst 3">
             <a:extLst>
               <a:ext uri="{FF2B5EF4-FFF2-40B4-BE49-F238E27FC236}">
-                <a16:creationId xmlns:a16="http://schemas.microsoft.com/office/drawing/2014/main" xmlns="" id="{D33EA01D-971E-4902-B92D-B45D3F2319F1}"/>
+                <a16:creationId xmlns="" xmlns:a16="http://schemas.microsoft.com/office/drawing/2014/main" id="{D33EA01D-971E-4902-B92D-B45D3F2319F1}"/>
               </a:ext>
             </a:extLst>
           </p:cNvPr>
@@ -2672,7 +2686,7 @@
           <p:cNvPr id="5" name="Tijdelijke aanduiding voor datum 4">
             <a:extLst>
               <a:ext uri="{FF2B5EF4-FFF2-40B4-BE49-F238E27FC236}">
-                <a16:creationId xmlns:a16="http://schemas.microsoft.com/office/drawing/2014/main" xmlns="" id="{5114C209-0778-4F7C-BDED-D8A186C15389}"/>
+                <a16:creationId xmlns="" xmlns:a16="http://schemas.microsoft.com/office/drawing/2014/main" id="{5114C209-0778-4F7C-BDED-D8A186C15389}"/>
               </a:ext>
             </a:extLst>
           </p:cNvPr>
@@ -2691,7 +2705,7 @@
             <a:fld id="{13AED1D5-1654-4538-8418-B6EE1FB4A56C}" type="datetimeFigureOut">
               <a:rPr lang="nl-NL" smtClean="0"/>
               <a:pPr/>
-              <a:t>21-8-2020</a:t>
+              <a:t>22-8-2020</a:t>
             </a:fld>
             <a:endParaRPr lang="nl-NL"/>
           </a:p>
@@ -2702,7 +2716,7 @@
           <p:cNvPr id="6" name="Tijdelijke aanduiding voor voettekst 5">
             <a:extLst>
               <a:ext uri="{FF2B5EF4-FFF2-40B4-BE49-F238E27FC236}">
-                <a16:creationId xmlns:a16="http://schemas.microsoft.com/office/drawing/2014/main" xmlns="" id="{C99DE0C2-9FBA-4330-83C4-1EED76EBEFD4}"/>
+                <a16:creationId xmlns="" xmlns:a16="http://schemas.microsoft.com/office/drawing/2014/main" id="{C99DE0C2-9FBA-4330-83C4-1EED76EBEFD4}"/>
               </a:ext>
             </a:extLst>
           </p:cNvPr>
@@ -2727,7 +2741,7 @@
           <p:cNvPr id="7" name="Tijdelijke aanduiding voor dianummer 6">
             <a:extLst>
               <a:ext uri="{FF2B5EF4-FFF2-40B4-BE49-F238E27FC236}">
-                <a16:creationId xmlns:a16="http://schemas.microsoft.com/office/drawing/2014/main" xmlns="" id="{EDF5020E-4245-431D-B676-90F0EAD4F97E}"/>
+                <a16:creationId xmlns="" xmlns:a16="http://schemas.microsoft.com/office/drawing/2014/main" id="{EDF5020E-4245-431D-B676-90F0EAD4F97E}"/>
               </a:ext>
             </a:extLst>
           </p:cNvPr>
@@ -2755,7 +2769,7 @@
     </p:spTree>
     <p:extLst>
       <p:ext uri="{BB962C8B-B14F-4D97-AF65-F5344CB8AC3E}">
-        <p14:creationId xmlns:p14="http://schemas.microsoft.com/office/powerpoint/2010/main" xmlns="" val="2217633996"/>
+        <p14:creationId xmlns="" xmlns:p14="http://schemas.microsoft.com/office/powerpoint/2010/main" val="2217633996"/>
       </p:ext>
     </p:extLst>
   </p:cSld>
@@ -2792,7 +2806,7 @@
           <p:cNvPr id="2" name="Tijdelijke aanduiding voor titel 1">
             <a:extLst>
               <a:ext uri="{FF2B5EF4-FFF2-40B4-BE49-F238E27FC236}">
-                <a16:creationId xmlns:a16="http://schemas.microsoft.com/office/drawing/2014/main" xmlns="" id="{C2C6FB08-A9AE-499D-8D48-36435D64D45F}"/>
+                <a16:creationId xmlns="" xmlns:a16="http://schemas.microsoft.com/office/drawing/2014/main" id="{C2C6FB08-A9AE-499D-8D48-36435D64D45F}"/>
               </a:ext>
             </a:extLst>
           </p:cNvPr>
@@ -2830,7 +2844,7 @@
           <p:cNvPr id="3" name="Tijdelijke aanduiding voor tekst 2">
             <a:extLst>
               <a:ext uri="{FF2B5EF4-FFF2-40B4-BE49-F238E27FC236}">
-                <a16:creationId xmlns:a16="http://schemas.microsoft.com/office/drawing/2014/main" xmlns="" id="{0F827556-ED9A-4ADA-ACD9-C1FB4A686C70}"/>
+                <a16:creationId xmlns="" xmlns:a16="http://schemas.microsoft.com/office/drawing/2014/main" id="{0F827556-ED9A-4ADA-ACD9-C1FB4A686C70}"/>
               </a:ext>
             </a:extLst>
           </p:cNvPr>
@@ -2897,7 +2911,7 @@
           <p:cNvPr id="4" name="Tijdelijke aanduiding voor datum 3">
             <a:extLst>
               <a:ext uri="{FF2B5EF4-FFF2-40B4-BE49-F238E27FC236}">
-                <a16:creationId xmlns:a16="http://schemas.microsoft.com/office/drawing/2014/main" xmlns="" id="{674299E2-0500-4742-AA4A-CA966DAE16F3}"/>
+                <a16:creationId xmlns="" xmlns:a16="http://schemas.microsoft.com/office/drawing/2014/main" id="{674299E2-0500-4742-AA4A-CA966DAE16F3}"/>
               </a:ext>
             </a:extLst>
           </p:cNvPr>
@@ -2934,7 +2948,7 @@
             <a:fld id="{13AED1D5-1654-4538-8418-B6EE1FB4A56C}" type="datetimeFigureOut">
               <a:rPr lang="nl-NL" smtClean="0"/>
               <a:pPr/>
-              <a:t>21-8-2020</a:t>
+              <a:t>22-8-2020</a:t>
             </a:fld>
             <a:endParaRPr lang="nl-NL"/>
           </a:p>
@@ -2945,7 +2959,7 @@
           <p:cNvPr id="5" name="Tijdelijke aanduiding voor voettekst 4">
             <a:extLst>
               <a:ext uri="{FF2B5EF4-FFF2-40B4-BE49-F238E27FC236}">
-                <a16:creationId xmlns:a16="http://schemas.microsoft.com/office/drawing/2014/main" xmlns="" id="{580EA542-A5E7-4BB7-A87A-C73F0EB69643}"/>
+                <a16:creationId xmlns="" xmlns:a16="http://schemas.microsoft.com/office/drawing/2014/main" id="{580EA542-A5E7-4BB7-A87A-C73F0EB69643}"/>
               </a:ext>
             </a:extLst>
           </p:cNvPr>
@@ -2988,7 +3002,7 @@
           <p:cNvPr id="6" name="Tijdelijke aanduiding voor dianummer 5">
             <a:extLst>
               <a:ext uri="{FF2B5EF4-FFF2-40B4-BE49-F238E27FC236}">
-                <a16:creationId xmlns:a16="http://schemas.microsoft.com/office/drawing/2014/main" xmlns="" id="{16B7AD39-C36D-4F5C-B8A2-889CFEF142A1}"/>
+                <a16:creationId xmlns="" xmlns:a16="http://schemas.microsoft.com/office/drawing/2014/main" id="{16B7AD39-C36D-4F5C-B8A2-889CFEF142A1}"/>
               </a:ext>
             </a:extLst>
           </p:cNvPr>
@@ -3034,7 +3048,7 @@
     </p:spTree>
     <p:extLst>
       <p:ext uri="{BB962C8B-B14F-4D97-AF65-F5344CB8AC3E}">
-        <p14:creationId xmlns:p14="http://schemas.microsoft.com/office/powerpoint/2010/main" xmlns="" val="3708115753"/>
+        <p14:creationId xmlns="" xmlns:p14="http://schemas.microsoft.com/office/powerpoint/2010/main" val="3708115753"/>
       </p:ext>
     </p:extLst>
   </p:cSld>
@@ -3357,7 +3371,7 @@
           <p:cNvPr id="30" name="Groep 29">
             <a:extLst>
               <a:ext uri="{FF2B5EF4-FFF2-40B4-BE49-F238E27FC236}">
-                <a16:creationId xmlns:a16="http://schemas.microsoft.com/office/drawing/2014/main" xmlns="" id="{41EFB9FE-769E-4EF2-91C3-C578D8F916ED}"/>
+                <a16:creationId xmlns="" xmlns:a16="http://schemas.microsoft.com/office/drawing/2014/main" id="{41EFB9FE-769E-4EF2-91C3-C578D8F916ED}"/>
               </a:ext>
             </a:extLst>
           </p:cNvPr>
@@ -3377,7 +3391,7 @@
             <p:cNvPr id="29" name="Afbeelding 28">
               <a:extLst>
                 <a:ext uri="{FF2B5EF4-FFF2-40B4-BE49-F238E27FC236}">
-                  <a16:creationId xmlns:a16="http://schemas.microsoft.com/office/drawing/2014/main" xmlns="" id="{59D50B84-2F40-4A03-BAF6-B4C47F708EAC}"/>
+                  <a16:creationId xmlns="" xmlns:a16="http://schemas.microsoft.com/office/drawing/2014/main" id="{59D50B84-2F40-4A03-BAF6-B4C47F708EAC}"/>
                 </a:ext>
               </a:extLst>
             </p:cNvPr>
@@ -3406,7 +3420,7 @@
             <p:cNvPr id="5" name="Tekstvak 4">
               <a:extLst>
                 <a:ext uri="{FF2B5EF4-FFF2-40B4-BE49-F238E27FC236}">
-                  <a16:creationId xmlns:a16="http://schemas.microsoft.com/office/drawing/2014/main" xmlns="" id="{EACC29A0-7C53-481A-9E4D-1588B204DF98}"/>
+                  <a16:creationId xmlns="" xmlns:a16="http://schemas.microsoft.com/office/drawing/2014/main" id="{EACC29A0-7C53-481A-9E4D-1588B204DF98}"/>
                 </a:ext>
               </a:extLst>
             </p:cNvPr>
@@ -3443,7 +3457,7 @@
             <p:cNvPr id="7" name="Tekstvak 6">
               <a:extLst>
                 <a:ext uri="{FF2B5EF4-FFF2-40B4-BE49-F238E27FC236}">
-                  <a16:creationId xmlns:a16="http://schemas.microsoft.com/office/drawing/2014/main" xmlns="" id="{0459A87B-55AC-40D1-B449-381F1A68DE20}"/>
+                  <a16:creationId xmlns="" xmlns:a16="http://schemas.microsoft.com/office/drawing/2014/main" id="{0459A87B-55AC-40D1-B449-381F1A68DE20}"/>
                 </a:ext>
               </a:extLst>
             </p:cNvPr>
@@ -3480,7 +3494,7 @@
             <p:cNvPr id="9" name="Tekstvak 8">
               <a:extLst>
                 <a:ext uri="{FF2B5EF4-FFF2-40B4-BE49-F238E27FC236}">
-                  <a16:creationId xmlns:a16="http://schemas.microsoft.com/office/drawing/2014/main" xmlns="" id="{EFD13B2A-CF8F-4347-AB3B-272A141EC9E9}"/>
+                  <a16:creationId xmlns="" xmlns:a16="http://schemas.microsoft.com/office/drawing/2014/main" id="{EFD13B2A-CF8F-4347-AB3B-272A141EC9E9}"/>
                 </a:ext>
               </a:extLst>
             </p:cNvPr>
@@ -3519,7 +3533,7 @@
             <p:cNvPr id="11" name="Tekstvak 10">
               <a:extLst>
                 <a:ext uri="{FF2B5EF4-FFF2-40B4-BE49-F238E27FC236}">
-                  <a16:creationId xmlns:a16="http://schemas.microsoft.com/office/drawing/2014/main" xmlns="" id="{EE59985F-7B9D-4E40-BF76-E56C34BFF564}"/>
+                  <a16:creationId xmlns="" xmlns:a16="http://schemas.microsoft.com/office/drawing/2014/main" id="{EE59985F-7B9D-4E40-BF76-E56C34BFF564}"/>
                 </a:ext>
               </a:extLst>
             </p:cNvPr>
@@ -3558,7 +3572,7 @@
             <p:cNvPr id="13" name="Tekstvak 12">
               <a:extLst>
                 <a:ext uri="{FF2B5EF4-FFF2-40B4-BE49-F238E27FC236}">
-                  <a16:creationId xmlns:a16="http://schemas.microsoft.com/office/drawing/2014/main" xmlns="" id="{3B203840-8F9E-4257-AC9E-C583BCAECCD1}"/>
+                  <a16:creationId xmlns="" xmlns:a16="http://schemas.microsoft.com/office/drawing/2014/main" id="{3B203840-8F9E-4257-AC9E-C583BCAECCD1}"/>
                 </a:ext>
               </a:extLst>
             </p:cNvPr>
@@ -3595,7 +3609,7 @@
             <p:cNvPr id="15" name="Tekstvak 14">
               <a:extLst>
                 <a:ext uri="{FF2B5EF4-FFF2-40B4-BE49-F238E27FC236}">
-                  <a16:creationId xmlns:a16="http://schemas.microsoft.com/office/drawing/2014/main" xmlns="" id="{D97D3977-E61C-4424-A2A9-753667553FAD}"/>
+                  <a16:creationId xmlns="" xmlns:a16="http://schemas.microsoft.com/office/drawing/2014/main" id="{D97D3977-E61C-4424-A2A9-753667553FAD}"/>
                 </a:ext>
               </a:extLst>
             </p:cNvPr>
@@ -3634,7 +3648,7 @@
             <p:cNvPr id="17" name="Tekstvak 16">
               <a:extLst>
                 <a:ext uri="{FF2B5EF4-FFF2-40B4-BE49-F238E27FC236}">
-                  <a16:creationId xmlns:a16="http://schemas.microsoft.com/office/drawing/2014/main" xmlns="" id="{06A12986-1419-49C2-8FE0-F45EF49222E0}"/>
+                  <a16:creationId xmlns="" xmlns:a16="http://schemas.microsoft.com/office/drawing/2014/main" id="{06A12986-1419-49C2-8FE0-F45EF49222E0}"/>
                 </a:ext>
               </a:extLst>
             </p:cNvPr>
@@ -3671,7 +3685,7 @@
             <p:cNvPr id="19" name="Tekstvak 18">
               <a:extLst>
                 <a:ext uri="{FF2B5EF4-FFF2-40B4-BE49-F238E27FC236}">
-                  <a16:creationId xmlns:a16="http://schemas.microsoft.com/office/drawing/2014/main" xmlns="" id="{DBBA3FEB-D47C-4B8D-9944-49BF88CAC616}"/>
+                  <a16:creationId xmlns="" xmlns:a16="http://schemas.microsoft.com/office/drawing/2014/main" id="{DBBA3FEB-D47C-4B8D-9944-49BF88CAC616}"/>
                 </a:ext>
               </a:extLst>
             </p:cNvPr>
@@ -3710,7 +3724,7 @@
             <p:cNvPr id="21" name="Tekstvak 20">
               <a:extLst>
                 <a:ext uri="{FF2B5EF4-FFF2-40B4-BE49-F238E27FC236}">
-                  <a16:creationId xmlns:a16="http://schemas.microsoft.com/office/drawing/2014/main" xmlns="" id="{802BE13D-A99F-4F59-8427-F1FD5249DF40}"/>
+                  <a16:creationId xmlns="" xmlns:a16="http://schemas.microsoft.com/office/drawing/2014/main" id="{802BE13D-A99F-4F59-8427-F1FD5249DF40}"/>
                 </a:ext>
               </a:extLst>
             </p:cNvPr>
@@ -3747,7 +3761,7 @@
             <p:cNvPr id="23" name="Tekstvak 22">
               <a:extLst>
                 <a:ext uri="{FF2B5EF4-FFF2-40B4-BE49-F238E27FC236}">
-                  <a16:creationId xmlns:a16="http://schemas.microsoft.com/office/drawing/2014/main" xmlns="" id="{0BF3376F-2597-4A79-B995-5D3093AD8CA3}"/>
+                  <a16:creationId xmlns="" xmlns:a16="http://schemas.microsoft.com/office/drawing/2014/main" id="{0BF3376F-2597-4A79-B995-5D3093AD8CA3}"/>
                 </a:ext>
               </a:extLst>
             </p:cNvPr>
@@ -3786,7 +3800,7 @@
             <p:cNvPr id="25" name="Tekstvak 24">
               <a:extLst>
                 <a:ext uri="{FF2B5EF4-FFF2-40B4-BE49-F238E27FC236}">
-                  <a16:creationId xmlns:a16="http://schemas.microsoft.com/office/drawing/2014/main" xmlns="" id="{7520D0AB-7C21-4D6E-B958-831D93507BA1}"/>
+                  <a16:creationId xmlns="" xmlns:a16="http://schemas.microsoft.com/office/drawing/2014/main" id="{7520D0AB-7C21-4D6E-B958-831D93507BA1}"/>
                 </a:ext>
               </a:extLst>
             </p:cNvPr>
@@ -3823,7 +3837,7 @@
             <p:cNvPr id="27" name="Tekstvak 26">
               <a:extLst>
                 <a:ext uri="{FF2B5EF4-FFF2-40B4-BE49-F238E27FC236}">
-                  <a16:creationId xmlns:a16="http://schemas.microsoft.com/office/drawing/2014/main" xmlns="" id="{BF1D15B4-280B-42E6-906E-79A579103AC0}"/>
+                  <a16:creationId xmlns="" xmlns:a16="http://schemas.microsoft.com/office/drawing/2014/main" id="{BF1D15B4-280B-42E6-906E-79A579103AC0}"/>
                 </a:ext>
               </a:extLst>
             </p:cNvPr>
@@ -3861,9 +3875,2834 @@
     </p:spTree>
     <p:extLst>
       <p:ext uri="{BB962C8B-B14F-4D97-AF65-F5344CB8AC3E}">
-        <p14:creationId xmlns:p14="http://schemas.microsoft.com/office/powerpoint/2010/main" xmlns="" val="1350645793"/>
+        <p14:creationId xmlns="" xmlns:p14="http://schemas.microsoft.com/office/powerpoint/2010/main" val="1350645793"/>
       </p:ext>
     </p:extLst>
+  </p:cSld>
+  <p:clrMapOvr>
+    <a:masterClrMapping/>
+  </p:clrMapOvr>
+</p:sld>
+</file>
+
+<file path=ppt/slides/slide10.xml><?xml version="1.0" encoding="utf-8"?>
+<p:sld xmlns:a="http://schemas.openxmlformats.org/drawingml/2006/main" xmlns:r="http://schemas.openxmlformats.org/officeDocument/2006/relationships" xmlns:p="http://schemas.openxmlformats.org/presentationml/2006/main">
+  <p:cSld>
+    <p:spTree>
+      <p:nvGrpSpPr>
+        <p:cNvPr id="1" name=""/>
+        <p:cNvGrpSpPr/>
+        <p:nvPr/>
+      </p:nvGrpSpPr>
+      <p:grpSpPr>
+        <a:xfrm>
+          <a:off x="0" y="0"/>
+          <a:ext cx="0" cy="0"/>
+          <a:chOff x="0" y="0"/>
+          <a:chExt cx="0" cy="0"/>
+        </a:xfrm>
+      </p:grpSpPr>
+      <p:graphicFrame>
+        <p:nvGraphicFramePr>
+          <p:cNvPr id="4" name="Table 3"/>
+          <p:cNvGraphicFramePr>
+            <a:graphicFrameLocks noGrp="1"/>
+          </p:cNvGraphicFramePr>
+          <p:nvPr/>
+        </p:nvGraphicFramePr>
+        <p:xfrm>
+          <a:off x="621435" y="470517"/>
+          <a:ext cx="10670962" cy="5495276"/>
+        </p:xfrm>
+        <a:graphic>
+          <a:graphicData uri="http://schemas.openxmlformats.org/drawingml/2006/table">
+            <a:tbl>
+              <a:tblPr firstRow="1" bandRow="1">
+                <a:tableStyleId>{2D5ABB26-0587-4C30-8999-92F81FD0307C}</a:tableStyleId>
+              </a:tblPr>
+              <a:tblGrid>
+                <a:gridCol w="5335481"/>
+                <a:gridCol w="5335481"/>
+              </a:tblGrid>
+              <a:tr h="2747638">
+                <a:tc>
+                  <a:txBody>
+                    <a:bodyPr/>
+                    <a:lstStyle/>
+                    <a:p>
+                      <a:r>
+                        <a:rPr lang="nl-NL" dirty="0" smtClean="0"/>
+                        <a:t>5.</a:t>
+                      </a:r>
+                      <a:r>
+                        <a:rPr lang="nl-NL" baseline="0" dirty="0" smtClean="0"/>
+                        <a:t>Maak een nieuw bestand </a:t>
+                      </a:r>
+                      <a:r>
+                        <a:rPr lang="nl-NL" baseline="0" dirty="0" err="1" smtClean="0"/>
+                        <a:t>Test.txt</a:t>
+                      </a:r>
+                      <a:r>
+                        <a:rPr lang="nl-NL" baseline="0" dirty="0" smtClean="0"/>
+                        <a:t> </a:t>
+                      </a:r>
+                      <a:r>
+                        <a:rPr lang="nl-NL" baseline="0" dirty="0" smtClean="0"/>
+                        <a:t>aan </a:t>
+                      </a:r>
+                      <a:r>
+                        <a:rPr lang="nl-NL" baseline="0" dirty="0" smtClean="0"/>
+                        <a:t>in de </a:t>
+                      </a:r>
+                      <a:r>
+                        <a:rPr lang="nl-NL" baseline="0" dirty="0" err="1" smtClean="0"/>
+                        <a:t>repository</a:t>
+                      </a:r>
+                      <a:r>
+                        <a:rPr lang="nl-NL" baseline="0" dirty="0" smtClean="0"/>
+                        <a:t> </a:t>
+                      </a:r>
+                      <a:endParaRPr lang="nl-NL" dirty="0"/>
+                    </a:p>
+                  </a:txBody>
+                  <a:tcPr>
+                    <a:lnL w="12700" cap="flat" cmpd="sng" algn="ctr">
+                      <a:solidFill>
+                        <a:schemeClr val="tx1"/>
+                      </a:solidFill>
+                      <a:prstDash val="solid"/>
+                      <a:round/>
+                      <a:headEnd type="none" w="med" len="med"/>
+                      <a:tailEnd type="none" w="med" len="med"/>
+                    </a:lnL>
+                    <a:lnR w="12700" cap="flat" cmpd="sng" algn="ctr">
+                      <a:solidFill>
+                        <a:schemeClr val="tx1"/>
+                      </a:solidFill>
+                      <a:prstDash val="solid"/>
+                      <a:round/>
+                      <a:headEnd type="none" w="med" len="med"/>
+                      <a:tailEnd type="none" w="med" len="med"/>
+                    </a:lnR>
+                    <a:lnT w="12700" cap="flat" cmpd="sng" algn="ctr">
+                      <a:solidFill>
+                        <a:schemeClr val="tx1"/>
+                      </a:solidFill>
+                      <a:prstDash val="solid"/>
+                      <a:round/>
+                      <a:headEnd type="none" w="med" len="med"/>
+                      <a:tailEnd type="none" w="med" len="med"/>
+                    </a:lnT>
+                    <a:lnB w="12700" cap="flat" cmpd="sng" algn="ctr">
+                      <a:solidFill>
+                        <a:schemeClr val="tx1"/>
+                      </a:solidFill>
+                      <a:prstDash val="solid"/>
+                      <a:round/>
+                      <a:headEnd type="none" w="med" len="med"/>
+                      <a:tailEnd type="none" w="med" len="med"/>
+                    </a:lnB>
+                  </a:tcPr>
+                </a:tc>
+                <a:tc>
+                  <a:txBody>
+                    <a:bodyPr/>
+                    <a:lstStyle/>
+                    <a:p>
+                      <a:r>
+                        <a:rPr lang="nl-NL" dirty="0" smtClean="0"/>
+                        <a:t>6. De lokale </a:t>
+                      </a:r>
+                      <a:r>
+                        <a:rPr lang="nl-NL" dirty="0" err="1" smtClean="0"/>
+                        <a:t>repository</a:t>
+                      </a:r>
+                      <a:r>
+                        <a:rPr lang="nl-NL" baseline="0" dirty="0" smtClean="0"/>
+                        <a:t> ziet er vervolgens zo uit</a:t>
+                      </a:r>
+                      <a:endParaRPr lang="nl-NL" dirty="0"/>
+                    </a:p>
+                  </a:txBody>
+                  <a:tcPr>
+                    <a:lnL w="12700" cap="flat" cmpd="sng" algn="ctr">
+                      <a:solidFill>
+                        <a:schemeClr val="tx1"/>
+                      </a:solidFill>
+                      <a:prstDash val="solid"/>
+                      <a:round/>
+                      <a:headEnd type="none" w="med" len="med"/>
+                      <a:tailEnd type="none" w="med" len="med"/>
+                    </a:lnL>
+                    <a:lnR w="12700" cap="flat" cmpd="sng" algn="ctr">
+                      <a:solidFill>
+                        <a:schemeClr val="tx1"/>
+                      </a:solidFill>
+                      <a:prstDash val="solid"/>
+                      <a:round/>
+                      <a:headEnd type="none" w="med" len="med"/>
+                      <a:tailEnd type="none" w="med" len="med"/>
+                    </a:lnR>
+                    <a:lnT w="12700" cap="flat" cmpd="sng" algn="ctr">
+                      <a:solidFill>
+                        <a:schemeClr val="tx1"/>
+                      </a:solidFill>
+                      <a:prstDash val="solid"/>
+                      <a:round/>
+                      <a:headEnd type="none" w="med" len="med"/>
+                      <a:tailEnd type="none" w="med" len="med"/>
+                    </a:lnT>
+                    <a:lnB w="12700" cap="flat" cmpd="sng" algn="ctr">
+                      <a:solidFill>
+                        <a:schemeClr val="tx1"/>
+                      </a:solidFill>
+                      <a:prstDash val="solid"/>
+                      <a:round/>
+                      <a:headEnd type="none" w="med" len="med"/>
+                      <a:tailEnd type="none" w="med" len="med"/>
+                    </a:lnB>
+                  </a:tcPr>
+                </a:tc>
+              </a:tr>
+              <a:tr h="2747638">
+                <a:tc>
+                  <a:txBody>
+                    <a:bodyPr/>
+                    <a:lstStyle/>
+                    <a:p>
+                      <a:r>
+                        <a:rPr lang="nl-NL" dirty="0" smtClean="0"/>
+                        <a:t>7. Klik op </a:t>
+                      </a:r>
+                      <a:r>
+                        <a:rPr lang="nl-NL" dirty="0" err="1" smtClean="0"/>
+                        <a:t>Rescan</a:t>
+                      </a:r>
+                      <a:r>
+                        <a:rPr lang="nl-NL" baseline="0" dirty="0" smtClean="0"/>
+                        <a:t> in Git GUI om te zien of er lokaal aanpassingen zijn gedaan</a:t>
+                      </a:r>
+                      <a:endParaRPr lang="nl-NL" dirty="0"/>
+                    </a:p>
+                  </a:txBody>
+                  <a:tcPr>
+                    <a:lnL w="12700" cap="flat" cmpd="sng" algn="ctr">
+                      <a:solidFill>
+                        <a:schemeClr val="tx1"/>
+                      </a:solidFill>
+                      <a:prstDash val="solid"/>
+                      <a:round/>
+                      <a:headEnd type="none" w="med" len="med"/>
+                      <a:tailEnd type="none" w="med" len="med"/>
+                    </a:lnL>
+                    <a:lnR w="12700" cap="flat" cmpd="sng" algn="ctr">
+                      <a:solidFill>
+                        <a:schemeClr val="tx1"/>
+                      </a:solidFill>
+                      <a:prstDash val="solid"/>
+                      <a:round/>
+                      <a:headEnd type="none" w="med" len="med"/>
+                      <a:tailEnd type="none" w="med" len="med"/>
+                    </a:lnR>
+                    <a:lnT w="12700" cap="flat" cmpd="sng" algn="ctr">
+                      <a:solidFill>
+                        <a:schemeClr val="tx1"/>
+                      </a:solidFill>
+                      <a:prstDash val="solid"/>
+                      <a:round/>
+                      <a:headEnd type="none" w="med" len="med"/>
+                      <a:tailEnd type="none" w="med" len="med"/>
+                    </a:lnT>
+                    <a:lnB w="12700" cap="flat" cmpd="sng" algn="ctr">
+                      <a:solidFill>
+                        <a:schemeClr val="tx1"/>
+                      </a:solidFill>
+                      <a:prstDash val="solid"/>
+                      <a:round/>
+                      <a:headEnd type="none" w="med" len="med"/>
+                      <a:tailEnd type="none" w="med" len="med"/>
+                    </a:lnB>
+                  </a:tcPr>
+                </a:tc>
+                <a:tc>
+                  <a:txBody>
+                    <a:bodyPr/>
+                    <a:lstStyle/>
+                    <a:p>
+                      <a:r>
+                        <a:rPr lang="nl-NL" dirty="0" smtClean="0"/>
+                        <a:t>8. Klik op Stage </a:t>
+                      </a:r>
+                      <a:r>
+                        <a:rPr lang="nl-NL" dirty="0" err="1" smtClean="0"/>
+                        <a:t>Changed</a:t>
+                      </a:r>
+                      <a:endParaRPr lang="nl-NL" dirty="0"/>
+                    </a:p>
+                  </a:txBody>
+                  <a:tcPr>
+                    <a:lnL w="12700" cap="flat" cmpd="sng" algn="ctr">
+                      <a:solidFill>
+                        <a:schemeClr val="tx1"/>
+                      </a:solidFill>
+                      <a:prstDash val="solid"/>
+                      <a:round/>
+                      <a:headEnd type="none" w="med" len="med"/>
+                      <a:tailEnd type="none" w="med" len="med"/>
+                    </a:lnL>
+                    <a:lnR w="12700" cap="flat" cmpd="sng" algn="ctr">
+                      <a:solidFill>
+                        <a:schemeClr val="tx1"/>
+                      </a:solidFill>
+                      <a:prstDash val="solid"/>
+                      <a:round/>
+                      <a:headEnd type="none" w="med" len="med"/>
+                      <a:tailEnd type="none" w="med" len="med"/>
+                    </a:lnR>
+                    <a:lnT w="12700" cap="flat" cmpd="sng" algn="ctr">
+                      <a:solidFill>
+                        <a:schemeClr val="tx1"/>
+                      </a:solidFill>
+                      <a:prstDash val="solid"/>
+                      <a:round/>
+                      <a:headEnd type="none" w="med" len="med"/>
+                      <a:tailEnd type="none" w="med" len="med"/>
+                    </a:lnT>
+                    <a:lnB w="12700" cap="flat" cmpd="sng" algn="ctr">
+                      <a:solidFill>
+                        <a:schemeClr val="tx1"/>
+                      </a:solidFill>
+                      <a:prstDash val="solid"/>
+                      <a:round/>
+                      <a:headEnd type="none" w="med" len="med"/>
+                      <a:tailEnd type="none" w="med" len="med"/>
+                    </a:lnB>
+                  </a:tcPr>
+                </a:tc>
+              </a:tr>
+            </a:tbl>
+          </a:graphicData>
+        </a:graphic>
+      </p:graphicFrame>
+      <p:pic>
+        <p:nvPicPr>
+          <p:cNvPr id="5122" name="Picture 2"/>
+          <p:cNvPicPr>
+            <a:picLocks noGrp="1" noChangeAspect="1" noChangeArrowheads="1"/>
+          </p:cNvPicPr>
+          <p:nvPr>
+            <p:ph idx="1"/>
+          </p:nvPr>
+        </p:nvPicPr>
+        <p:blipFill>
+          <a:blip r:embed="rId2" cstate="print"/>
+          <a:srcRect t="1712" r="1003"/>
+          <a:stretch>
+            <a:fillRect/>
+          </a:stretch>
+        </p:blipFill>
+        <p:spPr bwMode="auto">
+          <a:xfrm>
+            <a:off x="870554" y="896646"/>
+            <a:ext cx="4651249" cy="2159740"/>
+          </a:xfrm>
+          <a:prstGeom prst="rect">
+            <a:avLst/>
+          </a:prstGeom>
+          <a:noFill/>
+          <a:ln w="9525">
+            <a:noFill/>
+            <a:miter lim="800000"/>
+            <a:headEnd/>
+            <a:tailEnd/>
+          </a:ln>
+        </p:spPr>
+      </p:pic>
+      <p:pic>
+        <p:nvPicPr>
+          <p:cNvPr id="5123" name="Picture 3"/>
+          <p:cNvPicPr>
+            <a:picLocks noChangeAspect="1" noChangeArrowheads="1"/>
+          </p:cNvPicPr>
+          <p:nvPr/>
+        </p:nvPicPr>
+        <p:blipFill>
+          <a:blip r:embed="rId3" cstate="print"/>
+          <a:srcRect/>
+          <a:stretch>
+            <a:fillRect/>
+          </a:stretch>
+        </p:blipFill>
+        <p:spPr bwMode="auto">
+          <a:xfrm>
+            <a:off x="6172200" y="825802"/>
+            <a:ext cx="4931093" cy="2388885"/>
+          </a:xfrm>
+          <a:prstGeom prst="rect">
+            <a:avLst/>
+          </a:prstGeom>
+          <a:noFill/>
+          <a:ln w="9525">
+            <a:noFill/>
+            <a:miter lim="800000"/>
+            <a:headEnd/>
+            <a:tailEnd/>
+          </a:ln>
+        </p:spPr>
+      </p:pic>
+      <p:pic>
+        <p:nvPicPr>
+          <p:cNvPr id="5124" name="Picture 4"/>
+          <p:cNvPicPr>
+            <a:picLocks noChangeAspect="1" noChangeArrowheads="1"/>
+          </p:cNvPicPr>
+          <p:nvPr/>
+        </p:nvPicPr>
+        <p:blipFill>
+          <a:blip r:embed="rId4" cstate="print"/>
+          <a:srcRect/>
+          <a:stretch>
+            <a:fillRect/>
+          </a:stretch>
+        </p:blipFill>
+        <p:spPr bwMode="auto">
+          <a:xfrm>
+            <a:off x="981074" y="3790354"/>
+            <a:ext cx="3924301" cy="2162769"/>
+          </a:xfrm>
+          <a:prstGeom prst="rect">
+            <a:avLst/>
+          </a:prstGeom>
+          <a:noFill/>
+          <a:ln w="9525">
+            <a:noFill/>
+            <a:miter lim="800000"/>
+            <a:headEnd/>
+            <a:tailEnd/>
+          </a:ln>
+        </p:spPr>
+      </p:pic>
+      <p:pic>
+        <p:nvPicPr>
+          <p:cNvPr id="5125" name="Picture 5"/>
+          <p:cNvPicPr>
+            <a:picLocks noChangeAspect="1" noChangeArrowheads="1"/>
+          </p:cNvPicPr>
+          <p:nvPr/>
+        </p:nvPicPr>
+        <p:blipFill>
+          <a:blip r:embed="rId5" cstate="print"/>
+          <a:srcRect/>
+          <a:stretch>
+            <a:fillRect/>
+          </a:stretch>
+        </p:blipFill>
+        <p:spPr bwMode="auto">
+          <a:xfrm>
+            <a:off x="6262777" y="3530600"/>
+            <a:ext cx="4433272" cy="2427288"/>
+          </a:xfrm>
+          <a:prstGeom prst="rect">
+            <a:avLst/>
+          </a:prstGeom>
+          <a:noFill/>
+          <a:ln w="9525">
+            <a:noFill/>
+            <a:miter lim="800000"/>
+            <a:headEnd/>
+            <a:tailEnd/>
+          </a:ln>
+        </p:spPr>
+      </p:pic>
+    </p:spTree>
+  </p:cSld>
+  <p:clrMapOvr>
+    <a:masterClrMapping/>
+  </p:clrMapOvr>
+  <p:timing>
+    <p:tnLst>
+      <p:par>
+        <p:cTn id="1" dur="indefinite" restart="never" nodeType="tmRoot"/>
+      </p:par>
+    </p:tnLst>
+  </p:timing>
+</p:sld>
+</file>
+
+<file path=ppt/slides/slide11.xml><?xml version="1.0" encoding="utf-8"?>
+<p:sld xmlns:a="http://schemas.openxmlformats.org/drawingml/2006/main" xmlns:r="http://schemas.openxmlformats.org/officeDocument/2006/relationships" xmlns:p="http://schemas.openxmlformats.org/presentationml/2006/main">
+  <p:cSld>
+    <p:spTree>
+      <p:nvGrpSpPr>
+        <p:cNvPr id="1" name=""/>
+        <p:cNvGrpSpPr/>
+        <p:nvPr/>
+      </p:nvGrpSpPr>
+      <p:grpSpPr>
+        <a:xfrm>
+          <a:off x="0" y="0"/>
+          <a:ext cx="0" cy="0"/>
+          <a:chOff x="0" y="0"/>
+          <a:chExt cx="0" cy="0"/>
+        </a:xfrm>
+      </p:grpSpPr>
+      <p:graphicFrame>
+        <p:nvGraphicFramePr>
+          <p:cNvPr id="4" name="Table 3"/>
+          <p:cNvGraphicFramePr>
+            <a:graphicFrameLocks noGrp="1"/>
+          </p:cNvGraphicFramePr>
+          <p:nvPr/>
+        </p:nvGraphicFramePr>
+        <p:xfrm>
+          <a:off x="621435" y="470517"/>
+          <a:ext cx="10670962" cy="5495276"/>
+        </p:xfrm>
+        <a:graphic>
+          <a:graphicData uri="http://schemas.openxmlformats.org/drawingml/2006/table">
+            <a:tbl>
+              <a:tblPr firstRow="1" bandRow="1">
+                <a:tableStyleId>{2D5ABB26-0587-4C30-8999-92F81FD0307C}</a:tableStyleId>
+              </a:tblPr>
+              <a:tblGrid>
+                <a:gridCol w="5335481"/>
+                <a:gridCol w="5335481"/>
+              </a:tblGrid>
+              <a:tr h="2747638">
+                <a:tc>
+                  <a:txBody>
+                    <a:bodyPr/>
+                    <a:lstStyle/>
+                    <a:p>
+                      <a:r>
+                        <a:rPr lang="nl-NL" dirty="0" smtClean="0"/>
+                        <a:t>9.</a:t>
+                      </a:r>
+                      <a:r>
+                        <a:rPr lang="nl-NL" baseline="0" dirty="0" smtClean="0"/>
+                        <a:t> Nu is </a:t>
+                      </a:r>
+                      <a:r>
+                        <a:rPr lang="nl-NL" baseline="0" dirty="0" err="1" smtClean="0"/>
+                        <a:t>Test.txt</a:t>
+                      </a:r>
+                      <a:r>
+                        <a:rPr lang="nl-NL" baseline="0" dirty="0" smtClean="0"/>
+                        <a:t> verplaatst naar </a:t>
+                      </a:r>
+                      <a:r>
+                        <a:rPr lang="nl-NL" baseline="0" dirty="0" err="1" smtClean="0"/>
+                        <a:t>Staged</a:t>
+                      </a:r>
+                      <a:r>
+                        <a:rPr lang="nl-NL" baseline="0" dirty="0" smtClean="0"/>
+                        <a:t> </a:t>
+                      </a:r>
+                      <a:r>
+                        <a:rPr lang="nl-NL" baseline="0" dirty="0" err="1" smtClean="0"/>
+                        <a:t>Changes</a:t>
+                      </a:r>
+                      <a:endParaRPr lang="nl-NL" dirty="0"/>
+                    </a:p>
+                  </a:txBody>
+                  <a:tcPr>
+                    <a:lnL w="12700" cap="flat" cmpd="sng" algn="ctr">
+                      <a:solidFill>
+                        <a:schemeClr val="tx1"/>
+                      </a:solidFill>
+                      <a:prstDash val="solid"/>
+                      <a:round/>
+                      <a:headEnd type="none" w="med" len="med"/>
+                      <a:tailEnd type="none" w="med" len="med"/>
+                    </a:lnL>
+                    <a:lnR w="12700" cap="flat" cmpd="sng" algn="ctr">
+                      <a:solidFill>
+                        <a:schemeClr val="tx1"/>
+                      </a:solidFill>
+                      <a:prstDash val="solid"/>
+                      <a:round/>
+                      <a:headEnd type="none" w="med" len="med"/>
+                      <a:tailEnd type="none" w="med" len="med"/>
+                    </a:lnR>
+                    <a:lnT w="12700" cap="flat" cmpd="sng" algn="ctr">
+                      <a:solidFill>
+                        <a:schemeClr val="tx1"/>
+                      </a:solidFill>
+                      <a:prstDash val="solid"/>
+                      <a:round/>
+                      <a:headEnd type="none" w="med" len="med"/>
+                      <a:tailEnd type="none" w="med" len="med"/>
+                    </a:lnT>
+                    <a:lnB w="12700" cap="flat" cmpd="sng" algn="ctr">
+                      <a:solidFill>
+                        <a:schemeClr val="tx1"/>
+                      </a:solidFill>
+                      <a:prstDash val="solid"/>
+                      <a:round/>
+                      <a:headEnd type="none" w="med" len="med"/>
+                      <a:tailEnd type="none" w="med" len="med"/>
+                    </a:lnB>
+                  </a:tcPr>
+                </a:tc>
+                <a:tc>
+                  <a:txBody>
+                    <a:bodyPr/>
+                    <a:lstStyle/>
+                    <a:p>
+                      <a:r>
+                        <a:rPr lang="nl-NL" dirty="0" smtClean="0"/>
+                        <a:t>10. Klik op </a:t>
+                      </a:r>
+                      <a:r>
+                        <a:rPr lang="nl-NL" dirty="0" err="1" smtClean="0"/>
+                        <a:t>Sign</a:t>
+                      </a:r>
+                      <a:r>
+                        <a:rPr lang="nl-NL" dirty="0" smtClean="0"/>
+                        <a:t> </a:t>
+                      </a:r>
+                      <a:r>
+                        <a:rPr lang="nl-NL" dirty="0" err="1" smtClean="0"/>
+                        <a:t>Off</a:t>
+                      </a:r>
+                      <a:r>
+                        <a:rPr lang="nl-NL" dirty="0" smtClean="0"/>
+                        <a:t> om tekst toe te voegen bij de verandering </a:t>
+                      </a:r>
+                      <a:endParaRPr lang="nl-NL" dirty="0"/>
+                    </a:p>
+                  </a:txBody>
+                  <a:tcPr>
+                    <a:lnL w="12700" cap="flat" cmpd="sng" algn="ctr">
+                      <a:solidFill>
+                        <a:schemeClr val="tx1"/>
+                      </a:solidFill>
+                      <a:prstDash val="solid"/>
+                      <a:round/>
+                      <a:headEnd type="none" w="med" len="med"/>
+                      <a:tailEnd type="none" w="med" len="med"/>
+                    </a:lnL>
+                    <a:lnR w="12700" cap="flat" cmpd="sng" algn="ctr">
+                      <a:solidFill>
+                        <a:schemeClr val="tx1"/>
+                      </a:solidFill>
+                      <a:prstDash val="solid"/>
+                      <a:round/>
+                      <a:headEnd type="none" w="med" len="med"/>
+                      <a:tailEnd type="none" w="med" len="med"/>
+                    </a:lnR>
+                    <a:lnT w="12700" cap="flat" cmpd="sng" algn="ctr">
+                      <a:solidFill>
+                        <a:schemeClr val="tx1"/>
+                      </a:solidFill>
+                      <a:prstDash val="solid"/>
+                      <a:round/>
+                      <a:headEnd type="none" w="med" len="med"/>
+                      <a:tailEnd type="none" w="med" len="med"/>
+                    </a:lnT>
+                    <a:lnB w="12700" cap="flat" cmpd="sng" algn="ctr">
+                      <a:solidFill>
+                        <a:schemeClr val="tx1"/>
+                      </a:solidFill>
+                      <a:prstDash val="solid"/>
+                      <a:round/>
+                      <a:headEnd type="none" w="med" len="med"/>
+                      <a:tailEnd type="none" w="med" len="med"/>
+                    </a:lnB>
+                  </a:tcPr>
+                </a:tc>
+              </a:tr>
+              <a:tr h="2747638">
+                <a:tc>
+                  <a:txBody>
+                    <a:bodyPr/>
+                    <a:lstStyle/>
+                    <a:p>
+                      <a:r>
+                        <a:rPr lang="nl-NL" dirty="0" smtClean="0"/>
+                        <a:t>11. Klik op </a:t>
+                      </a:r>
+                      <a:r>
+                        <a:rPr lang="nl-NL" dirty="0" err="1" smtClean="0"/>
+                        <a:t>Commit</a:t>
+                      </a:r>
+                      <a:r>
+                        <a:rPr lang="nl-NL" baseline="0" dirty="0" smtClean="0"/>
+                        <a:t> en vervolgens Push</a:t>
+                      </a:r>
+                      <a:endParaRPr lang="nl-NL" dirty="0"/>
+                    </a:p>
+                  </a:txBody>
+                  <a:tcPr>
+                    <a:lnL w="12700" cap="flat" cmpd="sng" algn="ctr">
+                      <a:solidFill>
+                        <a:schemeClr val="tx1"/>
+                      </a:solidFill>
+                      <a:prstDash val="solid"/>
+                      <a:round/>
+                      <a:headEnd type="none" w="med" len="med"/>
+                      <a:tailEnd type="none" w="med" len="med"/>
+                    </a:lnL>
+                    <a:lnR w="12700" cap="flat" cmpd="sng" algn="ctr">
+                      <a:solidFill>
+                        <a:schemeClr val="tx1"/>
+                      </a:solidFill>
+                      <a:prstDash val="solid"/>
+                      <a:round/>
+                      <a:headEnd type="none" w="med" len="med"/>
+                      <a:tailEnd type="none" w="med" len="med"/>
+                    </a:lnR>
+                    <a:lnT w="12700" cap="flat" cmpd="sng" algn="ctr">
+                      <a:solidFill>
+                        <a:schemeClr val="tx1"/>
+                      </a:solidFill>
+                      <a:prstDash val="solid"/>
+                      <a:round/>
+                      <a:headEnd type="none" w="med" len="med"/>
+                      <a:tailEnd type="none" w="med" len="med"/>
+                    </a:lnT>
+                    <a:lnB w="12700" cap="flat" cmpd="sng" algn="ctr">
+                      <a:solidFill>
+                        <a:schemeClr val="tx1"/>
+                      </a:solidFill>
+                      <a:prstDash val="solid"/>
+                      <a:round/>
+                      <a:headEnd type="none" w="med" len="med"/>
+                      <a:tailEnd type="none" w="med" len="med"/>
+                    </a:lnB>
+                  </a:tcPr>
+                </a:tc>
+                <a:tc>
+                  <a:txBody>
+                    <a:bodyPr/>
+                    <a:lstStyle/>
+                    <a:p>
+                      <a:r>
+                        <a:rPr lang="nl-NL" dirty="0" smtClean="0"/>
+                        <a:t>12. He</a:t>
+                      </a:r>
+                      <a:r>
+                        <a:rPr lang="nl-NL" baseline="0" dirty="0" smtClean="0"/>
+                        <a:t>t volgende scherm komt tevoorschijn met wat er naar de </a:t>
+                      </a:r>
+                      <a:r>
+                        <a:rPr lang="nl-NL" baseline="0" dirty="0" err="1" smtClean="0"/>
+                        <a:t>repository</a:t>
+                      </a:r>
+                      <a:r>
+                        <a:rPr lang="nl-NL" baseline="0" dirty="0" smtClean="0"/>
+                        <a:t> is </a:t>
+                      </a:r>
+                      <a:r>
+                        <a:rPr lang="nl-NL" baseline="0" dirty="0" err="1" smtClean="0"/>
+                        <a:t>gepushed</a:t>
+                      </a:r>
+                      <a:r>
+                        <a:rPr lang="nl-NL" baseline="0" dirty="0" smtClean="0"/>
+                        <a:t> </a:t>
+                      </a:r>
+                      <a:endParaRPr lang="nl-NL" dirty="0"/>
+                    </a:p>
+                  </a:txBody>
+                  <a:tcPr>
+                    <a:lnL w="12700" cap="flat" cmpd="sng" algn="ctr">
+                      <a:solidFill>
+                        <a:schemeClr val="tx1"/>
+                      </a:solidFill>
+                      <a:prstDash val="solid"/>
+                      <a:round/>
+                      <a:headEnd type="none" w="med" len="med"/>
+                      <a:tailEnd type="none" w="med" len="med"/>
+                    </a:lnL>
+                    <a:lnR w="12700" cap="flat" cmpd="sng" algn="ctr">
+                      <a:solidFill>
+                        <a:schemeClr val="tx1"/>
+                      </a:solidFill>
+                      <a:prstDash val="solid"/>
+                      <a:round/>
+                      <a:headEnd type="none" w="med" len="med"/>
+                      <a:tailEnd type="none" w="med" len="med"/>
+                    </a:lnR>
+                    <a:lnT w="12700" cap="flat" cmpd="sng" algn="ctr">
+                      <a:solidFill>
+                        <a:schemeClr val="tx1"/>
+                      </a:solidFill>
+                      <a:prstDash val="solid"/>
+                      <a:round/>
+                      <a:headEnd type="none" w="med" len="med"/>
+                      <a:tailEnd type="none" w="med" len="med"/>
+                    </a:lnT>
+                    <a:lnB w="12700" cap="flat" cmpd="sng" algn="ctr">
+                      <a:solidFill>
+                        <a:schemeClr val="tx1"/>
+                      </a:solidFill>
+                      <a:prstDash val="solid"/>
+                      <a:round/>
+                      <a:headEnd type="none" w="med" len="med"/>
+                      <a:tailEnd type="none" w="med" len="med"/>
+                    </a:lnB>
+                  </a:tcPr>
+                </a:tc>
+              </a:tr>
+            </a:tbl>
+          </a:graphicData>
+        </a:graphic>
+      </p:graphicFrame>
+      <p:pic>
+        <p:nvPicPr>
+          <p:cNvPr id="10" name="Picture 7"/>
+          <p:cNvPicPr>
+            <a:picLocks noChangeAspect="1" noChangeArrowheads="1"/>
+          </p:cNvPicPr>
+          <p:nvPr/>
+        </p:nvPicPr>
+        <p:blipFill>
+          <a:blip r:embed="rId2" cstate="print"/>
+          <a:srcRect l="1104" r="1039" b="1441"/>
+          <a:stretch>
+            <a:fillRect/>
+          </a:stretch>
+        </p:blipFill>
+        <p:spPr bwMode="auto">
+          <a:xfrm>
+            <a:off x="1455937" y="3604333"/>
+            <a:ext cx="2361460" cy="2352583"/>
+          </a:xfrm>
+          <a:prstGeom prst="rect">
+            <a:avLst/>
+          </a:prstGeom>
+          <a:noFill/>
+          <a:ln w="9525">
+            <a:noFill/>
+            <a:miter lim="800000"/>
+            <a:headEnd/>
+            <a:tailEnd/>
+          </a:ln>
+        </p:spPr>
+      </p:pic>
+      <p:pic>
+        <p:nvPicPr>
+          <p:cNvPr id="14" name="Picture 6"/>
+          <p:cNvPicPr>
+            <a:picLocks noChangeAspect="1" noChangeArrowheads="1"/>
+          </p:cNvPicPr>
+          <p:nvPr/>
+        </p:nvPicPr>
+        <p:blipFill>
+          <a:blip r:embed="rId3" cstate="print"/>
+          <a:srcRect/>
+          <a:stretch>
+            <a:fillRect/>
+          </a:stretch>
+        </p:blipFill>
+        <p:spPr bwMode="auto">
+          <a:xfrm>
+            <a:off x="6427433" y="3969973"/>
+            <a:ext cx="4379651" cy="1982505"/>
+          </a:xfrm>
+          <a:prstGeom prst="rect">
+            <a:avLst/>
+          </a:prstGeom>
+          <a:noFill/>
+          <a:ln w="9525">
+            <a:noFill/>
+            <a:miter lim="800000"/>
+            <a:headEnd/>
+            <a:tailEnd/>
+          </a:ln>
+        </p:spPr>
+      </p:pic>
+      <p:pic>
+        <p:nvPicPr>
+          <p:cNvPr id="8194" name="Picture 2"/>
+          <p:cNvPicPr>
+            <a:picLocks noChangeAspect="1" noChangeArrowheads="1"/>
+          </p:cNvPicPr>
+          <p:nvPr/>
+        </p:nvPicPr>
+        <p:blipFill>
+          <a:blip r:embed="rId4" cstate="print"/>
+          <a:srcRect/>
+          <a:stretch>
+            <a:fillRect/>
+          </a:stretch>
+        </p:blipFill>
+        <p:spPr bwMode="auto">
+          <a:xfrm>
+            <a:off x="931661" y="790113"/>
+            <a:ext cx="4459167" cy="2426456"/>
+          </a:xfrm>
+          <a:prstGeom prst="rect">
+            <a:avLst/>
+          </a:prstGeom>
+          <a:noFill/>
+          <a:ln w="9525">
+            <a:noFill/>
+            <a:miter lim="800000"/>
+            <a:headEnd/>
+            <a:tailEnd/>
+          </a:ln>
+        </p:spPr>
+      </p:pic>
+      <p:pic>
+        <p:nvPicPr>
+          <p:cNvPr id="8195" name="Picture 3"/>
+          <p:cNvPicPr>
+            <a:picLocks noChangeAspect="1" noChangeArrowheads="1"/>
+          </p:cNvPicPr>
+          <p:nvPr/>
+        </p:nvPicPr>
+        <p:blipFill>
+          <a:blip r:embed="rId5" cstate="print"/>
+          <a:srcRect/>
+          <a:stretch>
+            <a:fillRect/>
+          </a:stretch>
+        </p:blipFill>
+        <p:spPr bwMode="auto">
+          <a:xfrm>
+            <a:off x="6200731" y="1057250"/>
+            <a:ext cx="3971970" cy="2166962"/>
+          </a:xfrm>
+          <a:prstGeom prst="rect">
+            <a:avLst/>
+          </a:prstGeom>
+          <a:noFill/>
+          <a:ln w="9525">
+            <a:noFill/>
+            <a:miter lim="800000"/>
+            <a:headEnd/>
+            <a:tailEnd/>
+          </a:ln>
+        </p:spPr>
+      </p:pic>
+    </p:spTree>
+  </p:cSld>
+  <p:clrMapOvr>
+    <a:masterClrMapping/>
+  </p:clrMapOvr>
+  <p:timing>
+    <p:tnLst>
+      <p:par>
+        <p:cTn id="1" dur="indefinite" restart="never" nodeType="tmRoot"/>
+      </p:par>
+    </p:tnLst>
+  </p:timing>
+</p:sld>
+</file>
+
+<file path=ppt/slides/slide12.xml><?xml version="1.0" encoding="utf-8"?>
+<p:sld xmlns:a="http://schemas.openxmlformats.org/drawingml/2006/main" xmlns:r="http://schemas.openxmlformats.org/officeDocument/2006/relationships" xmlns:p="http://schemas.openxmlformats.org/presentationml/2006/main">
+  <p:cSld>
+    <p:spTree>
+      <p:nvGrpSpPr>
+        <p:cNvPr id="1" name=""/>
+        <p:cNvGrpSpPr/>
+        <p:nvPr/>
+      </p:nvGrpSpPr>
+      <p:grpSpPr>
+        <a:xfrm>
+          <a:off x="0" y="0"/>
+          <a:ext cx="0" cy="0"/>
+          <a:chOff x="0" y="0"/>
+          <a:chExt cx="0" cy="0"/>
+        </a:xfrm>
+      </p:grpSpPr>
+      <p:graphicFrame>
+        <p:nvGraphicFramePr>
+          <p:cNvPr id="4" name="Table 3"/>
+          <p:cNvGraphicFramePr>
+            <a:graphicFrameLocks noGrp="1"/>
+          </p:cNvGraphicFramePr>
+          <p:nvPr/>
+        </p:nvGraphicFramePr>
+        <p:xfrm>
+          <a:off x="1446073" y="373437"/>
+          <a:ext cx="8128000" cy="640080"/>
+        </p:xfrm>
+        <a:graphic>
+          <a:graphicData uri="http://schemas.openxmlformats.org/drawingml/2006/table">
+            <a:tbl>
+              <a:tblPr firstRow="1" bandRow="1">
+                <a:tableStyleId>{2D5ABB26-0587-4C30-8999-92F81FD0307C}</a:tableStyleId>
+              </a:tblPr>
+              <a:tblGrid>
+                <a:gridCol w="8128000"/>
+              </a:tblGrid>
+              <a:tr h="370840">
+                <a:tc>
+                  <a:txBody>
+                    <a:bodyPr/>
+                    <a:lstStyle/>
+                    <a:p>
+                      <a:pPr marL="0" marR="0" indent="0" algn="l" defTabSz="914400" rtl="0" eaLnBrk="1" fontAlgn="auto" latinLnBrk="0" hangingPunct="1">
+                        <a:lnSpc>
+                          <a:spcPct val="100000"/>
+                        </a:lnSpc>
+                        <a:spcBef>
+                          <a:spcPts val="0"/>
+                        </a:spcBef>
+                        <a:spcAft>
+                          <a:spcPts val="0"/>
+                        </a:spcAft>
+                        <a:buClrTx/>
+                        <a:buSzTx/>
+                        <a:buFontTx/>
+                        <a:buNone/>
+                        <a:tabLst/>
+                        <a:defRPr/>
+                      </a:pPr>
+                      <a:r>
+                        <a:rPr lang="nl-NL" dirty="0" smtClean="0"/>
+                        <a:t>13.</a:t>
+                      </a:r>
+                      <a:r>
+                        <a:rPr lang="nl-NL" baseline="0" dirty="0" smtClean="0"/>
+                        <a:t> </a:t>
+                      </a:r>
+                      <a:r>
+                        <a:rPr lang="nl-NL" baseline="0" dirty="0" err="1" smtClean="0"/>
+                        <a:t>Test.txt</a:t>
+                      </a:r>
+                      <a:r>
+                        <a:rPr lang="nl-NL" baseline="0" dirty="0" smtClean="0"/>
+                        <a:t> is nu toegevoegd aan de </a:t>
+                      </a:r>
+                      <a:r>
+                        <a:rPr lang="nl-NL" baseline="0" dirty="0" err="1" smtClean="0"/>
+                        <a:t>repository</a:t>
+                      </a:r>
+                      <a:r>
+                        <a:rPr lang="nl-NL" baseline="0" dirty="0" smtClean="0"/>
+                        <a:t> op </a:t>
+                      </a:r>
+                      <a:r>
+                        <a:rPr lang="nl-NL" baseline="0" dirty="0" err="1" smtClean="0"/>
+                        <a:t>github</a:t>
+                      </a:r>
+                      <a:r>
+                        <a:rPr lang="nl-NL" baseline="0" dirty="0" smtClean="0"/>
+                        <a:t>. Klik op </a:t>
+                      </a:r>
+                      <a:r>
+                        <a:rPr lang="nl-NL" baseline="0" dirty="0" err="1" smtClean="0"/>
+                        <a:t>Text.txt</a:t>
+                      </a:r>
+                      <a:r>
+                        <a:rPr lang="nl-NL" baseline="0" dirty="0" smtClean="0"/>
+                        <a:t>. </a:t>
+                      </a:r>
+                      <a:endParaRPr lang="nl-NL" dirty="0" smtClean="0"/>
+                    </a:p>
+                    <a:p>
+                      <a:endParaRPr lang="nl-NL" dirty="0"/>
+                    </a:p>
+                  </a:txBody>
+                  <a:tcPr/>
+                </a:tc>
+              </a:tr>
+            </a:tbl>
+          </a:graphicData>
+        </a:graphic>
+      </p:graphicFrame>
+      <p:pic>
+        <p:nvPicPr>
+          <p:cNvPr id="5" name="Picture 2"/>
+          <p:cNvPicPr>
+            <a:picLocks noChangeAspect="1" noChangeArrowheads="1"/>
+          </p:cNvPicPr>
+          <p:nvPr/>
+        </p:nvPicPr>
+        <p:blipFill>
+          <a:blip r:embed="rId2" cstate="print"/>
+          <a:srcRect/>
+          <a:stretch>
+            <a:fillRect/>
+          </a:stretch>
+        </p:blipFill>
+        <p:spPr bwMode="auto">
+          <a:xfrm>
+            <a:off x="1288776" y="745725"/>
+            <a:ext cx="9721709" cy="5850385"/>
+          </a:xfrm>
+          <a:prstGeom prst="rect">
+            <a:avLst/>
+          </a:prstGeom>
+          <a:noFill/>
+          <a:ln w="9525">
+            <a:noFill/>
+            <a:miter lim="800000"/>
+            <a:headEnd/>
+            <a:tailEnd/>
+          </a:ln>
+        </p:spPr>
+      </p:pic>
+      <p:sp>
+        <p:nvSpPr>
+          <p:cNvPr id="6" name="Rectangle 5"/>
+          <p:cNvSpPr/>
+          <p:nvPr/>
+        </p:nvSpPr>
+        <p:spPr>
+          <a:xfrm>
+            <a:off x="2584450" y="4292600"/>
+            <a:ext cx="1492250" cy="304800"/>
+          </a:xfrm>
+          <a:prstGeom prst="rect">
+            <a:avLst/>
+          </a:prstGeom>
+          <a:noFill/>
+          <a:ln>
+            <a:solidFill>
+              <a:srgbClr val="FF0000"/>
+            </a:solidFill>
+          </a:ln>
+        </p:spPr>
+        <p:style>
+          <a:lnRef idx="2">
+            <a:schemeClr val="accent1">
+              <a:shade val="50000"/>
+            </a:schemeClr>
+          </a:lnRef>
+          <a:fillRef idx="1">
+            <a:schemeClr val="accent1"/>
+          </a:fillRef>
+          <a:effectRef idx="0">
+            <a:schemeClr val="accent1"/>
+          </a:effectRef>
+          <a:fontRef idx="minor">
+            <a:schemeClr val="lt1"/>
+          </a:fontRef>
+        </p:style>
+        <p:txBody>
+          <a:bodyPr rtlCol="0" anchor="ctr"/>
+          <a:lstStyle/>
+          <a:p>
+            <a:pPr algn="ctr"/>
+            <a:endParaRPr lang="nl-NL"/>
+          </a:p>
+        </p:txBody>
+      </p:sp>
+      <p:sp>
+        <p:nvSpPr>
+          <p:cNvPr id="7" name="Rectangle 6"/>
+          <p:cNvSpPr/>
+          <p:nvPr/>
+        </p:nvSpPr>
+        <p:spPr>
+          <a:xfrm>
+            <a:off x="2597150" y="5270500"/>
+            <a:ext cx="5219700" cy="196850"/>
+          </a:xfrm>
+          <a:prstGeom prst="rect">
+            <a:avLst/>
+          </a:prstGeom>
+          <a:noFill/>
+          <a:ln>
+            <a:solidFill>
+              <a:srgbClr val="FF0000"/>
+            </a:solidFill>
+          </a:ln>
+        </p:spPr>
+        <p:style>
+          <a:lnRef idx="2">
+            <a:schemeClr val="accent1">
+              <a:shade val="50000"/>
+            </a:schemeClr>
+          </a:lnRef>
+          <a:fillRef idx="1">
+            <a:schemeClr val="accent1"/>
+          </a:fillRef>
+          <a:effectRef idx="0">
+            <a:schemeClr val="accent1"/>
+          </a:effectRef>
+          <a:fontRef idx="minor">
+            <a:schemeClr val="lt1"/>
+          </a:fontRef>
+        </p:style>
+        <p:txBody>
+          <a:bodyPr rtlCol="0" anchor="ctr"/>
+          <a:lstStyle/>
+          <a:p>
+            <a:pPr algn="ctr"/>
+            <a:endParaRPr lang="nl-NL"/>
+          </a:p>
+        </p:txBody>
+      </p:sp>
+    </p:spTree>
+  </p:cSld>
+  <p:clrMapOvr>
+    <a:masterClrMapping/>
+  </p:clrMapOvr>
+  <p:timing>
+    <p:tnLst>
+      <p:par>
+        <p:cTn id="1" dur="indefinite" restart="never" nodeType="tmRoot"/>
+      </p:par>
+    </p:tnLst>
+  </p:timing>
+</p:sld>
+</file>
+
+<file path=ppt/slides/slide13.xml><?xml version="1.0" encoding="utf-8"?>
+<p:sld xmlns:a="http://schemas.openxmlformats.org/drawingml/2006/main" xmlns:r="http://schemas.openxmlformats.org/officeDocument/2006/relationships" xmlns:p="http://schemas.openxmlformats.org/presentationml/2006/main">
+  <p:cSld>
+    <p:spTree>
+      <p:nvGrpSpPr>
+        <p:cNvPr id="1" name=""/>
+        <p:cNvGrpSpPr/>
+        <p:nvPr/>
+      </p:nvGrpSpPr>
+      <p:grpSpPr>
+        <a:xfrm>
+          <a:off x="0" y="0"/>
+          <a:ext cx="0" cy="0"/>
+          <a:chOff x="0" y="0"/>
+          <a:chExt cx="0" cy="0"/>
+        </a:xfrm>
+      </p:grpSpPr>
+      <p:graphicFrame>
+        <p:nvGraphicFramePr>
+          <p:cNvPr id="4" name="Table 3"/>
+          <p:cNvGraphicFramePr>
+            <a:graphicFrameLocks noGrp="1"/>
+          </p:cNvGraphicFramePr>
+          <p:nvPr/>
+        </p:nvGraphicFramePr>
+        <p:xfrm>
+          <a:off x="1446073" y="373437"/>
+          <a:ext cx="8128000" cy="640080"/>
+        </p:xfrm>
+        <a:graphic>
+          <a:graphicData uri="http://schemas.openxmlformats.org/drawingml/2006/table">
+            <a:tbl>
+              <a:tblPr firstRow="1" bandRow="1">
+                <a:tableStyleId>{2D5ABB26-0587-4C30-8999-92F81FD0307C}</a:tableStyleId>
+              </a:tblPr>
+              <a:tblGrid>
+                <a:gridCol w="8128000"/>
+              </a:tblGrid>
+              <a:tr h="370840">
+                <a:tc>
+                  <a:txBody>
+                    <a:bodyPr/>
+                    <a:lstStyle/>
+                    <a:p>
+                      <a:pPr marL="0" marR="0" indent="0" algn="l" defTabSz="914400" rtl="0" eaLnBrk="1" fontAlgn="auto" latinLnBrk="0" hangingPunct="1">
+                        <a:lnSpc>
+                          <a:spcPct val="100000"/>
+                        </a:lnSpc>
+                        <a:spcBef>
+                          <a:spcPts val="0"/>
+                        </a:spcBef>
+                        <a:spcAft>
+                          <a:spcPts val="0"/>
+                        </a:spcAft>
+                        <a:buClrTx/>
+                        <a:buSzTx/>
+                        <a:buFontTx/>
+                        <a:buNone/>
+                        <a:tabLst/>
+                        <a:defRPr/>
+                      </a:pPr>
+                      <a:r>
+                        <a:rPr lang="nl-NL" dirty="0" smtClean="0"/>
+                        <a:t>14.</a:t>
+                      </a:r>
+                      <a:r>
+                        <a:rPr lang="nl-NL" baseline="0" dirty="0" smtClean="0"/>
+                        <a:t> Klik op de pen om het bestand aan te passen</a:t>
+                      </a:r>
+                      <a:endParaRPr lang="nl-NL" dirty="0" smtClean="0"/>
+                    </a:p>
+                    <a:p>
+                      <a:endParaRPr lang="nl-NL" dirty="0"/>
+                    </a:p>
+                  </a:txBody>
+                  <a:tcPr/>
+                </a:tc>
+              </a:tr>
+            </a:tbl>
+          </a:graphicData>
+        </a:graphic>
+      </p:graphicFrame>
+      <p:pic>
+        <p:nvPicPr>
+          <p:cNvPr id="6" name="Picture 3"/>
+          <p:cNvPicPr>
+            <a:picLocks noChangeAspect="1" noChangeArrowheads="1"/>
+          </p:cNvPicPr>
+          <p:nvPr/>
+        </p:nvPicPr>
+        <p:blipFill>
+          <a:blip r:embed="rId2" cstate="print"/>
+          <a:srcRect/>
+          <a:stretch>
+            <a:fillRect/>
+          </a:stretch>
+        </p:blipFill>
+        <p:spPr bwMode="auto">
+          <a:xfrm>
+            <a:off x="1444983" y="719090"/>
+            <a:ext cx="9535252" cy="5743854"/>
+          </a:xfrm>
+          <a:prstGeom prst="rect">
+            <a:avLst/>
+          </a:prstGeom>
+          <a:noFill/>
+          <a:ln w="9525">
+            <a:noFill/>
+            <a:miter lim="800000"/>
+            <a:headEnd/>
+            <a:tailEnd/>
+          </a:ln>
+        </p:spPr>
+      </p:pic>
+      <p:sp>
+        <p:nvSpPr>
+          <p:cNvPr id="8" name="Rectangle 7"/>
+          <p:cNvSpPr/>
+          <p:nvPr/>
+        </p:nvSpPr>
+        <p:spPr>
+          <a:xfrm>
+            <a:off x="9185275" y="4930775"/>
+            <a:ext cx="234950" cy="225425"/>
+          </a:xfrm>
+          <a:prstGeom prst="rect">
+            <a:avLst/>
+          </a:prstGeom>
+          <a:noFill/>
+          <a:ln>
+            <a:solidFill>
+              <a:srgbClr val="FF0000"/>
+            </a:solidFill>
+          </a:ln>
+        </p:spPr>
+        <p:style>
+          <a:lnRef idx="2">
+            <a:schemeClr val="accent1">
+              <a:shade val="50000"/>
+            </a:schemeClr>
+          </a:lnRef>
+          <a:fillRef idx="1">
+            <a:schemeClr val="accent1"/>
+          </a:fillRef>
+          <a:effectRef idx="0">
+            <a:schemeClr val="accent1"/>
+          </a:effectRef>
+          <a:fontRef idx="minor">
+            <a:schemeClr val="lt1"/>
+          </a:fontRef>
+        </p:style>
+        <p:txBody>
+          <a:bodyPr rtlCol="0" anchor="ctr"/>
+          <a:lstStyle/>
+          <a:p>
+            <a:pPr algn="ctr"/>
+            <a:endParaRPr lang="nl-NL"/>
+          </a:p>
+        </p:txBody>
+      </p:sp>
+    </p:spTree>
+  </p:cSld>
+  <p:clrMapOvr>
+    <a:masterClrMapping/>
+  </p:clrMapOvr>
+  <p:timing>
+    <p:tnLst>
+      <p:par>
+        <p:cTn id="1" dur="indefinite" restart="never" nodeType="tmRoot"/>
+      </p:par>
+    </p:tnLst>
+  </p:timing>
+</p:sld>
+</file>
+
+<file path=ppt/slides/slide14.xml><?xml version="1.0" encoding="utf-8"?>
+<p:sld xmlns:a="http://schemas.openxmlformats.org/drawingml/2006/main" xmlns:r="http://schemas.openxmlformats.org/officeDocument/2006/relationships" xmlns:p="http://schemas.openxmlformats.org/presentationml/2006/main">
+  <p:cSld>
+    <p:spTree>
+      <p:nvGrpSpPr>
+        <p:cNvPr id="1" name=""/>
+        <p:cNvGrpSpPr/>
+        <p:nvPr/>
+      </p:nvGrpSpPr>
+      <p:grpSpPr>
+        <a:xfrm>
+          <a:off x="0" y="0"/>
+          <a:ext cx="0" cy="0"/>
+          <a:chOff x="0" y="0"/>
+          <a:chExt cx="0" cy="0"/>
+        </a:xfrm>
+      </p:grpSpPr>
+      <p:graphicFrame>
+        <p:nvGraphicFramePr>
+          <p:cNvPr id="4" name="Table 3"/>
+          <p:cNvGraphicFramePr>
+            <a:graphicFrameLocks noGrp="1"/>
+          </p:cNvGraphicFramePr>
+          <p:nvPr/>
+        </p:nvGraphicFramePr>
+        <p:xfrm>
+          <a:off x="1446072" y="373437"/>
+          <a:ext cx="9304785" cy="914400"/>
+        </p:xfrm>
+        <a:graphic>
+          <a:graphicData uri="http://schemas.openxmlformats.org/drawingml/2006/table">
+            <a:tbl>
+              <a:tblPr firstRow="1" bandRow="1">
+                <a:tableStyleId>{2D5ABB26-0587-4C30-8999-92F81FD0307C}</a:tableStyleId>
+              </a:tblPr>
+              <a:tblGrid>
+                <a:gridCol w="9304785"/>
+              </a:tblGrid>
+              <a:tr h="370840">
+                <a:tc>
+                  <a:txBody>
+                    <a:bodyPr/>
+                    <a:lstStyle/>
+                    <a:p>
+                      <a:pPr marL="0" marR="0" indent="0" algn="l" defTabSz="914400" rtl="0" eaLnBrk="1" fontAlgn="auto" latinLnBrk="0" hangingPunct="1">
+                        <a:lnSpc>
+                          <a:spcPct val="100000"/>
+                        </a:lnSpc>
+                        <a:spcBef>
+                          <a:spcPts val="0"/>
+                        </a:spcBef>
+                        <a:spcAft>
+                          <a:spcPts val="0"/>
+                        </a:spcAft>
+                        <a:buClrTx/>
+                        <a:buSzTx/>
+                        <a:buFontTx/>
+                        <a:buNone/>
+                        <a:tabLst/>
+                        <a:defRPr/>
+                      </a:pPr>
+                      <a:r>
+                        <a:rPr lang="nl-NL" dirty="0" smtClean="0"/>
+                        <a:t>15.</a:t>
+                      </a:r>
+                      <a:r>
+                        <a:rPr lang="nl-NL" baseline="0" dirty="0" smtClean="0"/>
+                        <a:t> Voeg “Nieuwe regel” toe aan het bestand en bij de beschrijving “Nieuwe regel toegevoegd” . Klik Vervolgens op </a:t>
+                      </a:r>
+                      <a:r>
+                        <a:rPr lang="nl-NL" baseline="0" dirty="0" err="1" smtClean="0"/>
+                        <a:t>Commit</a:t>
+                      </a:r>
+                      <a:r>
+                        <a:rPr lang="nl-NL" baseline="0" dirty="0" smtClean="0"/>
+                        <a:t> </a:t>
+                      </a:r>
+                      <a:r>
+                        <a:rPr lang="nl-NL" baseline="0" dirty="0" err="1" smtClean="0"/>
+                        <a:t>changes</a:t>
+                      </a:r>
+                      <a:r>
+                        <a:rPr lang="nl-NL" baseline="0" dirty="0" smtClean="0"/>
+                        <a:t>.</a:t>
+                      </a:r>
+                      <a:endParaRPr lang="nl-NL" dirty="0" smtClean="0"/>
+                    </a:p>
+                    <a:p>
+                      <a:endParaRPr lang="nl-NL" dirty="0"/>
+                    </a:p>
+                  </a:txBody>
+                  <a:tcPr/>
+                </a:tc>
+              </a:tr>
+            </a:tbl>
+          </a:graphicData>
+        </a:graphic>
+      </p:graphicFrame>
+      <p:sp>
+        <p:nvSpPr>
+          <p:cNvPr id="8" name="Rectangle 7"/>
+          <p:cNvSpPr/>
+          <p:nvPr/>
+        </p:nvSpPr>
+        <p:spPr>
+          <a:xfrm>
+            <a:off x="9185275" y="4930775"/>
+            <a:ext cx="234950" cy="225425"/>
+          </a:xfrm>
+          <a:prstGeom prst="rect">
+            <a:avLst/>
+          </a:prstGeom>
+          <a:noFill/>
+          <a:ln>
+            <a:solidFill>
+              <a:srgbClr val="FF0000"/>
+            </a:solidFill>
+          </a:ln>
+        </p:spPr>
+        <p:style>
+          <a:lnRef idx="2">
+            <a:schemeClr val="accent1">
+              <a:shade val="50000"/>
+            </a:schemeClr>
+          </a:lnRef>
+          <a:fillRef idx="1">
+            <a:schemeClr val="accent1"/>
+          </a:fillRef>
+          <a:effectRef idx="0">
+            <a:schemeClr val="accent1"/>
+          </a:effectRef>
+          <a:fontRef idx="minor">
+            <a:schemeClr val="lt1"/>
+          </a:fontRef>
+        </p:style>
+        <p:txBody>
+          <a:bodyPr rtlCol="0" anchor="ctr"/>
+          <a:lstStyle/>
+          <a:p>
+            <a:pPr algn="ctr"/>
+            <a:endParaRPr lang="nl-NL"/>
+          </a:p>
+        </p:txBody>
+      </p:sp>
+      <p:pic>
+        <p:nvPicPr>
+          <p:cNvPr id="5" name="Picture 4"/>
+          <p:cNvPicPr>
+            <a:picLocks noChangeAspect="1" noChangeArrowheads="1"/>
+          </p:cNvPicPr>
+          <p:nvPr/>
+        </p:nvPicPr>
+        <p:blipFill>
+          <a:blip r:embed="rId2" cstate="print"/>
+          <a:srcRect b="617"/>
+          <a:stretch>
+            <a:fillRect/>
+          </a:stretch>
+        </p:blipFill>
+        <p:spPr bwMode="auto">
+          <a:xfrm>
+            <a:off x="1597980" y="963819"/>
+            <a:ext cx="9081857" cy="5436981"/>
+          </a:xfrm>
+          <a:prstGeom prst="rect">
+            <a:avLst/>
+          </a:prstGeom>
+          <a:noFill/>
+          <a:ln w="9525">
+            <a:noFill/>
+            <a:miter lim="800000"/>
+            <a:headEnd/>
+            <a:tailEnd/>
+          </a:ln>
+        </p:spPr>
+      </p:pic>
+      <p:sp>
+        <p:nvSpPr>
+          <p:cNvPr id="7" name="Rectangle 6"/>
+          <p:cNvSpPr/>
+          <p:nvPr/>
+        </p:nvSpPr>
+        <p:spPr>
+          <a:xfrm>
+            <a:off x="3669574" y="2423379"/>
+            <a:ext cx="497984" cy="66529"/>
+          </a:xfrm>
+          <a:prstGeom prst="rect">
+            <a:avLst/>
+          </a:prstGeom>
+          <a:noFill/>
+          <a:ln>
+            <a:solidFill>
+              <a:srgbClr val="FF0000"/>
+            </a:solidFill>
+          </a:ln>
+        </p:spPr>
+        <p:style>
+          <a:lnRef idx="2">
+            <a:schemeClr val="accent1">
+              <a:shade val="50000"/>
+            </a:schemeClr>
+          </a:lnRef>
+          <a:fillRef idx="1">
+            <a:schemeClr val="accent1"/>
+          </a:fillRef>
+          <a:effectRef idx="0">
+            <a:schemeClr val="accent1"/>
+          </a:effectRef>
+          <a:fontRef idx="minor">
+            <a:schemeClr val="lt1"/>
+          </a:fontRef>
+        </p:style>
+        <p:txBody>
+          <a:bodyPr rtlCol="0" anchor="ctr"/>
+          <a:lstStyle/>
+          <a:p>
+            <a:pPr algn="ctr"/>
+            <a:endParaRPr lang="nl-NL"/>
+          </a:p>
+        </p:txBody>
+      </p:sp>
+      <p:sp>
+        <p:nvSpPr>
+          <p:cNvPr id="9" name="Rectangle 8"/>
+          <p:cNvSpPr/>
+          <p:nvPr/>
+        </p:nvSpPr>
+        <p:spPr>
+          <a:xfrm>
+            <a:off x="4004958" y="5425539"/>
+            <a:ext cx="719812" cy="155232"/>
+          </a:xfrm>
+          <a:prstGeom prst="rect">
+            <a:avLst/>
+          </a:prstGeom>
+          <a:noFill/>
+          <a:ln>
+            <a:solidFill>
+              <a:srgbClr val="FF0000"/>
+            </a:solidFill>
+          </a:ln>
+        </p:spPr>
+        <p:style>
+          <a:lnRef idx="2">
+            <a:schemeClr val="accent1">
+              <a:shade val="50000"/>
+            </a:schemeClr>
+          </a:lnRef>
+          <a:fillRef idx="1">
+            <a:schemeClr val="accent1"/>
+          </a:fillRef>
+          <a:effectRef idx="0">
+            <a:schemeClr val="accent1"/>
+          </a:effectRef>
+          <a:fontRef idx="minor">
+            <a:schemeClr val="lt1"/>
+          </a:fontRef>
+        </p:style>
+        <p:txBody>
+          <a:bodyPr rtlCol="0" anchor="ctr"/>
+          <a:lstStyle/>
+          <a:p>
+            <a:pPr algn="ctr"/>
+            <a:endParaRPr lang="nl-NL"/>
+          </a:p>
+        </p:txBody>
+      </p:sp>
+      <p:sp>
+        <p:nvSpPr>
+          <p:cNvPr id="10" name="Rectangle 9"/>
+          <p:cNvSpPr/>
+          <p:nvPr/>
+        </p:nvSpPr>
+        <p:spPr>
+          <a:xfrm>
+            <a:off x="3907880" y="6191319"/>
+            <a:ext cx="593053" cy="141927"/>
+          </a:xfrm>
+          <a:prstGeom prst="rect">
+            <a:avLst/>
+          </a:prstGeom>
+          <a:noFill/>
+          <a:ln>
+            <a:solidFill>
+              <a:srgbClr val="FF0000"/>
+            </a:solidFill>
+          </a:ln>
+        </p:spPr>
+        <p:style>
+          <a:lnRef idx="2">
+            <a:schemeClr val="accent1">
+              <a:shade val="50000"/>
+            </a:schemeClr>
+          </a:lnRef>
+          <a:fillRef idx="1">
+            <a:schemeClr val="accent1"/>
+          </a:fillRef>
+          <a:effectRef idx="0">
+            <a:schemeClr val="accent1"/>
+          </a:effectRef>
+          <a:fontRef idx="minor">
+            <a:schemeClr val="lt1"/>
+          </a:fontRef>
+        </p:style>
+        <p:txBody>
+          <a:bodyPr rtlCol="0" anchor="ctr"/>
+          <a:lstStyle/>
+          <a:p>
+            <a:pPr algn="ctr"/>
+            <a:endParaRPr lang="nl-NL"/>
+          </a:p>
+        </p:txBody>
+      </p:sp>
+    </p:spTree>
+  </p:cSld>
+  <p:clrMapOvr>
+    <a:masterClrMapping/>
+  </p:clrMapOvr>
+  <p:timing>
+    <p:tnLst>
+      <p:par>
+        <p:cTn id="1" dur="indefinite" restart="never" nodeType="tmRoot"/>
+      </p:par>
+    </p:tnLst>
+  </p:timing>
+</p:sld>
+</file>
+
+<file path=ppt/slides/slide15.xml><?xml version="1.0" encoding="utf-8"?>
+<p:sld xmlns:a="http://schemas.openxmlformats.org/drawingml/2006/main" xmlns:r="http://schemas.openxmlformats.org/officeDocument/2006/relationships" xmlns:p="http://schemas.openxmlformats.org/presentationml/2006/main">
+  <p:cSld>
+    <p:spTree>
+      <p:nvGrpSpPr>
+        <p:cNvPr id="1" name=""/>
+        <p:cNvGrpSpPr/>
+        <p:nvPr/>
+      </p:nvGrpSpPr>
+      <p:grpSpPr>
+        <a:xfrm>
+          <a:off x="0" y="0"/>
+          <a:ext cx="0" cy="0"/>
+          <a:chOff x="0" y="0"/>
+          <a:chExt cx="0" cy="0"/>
+        </a:xfrm>
+      </p:grpSpPr>
+      <p:graphicFrame>
+        <p:nvGraphicFramePr>
+          <p:cNvPr id="4" name="Table 3"/>
+          <p:cNvGraphicFramePr>
+            <a:graphicFrameLocks noGrp="1"/>
+          </p:cNvGraphicFramePr>
+          <p:nvPr/>
+        </p:nvGraphicFramePr>
+        <p:xfrm>
+          <a:off x="621435" y="470517"/>
+          <a:ext cx="10670962" cy="5495276"/>
+        </p:xfrm>
+        <a:graphic>
+          <a:graphicData uri="http://schemas.openxmlformats.org/drawingml/2006/table">
+            <a:tbl>
+              <a:tblPr firstRow="1" bandRow="1">
+                <a:tableStyleId>{2D5ABB26-0587-4C30-8999-92F81FD0307C}</a:tableStyleId>
+              </a:tblPr>
+              <a:tblGrid>
+                <a:gridCol w="5335481"/>
+                <a:gridCol w="5335481"/>
+              </a:tblGrid>
+              <a:tr h="2747638">
+                <a:tc>
+                  <a:txBody>
+                    <a:bodyPr/>
+                    <a:lstStyle/>
+                    <a:p>
+                      <a:r>
+                        <a:rPr lang="nl-NL" dirty="0" smtClean="0"/>
+                        <a:t>16. </a:t>
+                      </a:r>
+                      <a:r>
+                        <a:rPr lang="nl-NL" baseline="0" dirty="0" smtClean="0"/>
+                        <a:t> </a:t>
+                      </a:r>
+                      <a:r>
+                        <a:rPr lang="nl-NL" baseline="0" dirty="0" err="1" smtClean="0"/>
+                        <a:t>Fetch</a:t>
+                      </a:r>
+                      <a:r>
+                        <a:rPr lang="nl-NL" baseline="0" dirty="0" smtClean="0"/>
+                        <a:t> vervolgens in Git GUI</a:t>
+                      </a:r>
+                      <a:endParaRPr lang="nl-NL" dirty="0"/>
+                    </a:p>
+                  </a:txBody>
+                  <a:tcPr>
+                    <a:lnL w="12700" cap="flat" cmpd="sng" algn="ctr">
+                      <a:solidFill>
+                        <a:schemeClr val="tx1"/>
+                      </a:solidFill>
+                      <a:prstDash val="solid"/>
+                      <a:round/>
+                      <a:headEnd type="none" w="med" len="med"/>
+                      <a:tailEnd type="none" w="med" len="med"/>
+                    </a:lnL>
+                    <a:lnR w="12700" cap="flat" cmpd="sng" algn="ctr">
+                      <a:solidFill>
+                        <a:schemeClr val="tx1"/>
+                      </a:solidFill>
+                      <a:prstDash val="solid"/>
+                      <a:round/>
+                      <a:headEnd type="none" w="med" len="med"/>
+                      <a:tailEnd type="none" w="med" len="med"/>
+                    </a:lnR>
+                    <a:lnT w="12700" cap="flat" cmpd="sng" algn="ctr">
+                      <a:solidFill>
+                        <a:schemeClr val="tx1"/>
+                      </a:solidFill>
+                      <a:prstDash val="solid"/>
+                      <a:round/>
+                      <a:headEnd type="none" w="med" len="med"/>
+                      <a:tailEnd type="none" w="med" len="med"/>
+                    </a:lnT>
+                    <a:lnB w="12700" cap="flat" cmpd="sng" algn="ctr">
+                      <a:solidFill>
+                        <a:schemeClr val="tx1"/>
+                      </a:solidFill>
+                      <a:prstDash val="solid"/>
+                      <a:round/>
+                      <a:headEnd type="none" w="med" len="med"/>
+                      <a:tailEnd type="none" w="med" len="med"/>
+                    </a:lnB>
+                  </a:tcPr>
+                </a:tc>
+                <a:tc>
+                  <a:txBody>
+                    <a:bodyPr/>
+                    <a:lstStyle/>
+                    <a:p>
+                      <a:r>
+                        <a:rPr lang="nl-NL" dirty="0" smtClean="0"/>
+                        <a:t>17. Daarna een </a:t>
+                      </a:r>
+                      <a:r>
+                        <a:rPr lang="nl-NL" dirty="0" err="1" smtClean="0"/>
+                        <a:t>Local</a:t>
+                      </a:r>
+                      <a:r>
+                        <a:rPr lang="nl-NL" dirty="0" smtClean="0"/>
+                        <a:t> </a:t>
+                      </a:r>
+                      <a:r>
+                        <a:rPr lang="nl-NL" dirty="0" err="1" smtClean="0"/>
+                        <a:t>Merge</a:t>
+                      </a:r>
+                      <a:endParaRPr lang="nl-NL" dirty="0"/>
+                    </a:p>
+                  </a:txBody>
+                  <a:tcPr>
+                    <a:lnL w="12700" cap="flat" cmpd="sng" algn="ctr">
+                      <a:solidFill>
+                        <a:schemeClr val="tx1"/>
+                      </a:solidFill>
+                      <a:prstDash val="solid"/>
+                      <a:round/>
+                      <a:headEnd type="none" w="med" len="med"/>
+                      <a:tailEnd type="none" w="med" len="med"/>
+                    </a:lnL>
+                    <a:lnR w="12700" cap="flat" cmpd="sng" algn="ctr">
+                      <a:solidFill>
+                        <a:schemeClr val="tx1"/>
+                      </a:solidFill>
+                      <a:prstDash val="solid"/>
+                      <a:round/>
+                      <a:headEnd type="none" w="med" len="med"/>
+                      <a:tailEnd type="none" w="med" len="med"/>
+                    </a:lnR>
+                    <a:lnT w="12700" cap="flat" cmpd="sng" algn="ctr">
+                      <a:solidFill>
+                        <a:schemeClr val="tx1"/>
+                      </a:solidFill>
+                      <a:prstDash val="solid"/>
+                      <a:round/>
+                      <a:headEnd type="none" w="med" len="med"/>
+                      <a:tailEnd type="none" w="med" len="med"/>
+                    </a:lnT>
+                    <a:lnB w="12700" cap="flat" cmpd="sng" algn="ctr">
+                      <a:solidFill>
+                        <a:schemeClr val="tx1"/>
+                      </a:solidFill>
+                      <a:prstDash val="solid"/>
+                      <a:round/>
+                      <a:headEnd type="none" w="med" len="med"/>
+                      <a:tailEnd type="none" w="med" len="med"/>
+                    </a:lnB>
+                  </a:tcPr>
+                </a:tc>
+              </a:tr>
+              <a:tr h="2747638">
+                <a:tc>
+                  <a:txBody>
+                    <a:bodyPr/>
+                    <a:lstStyle/>
+                    <a:p>
+                      <a:r>
+                        <a:rPr lang="nl-NL" dirty="0" smtClean="0"/>
+                        <a:t>18. Het</a:t>
+                      </a:r>
+                      <a:r>
+                        <a:rPr lang="nl-NL" baseline="0" dirty="0" smtClean="0"/>
+                        <a:t> onderstaande scherm komt tevoorschijn, waar </a:t>
+                      </a:r>
+                      <a:r>
+                        <a:rPr lang="nl-NL" baseline="0" dirty="0" err="1" smtClean="0"/>
+                        <a:t>Merge</a:t>
+                      </a:r>
+                      <a:r>
+                        <a:rPr lang="nl-NL" baseline="0" dirty="0" smtClean="0"/>
+                        <a:t> aangeklikt kan worden</a:t>
+                      </a:r>
+                      <a:endParaRPr lang="nl-NL" dirty="0"/>
+                    </a:p>
+                  </a:txBody>
+                  <a:tcPr>
+                    <a:lnL w="12700" cap="flat" cmpd="sng" algn="ctr">
+                      <a:solidFill>
+                        <a:schemeClr val="tx1"/>
+                      </a:solidFill>
+                      <a:prstDash val="solid"/>
+                      <a:round/>
+                      <a:headEnd type="none" w="med" len="med"/>
+                      <a:tailEnd type="none" w="med" len="med"/>
+                    </a:lnL>
+                    <a:lnR w="12700" cap="flat" cmpd="sng" algn="ctr">
+                      <a:solidFill>
+                        <a:schemeClr val="tx1"/>
+                      </a:solidFill>
+                      <a:prstDash val="solid"/>
+                      <a:round/>
+                      <a:headEnd type="none" w="med" len="med"/>
+                      <a:tailEnd type="none" w="med" len="med"/>
+                    </a:lnR>
+                    <a:lnT w="12700" cap="flat" cmpd="sng" algn="ctr">
+                      <a:solidFill>
+                        <a:schemeClr val="tx1"/>
+                      </a:solidFill>
+                      <a:prstDash val="solid"/>
+                      <a:round/>
+                      <a:headEnd type="none" w="med" len="med"/>
+                      <a:tailEnd type="none" w="med" len="med"/>
+                    </a:lnT>
+                    <a:lnB w="12700" cap="flat" cmpd="sng" algn="ctr">
+                      <a:solidFill>
+                        <a:schemeClr val="tx1"/>
+                      </a:solidFill>
+                      <a:prstDash val="solid"/>
+                      <a:round/>
+                      <a:headEnd type="none" w="med" len="med"/>
+                      <a:tailEnd type="none" w="med" len="med"/>
+                    </a:lnB>
+                  </a:tcPr>
+                </a:tc>
+                <a:tc>
+                  <a:txBody>
+                    <a:bodyPr/>
+                    <a:lstStyle/>
+                    <a:p>
+                      <a:r>
+                        <a:rPr lang="nl-NL" dirty="0" smtClean="0"/>
+                        <a:t>19.  Hierna is de verandering</a:t>
+                      </a:r>
+                      <a:r>
+                        <a:rPr lang="nl-NL" baseline="0" dirty="0" smtClean="0"/>
+                        <a:t> ook lokaal aangepast</a:t>
+                      </a:r>
+                      <a:endParaRPr lang="nl-NL" dirty="0"/>
+                    </a:p>
+                  </a:txBody>
+                  <a:tcPr>
+                    <a:lnL w="12700" cap="flat" cmpd="sng" algn="ctr">
+                      <a:solidFill>
+                        <a:schemeClr val="tx1"/>
+                      </a:solidFill>
+                      <a:prstDash val="solid"/>
+                      <a:round/>
+                      <a:headEnd type="none" w="med" len="med"/>
+                      <a:tailEnd type="none" w="med" len="med"/>
+                    </a:lnL>
+                    <a:lnR w="12700" cap="flat" cmpd="sng" algn="ctr">
+                      <a:solidFill>
+                        <a:schemeClr val="tx1"/>
+                      </a:solidFill>
+                      <a:prstDash val="solid"/>
+                      <a:round/>
+                      <a:headEnd type="none" w="med" len="med"/>
+                      <a:tailEnd type="none" w="med" len="med"/>
+                    </a:lnR>
+                    <a:lnT w="12700" cap="flat" cmpd="sng" algn="ctr">
+                      <a:solidFill>
+                        <a:schemeClr val="tx1"/>
+                      </a:solidFill>
+                      <a:prstDash val="solid"/>
+                      <a:round/>
+                      <a:headEnd type="none" w="med" len="med"/>
+                      <a:tailEnd type="none" w="med" len="med"/>
+                    </a:lnT>
+                    <a:lnB w="12700" cap="flat" cmpd="sng" algn="ctr">
+                      <a:solidFill>
+                        <a:schemeClr val="tx1"/>
+                      </a:solidFill>
+                      <a:prstDash val="solid"/>
+                      <a:round/>
+                      <a:headEnd type="none" w="med" len="med"/>
+                      <a:tailEnd type="none" w="med" len="med"/>
+                    </a:lnB>
+                  </a:tcPr>
+                </a:tc>
+              </a:tr>
+            </a:tbl>
+          </a:graphicData>
+        </a:graphic>
+      </p:graphicFrame>
+      <p:pic>
+        <p:nvPicPr>
+          <p:cNvPr id="14" name="Picture 8"/>
+          <p:cNvPicPr>
+            <a:picLocks noChangeAspect="1" noChangeArrowheads="1"/>
+          </p:cNvPicPr>
+          <p:nvPr/>
+        </p:nvPicPr>
+        <p:blipFill>
+          <a:blip r:embed="rId2" cstate="print"/>
+          <a:srcRect/>
+          <a:stretch>
+            <a:fillRect/>
+          </a:stretch>
+        </p:blipFill>
+        <p:spPr bwMode="auto">
+          <a:xfrm>
+            <a:off x="1633491" y="3880459"/>
+            <a:ext cx="2850148" cy="2123760"/>
+          </a:xfrm>
+          <a:prstGeom prst="rect">
+            <a:avLst/>
+          </a:prstGeom>
+          <a:noFill/>
+          <a:ln w="9525">
+            <a:noFill/>
+            <a:miter lim="800000"/>
+            <a:headEnd/>
+            <a:tailEnd/>
+          </a:ln>
+        </p:spPr>
+      </p:pic>
+      <p:pic>
+        <p:nvPicPr>
+          <p:cNvPr id="6146" name="Picture 2"/>
+          <p:cNvPicPr>
+            <a:picLocks noChangeAspect="1" noChangeArrowheads="1"/>
+          </p:cNvPicPr>
+          <p:nvPr/>
+        </p:nvPicPr>
+        <p:blipFill>
+          <a:blip r:embed="rId3" cstate="print"/>
+          <a:srcRect/>
+          <a:stretch>
+            <a:fillRect/>
+          </a:stretch>
+        </p:blipFill>
+        <p:spPr bwMode="auto">
+          <a:xfrm>
+            <a:off x="6257136" y="3681645"/>
+            <a:ext cx="4858631" cy="2247530"/>
+          </a:xfrm>
+          <a:prstGeom prst="rect">
+            <a:avLst/>
+          </a:prstGeom>
+          <a:noFill/>
+          <a:ln w="9525">
+            <a:noFill/>
+            <a:miter lim="800000"/>
+            <a:headEnd/>
+            <a:tailEnd/>
+          </a:ln>
+        </p:spPr>
+      </p:pic>
+      <p:sp>
+        <p:nvSpPr>
+          <p:cNvPr id="17" name="Rectangle 16"/>
+          <p:cNvSpPr/>
+          <p:nvPr/>
+        </p:nvSpPr>
+        <p:spPr>
+          <a:xfrm>
+            <a:off x="3948113" y="5772150"/>
+            <a:ext cx="457200" cy="138113"/>
+          </a:xfrm>
+          <a:prstGeom prst="rect">
+            <a:avLst/>
+          </a:prstGeom>
+          <a:noFill/>
+          <a:ln>
+            <a:solidFill>
+              <a:srgbClr val="FF0000"/>
+            </a:solidFill>
+          </a:ln>
+        </p:spPr>
+        <p:style>
+          <a:lnRef idx="2">
+            <a:schemeClr val="accent1">
+              <a:shade val="50000"/>
+            </a:schemeClr>
+          </a:lnRef>
+          <a:fillRef idx="1">
+            <a:schemeClr val="accent1"/>
+          </a:fillRef>
+          <a:effectRef idx="0">
+            <a:schemeClr val="accent1"/>
+          </a:effectRef>
+          <a:fontRef idx="minor">
+            <a:schemeClr val="lt1"/>
+          </a:fontRef>
+        </p:style>
+        <p:txBody>
+          <a:bodyPr rtlCol="0" anchor="ctr"/>
+          <a:lstStyle/>
+          <a:p>
+            <a:pPr algn="ctr"/>
+            <a:endParaRPr lang="nl-NL"/>
+          </a:p>
+        </p:txBody>
+      </p:sp>
+      <p:pic>
+        <p:nvPicPr>
+          <p:cNvPr id="6147" name="Picture 3"/>
+          <p:cNvPicPr>
+            <a:picLocks noChangeAspect="1" noChangeArrowheads="1"/>
+          </p:cNvPicPr>
+          <p:nvPr/>
+        </p:nvPicPr>
+        <p:blipFill>
+          <a:blip r:embed="rId4" cstate="print"/>
+          <a:srcRect l="432" t="346"/>
+          <a:stretch>
+            <a:fillRect/>
+          </a:stretch>
+        </p:blipFill>
+        <p:spPr bwMode="auto">
+          <a:xfrm>
+            <a:off x="736234" y="790895"/>
+            <a:ext cx="4474958" cy="2434242"/>
+          </a:xfrm>
+          <a:prstGeom prst="rect">
+            <a:avLst/>
+          </a:prstGeom>
+          <a:noFill/>
+          <a:ln w="9525">
+            <a:noFill/>
+            <a:miter lim="800000"/>
+            <a:headEnd/>
+            <a:tailEnd/>
+          </a:ln>
+        </p:spPr>
+      </p:pic>
+      <p:pic>
+        <p:nvPicPr>
+          <p:cNvPr id="6148" name="Picture 4"/>
+          <p:cNvPicPr>
+            <a:picLocks noChangeAspect="1" noChangeArrowheads="1"/>
+          </p:cNvPicPr>
+          <p:nvPr/>
+        </p:nvPicPr>
+        <p:blipFill>
+          <a:blip r:embed="rId5" cstate="print"/>
+          <a:srcRect/>
+          <a:stretch>
+            <a:fillRect/>
+          </a:stretch>
+        </p:blipFill>
+        <p:spPr bwMode="auto">
+          <a:xfrm>
+            <a:off x="6094261" y="786076"/>
+            <a:ext cx="4472139" cy="2431787"/>
+          </a:xfrm>
+          <a:prstGeom prst="rect">
+            <a:avLst/>
+          </a:prstGeom>
+          <a:noFill/>
+          <a:ln w="9525">
+            <a:noFill/>
+            <a:miter lim="800000"/>
+            <a:headEnd/>
+            <a:tailEnd/>
+          </a:ln>
+        </p:spPr>
+      </p:pic>
+    </p:spTree>
+  </p:cSld>
+  <p:clrMapOvr>
+    <a:masterClrMapping/>
+  </p:clrMapOvr>
+  <p:timing>
+    <p:tnLst>
+      <p:par>
+        <p:cTn id="1" dur="indefinite" restart="never" nodeType="tmRoot"/>
+      </p:par>
+    </p:tnLst>
+  </p:timing>
+</p:sld>
+</file>
+
+<file path=ppt/slides/slide16.xml><?xml version="1.0" encoding="utf-8"?>
+<p:sld xmlns:a="http://schemas.openxmlformats.org/drawingml/2006/main" xmlns:r="http://schemas.openxmlformats.org/officeDocument/2006/relationships" xmlns:p="http://schemas.openxmlformats.org/presentationml/2006/main">
+  <p:cSld>
+    <p:spTree>
+      <p:nvGrpSpPr>
+        <p:cNvPr id="1" name=""/>
+        <p:cNvGrpSpPr/>
+        <p:nvPr/>
+      </p:nvGrpSpPr>
+      <p:grpSpPr>
+        <a:xfrm>
+          <a:off x="0" y="0"/>
+          <a:ext cx="0" cy="0"/>
+          <a:chOff x="0" y="0"/>
+          <a:chExt cx="0" cy="0"/>
+        </a:xfrm>
+      </p:grpSpPr>
+      <p:sp>
+        <p:nvSpPr>
+          <p:cNvPr id="2" name="Title 1"/>
+          <p:cNvSpPr>
+            <a:spLocks noGrp="1"/>
+          </p:cNvSpPr>
+          <p:nvPr>
+            <p:ph type="title"/>
+          </p:nvPr>
+        </p:nvSpPr>
+        <p:spPr/>
+        <p:txBody>
+          <a:bodyPr/>
+          <a:lstStyle/>
+          <a:p>
+            <a:endParaRPr lang="nl-NL"/>
+          </a:p>
+        </p:txBody>
+      </p:sp>
+      <p:sp>
+        <p:nvSpPr>
+          <p:cNvPr id="3" name="Content Placeholder 2"/>
+          <p:cNvSpPr>
+            <a:spLocks noGrp="1"/>
+          </p:cNvSpPr>
+          <p:nvPr>
+            <p:ph idx="1"/>
+          </p:nvPr>
+        </p:nvSpPr>
+        <p:spPr/>
+        <p:txBody>
+          <a:bodyPr/>
+          <a:lstStyle/>
+          <a:p>
+            <a:endParaRPr lang="nl-NL"/>
+          </a:p>
+        </p:txBody>
+      </p:sp>
+    </p:spTree>
+  </p:cSld>
+  <p:clrMapOvr>
+    <a:masterClrMapping/>
+  </p:clrMapOvr>
+  <p:timing>
+    <p:tnLst>
+      <p:par>
+        <p:cTn id="1" dur="indefinite" restart="never" nodeType="tmRoot"/>
+      </p:par>
+    </p:tnLst>
+  </p:timing>
+</p:sld>
+</file>
+
+<file path=ppt/slides/slide17.xml><?xml version="1.0" encoding="utf-8"?>
+<p:sld xmlns:a="http://schemas.openxmlformats.org/drawingml/2006/main" xmlns:r="http://schemas.openxmlformats.org/officeDocument/2006/relationships" xmlns:p="http://schemas.openxmlformats.org/presentationml/2006/main">
+  <p:cSld>
+    <p:spTree>
+      <p:nvGrpSpPr>
+        <p:cNvPr id="1" name=""/>
+        <p:cNvGrpSpPr/>
+        <p:nvPr/>
+      </p:nvGrpSpPr>
+      <p:grpSpPr>
+        <a:xfrm>
+          <a:off x="0" y="0"/>
+          <a:ext cx="0" cy="0"/>
+          <a:chOff x="0" y="0"/>
+          <a:chExt cx="0" cy="0"/>
+        </a:xfrm>
+      </p:grpSpPr>
+      <p:sp>
+        <p:nvSpPr>
+          <p:cNvPr id="2" name="Title 1"/>
+          <p:cNvSpPr>
+            <a:spLocks noGrp="1"/>
+          </p:cNvSpPr>
+          <p:nvPr>
+            <p:ph type="title"/>
+          </p:nvPr>
+        </p:nvSpPr>
+        <p:spPr/>
+        <p:txBody>
+          <a:bodyPr/>
+          <a:lstStyle/>
+          <a:p>
+            <a:endParaRPr lang="nl-NL"/>
+          </a:p>
+        </p:txBody>
+      </p:sp>
+      <p:sp>
+        <p:nvSpPr>
+          <p:cNvPr id="3" name="Content Placeholder 2"/>
+          <p:cNvSpPr>
+            <a:spLocks noGrp="1"/>
+          </p:cNvSpPr>
+          <p:nvPr>
+            <p:ph idx="1"/>
+          </p:nvPr>
+        </p:nvSpPr>
+        <p:spPr/>
+        <p:txBody>
+          <a:bodyPr/>
+          <a:lstStyle/>
+          <a:p>
+            <a:endParaRPr lang="nl-NL"/>
+          </a:p>
+        </p:txBody>
+      </p:sp>
+    </p:spTree>
+  </p:cSld>
+  <p:clrMapOvr>
+    <a:masterClrMapping/>
+  </p:clrMapOvr>
+  <p:timing>
+    <p:tnLst>
+      <p:par>
+        <p:cTn id="1" dur="indefinite" restart="never" nodeType="tmRoot"/>
+      </p:par>
+    </p:tnLst>
+  </p:timing>
+</p:sld>
+</file>
+
+<file path=ppt/slides/slide18.xml><?xml version="1.0" encoding="utf-8"?>
+<p:sld xmlns:a="http://schemas.openxmlformats.org/drawingml/2006/main" xmlns:r="http://schemas.openxmlformats.org/officeDocument/2006/relationships" xmlns:p="http://schemas.openxmlformats.org/presentationml/2006/main">
+  <p:cSld>
+    <p:spTree>
+      <p:nvGrpSpPr>
+        <p:cNvPr id="1" name=""/>
+        <p:cNvGrpSpPr/>
+        <p:nvPr/>
+      </p:nvGrpSpPr>
+      <p:grpSpPr>
+        <a:xfrm>
+          <a:off x="0" y="0"/>
+          <a:ext cx="0" cy="0"/>
+          <a:chOff x="0" y="0"/>
+          <a:chExt cx="0" cy="0"/>
+        </a:xfrm>
+      </p:grpSpPr>
+      <p:graphicFrame>
+        <p:nvGraphicFramePr>
+          <p:cNvPr id="4" name="Table 3"/>
+          <p:cNvGraphicFramePr>
+            <a:graphicFrameLocks noGrp="1"/>
+          </p:cNvGraphicFramePr>
+          <p:nvPr/>
+        </p:nvGraphicFramePr>
+        <p:xfrm>
+          <a:off x="621435" y="470517"/>
+          <a:ext cx="10670962" cy="5495276"/>
+        </p:xfrm>
+        <a:graphic>
+          <a:graphicData uri="http://schemas.openxmlformats.org/drawingml/2006/table">
+            <a:tbl>
+              <a:tblPr firstRow="1" bandRow="1">
+                <a:tableStyleId>{2D5ABB26-0587-4C30-8999-92F81FD0307C}</a:tableStyleId>
+              </a:tblPr>
+              <a:tblGrid>
+                <a:gridCol w="5335481"/>
+                <a:gridCol w="5335481"/>
+              </a:tblGrid>
+              <a:tr h="2747638">
+                <a:tc>
+                  <a:txBody>
+                    <a:bodyPr/>
+                    <a:lstStyle/>
+                    <a:p>
+                      <a:r>
+                        <a:rPr lang="nl-NL" dirty="0" smtClean="0"/>
+                        <a:t>13.</a:t>
+                      </a:r>
+                      <a:r>
+                        <a:rPr lang="nl-NL" baseline="0" dirty="0" smtClean="0"/>
+                        <a:t> </a:t>
+                      </a:r>
+                      <a:r>
+                        <a:rPr lang="nl-NL" baseline="0" dirty="0" err="1" smtClean="0"/>
+                        <a:t>Test.txt</a:t>
+                      </a:r>
+                      <a:r>
+                        <a:rPr lang="nl-NL" baseline="0" dirty="0" smtClean="0"/>
+                        <a:t> is nu toegevoegd aan de </a:t>
+                      </a:r>
+                      <a:r>
+                        <a:rPr lang="nl-NL" baseline="0" dirty="0" err="1" smtClean="0"/>
+                        <a:t>repository</a:t>
+                      </a:r>
+                      <a:r>
+                        <a:rPr lang="nl-NL" baseline="0" dirty="0" smtClean="0"/>
+                        <a:t> op </a:t>
+                      </a:r>
+                      <a:r>
+                        <a:rPr lang="nl-NL" baseline="0" dirty="0" err="1" smtClean="0"/>
+                        <a:t>github</a:t>
+                      </a:r>
+                      <a:endParaRPr lang="nl-NL" dirty="0"/>
+                    </a:p>
+                  </a:txBody>
+                  <a:tcPr>
+                    <a:lnL w="12700" cap="flat" cmpd="sng" algn="ctr">
+                      <a:solidFill>
+                        <a:schemeClr val="tx1"/>
+                      </a:solidFill>
+                      <a:prstDash val="solid"/>
+                      <a:round/>
+                      <a:headEnd type="none" w="med" len="med"/>
+                      <a:tailEnd type="none" w="med" len="med"/>
+                    </a:lnL>
+                    <a:lnR w="12700" cap="flat" cmpd="sng" algn="ctr">
+                      <a:solidFill>
+                        <a:schemeClr val="tx1"/>
+                      </a:solidFill>
+                      <a:prstDash val="solid"/>
+                      <a:round/>
+                      <a:headEnd type="none" w="med" len="med"/>
+                      <a:tailEnd type="none" w="med" len="med"/>
+                    </a:lnR>
+                    <a:lnT w="12700" cap="flat" cmpd="sng" algn="ctr">
+                      <a:solidFill>
+                        <a:schemeClr val="tx1"/>
+                      </a:solidFill>
+                      <a:prstDash val="solid"/>
+                      <a:round/>
+                      <a:headEnd type="none" w="med" len="med"/>
+                      <a:tailEnd type="none" w="med" len="med"/>
+                    </a:lnT>
+                    <a:lnB w="12700" cap="flat" cmpd="sng" algn="ctr">
+                      <a:solidFill>
+                        <a:schemeClr val="tx1"/>
+                      </a:solidFill>
+                      <a:prstDash val="solid"/>
+                      <a:round/>
+                      <a:headEnd type="none" w="med" len="med"/>
+                      <a:tailEnd type="none" w="med" len="med"/>
+                    </a:lnB>
+                  </a:tcPr>
+                </a:tc>
+                <a:tc>
+                  <a:txBody>
+                    <a:bodyPr/>
+                    <a:lstStyle/>
+                    <a:p>
+                      <a:r>
+                        <a:rPr lang="nl-NL" dirty="0" smtClean="0"/>
+                        <a:t>14. Klik</a:t>
+                      </a:r>
+                      <a:r>
+                        <a:rPr lang="nl-NL" baseline="0" dirty="0" smtClean="0"/>
+                        <a:t> op </a:t>
+                      </a:r>
+                      <a:r>
+                        <a:rPr lang="nl-NL" baseline="0" dirty="0" err="1" smtClean="0"/>
+                        <a:t>Text.txt</a:t>
+                      </a:r>
+                      <a:endParaRPr lang="nl-NL" dirty="0"/>
+                    </a:p>
+                  </a:txBody>
+                  <a:tcPr>
+                    <a:lnL w="12700" cap="flat" cmpd="sng" algn="ctr">
+                      <a:solidFill>
+                        <a:schemeClr val="tx1"/>
+                      </a:solidFill>
+                      <a:prstDash val="solid"/>
+                      <a:round/>
+                      <a:headEnd type="none" w="med" len="med"/>
+                      <a:tailEnd type="none" w="med" len="med"/>
+                    </a:lnL>
+                    <a:lnR w="12700" cap="flat" cmpd="sng" algn="ctr">
+                      <a:solidFill>
+                        <a:schemeClr val="tx1"/>
+                      </a:solidFill>
+                      <a:prstDash val="solid"/>
+                      <a:round/>
+                      <a:headEnd type="none" w="med" len="med"/>
+                      <a:tailEnd type="none" w="med" len="med"/>
+                    </a:lnR>
+                    <a:lnT w="12700" cap="flat" cmpd="sng" algn="ctr">
+                      <a:solidFill>
+                        <a:schemeClr val="tx1"/>
+                      </a:solidFill>
+                      <a:prstDash val="solid"/>
+                      <a:round/>
+                      <a:headEnd type="none" w="med" len="med"/>
+                      <a:tailEnd type="none" w="med" len="med"/>
+                    </a:lnT>
+                    <a:lnB w="12700" cap="flat" cmpd="sng" algn="ctr">
+                      <a:solidFill>
+                        <a:schemeClr val="tx1"/>
+                      </a:solidFill>
+                      <a:prstDash val="solid"/>
+                      <a:round/>
+                      <a:headEnd type="none" w="med" len="med"/>
+                      <a:tailEnd type="none" w="med" len="med"/>
+                    </a:lnB>
+                  </a:tcPr>
+                </a:tc>
+              </a:tr>
+              <a:tr h="2747638">
+                <a:tc>
+                  <a:txBody>
+                    <a:bodyPr/>
+                    <a:lstStyle/>
+                    <a:p>
+                      <a:r>
+                        <a:rPr lang="nl-NL" dirty="0" smtClean="0"/>
+                        <a:t>15. </a:t>
+                      </a:r>
+                      <a:endParaRPr lang="nl-NL" dirty="0"/>
+                    </a:p>
+                  </a:txBody>
+                  <a:tcPr>
+                    <a:lnL w="12700" cap="flat" cmpd="sng" algn="ctr">
+                      <a:solidFill>
+                        <a:schemeClr val="tx1"/>
+                      </a:solidFill>
+                      <a:prstDash val="solid"/>
+                      <a:round/>
+                      <a:headEnd type="none" w="med" len="med"/>
+                      <a:tailEnd type="none" w="med" len="med"/>
+                    </a:lnL>
+                    <a:lnR w="12700" cap="flat" cmpd="sng" algn="ctr">
+                      <a:solidFill>
+                        <a:schemeClr val="tx1"/>
+                      </a:solidFill>
+                      <a:prstDash val="solid"/>
+                      <a:round/>
+                      <a:headEnd type="none" w="med" len="med"/>
+                      <a:tailEnd type="none" w="med" len="med"/>
+                    </a:lnR>
+                    <a:lnT w="12700" cap="flat" cmpd="sng" algn="ctr">
+                      <a:solidFill>
+                        <a:schemeClr val="tx1"/>
+                      </a:solidFill>
+                      <a:prstDash val="solid"/>
+                      <a:round/>
+                      <a:headEnd type="none" w="med" len="med"/>
+                      <a:tailEnd type="none" w="med" len="med"/>
+                    </a:lnT>
+                    <a:lnB w="12700" cap="flat" cmpd="sng" algn="ctr">
+                      <a:solidFill>
+                        <a:schemeClr val="tx1"/>
+                      </a:solidFill>
+                      <a:prstDash val="solid"/>
+                      <a:round/>
+                      <a:headEnd type="none" w="med" len="med"/>
+                      <a:tailEnd type="none" w="med" len="med"/>
+                    </a:lnB>
+                  </a:tcPr>
+                </a:tc>
+                <a:tc>
+                  <a:txBody>
+                    <a:bodyPr/>
+                    <a:lstStyle/>
+                    <a:p>
+                      <a:r>
+                        <a:rPr lang="nl-NL" dirty="0" smtClean="0"/>
+                        <a:t>16.  </a:t>
+                      </a:r>
+                      <a:endParaRPr lang="nl-NL" dirty="0"/>
+                    </a:p>
+                  </a:txBody>
+                  <a:tcPr>
+                    <a:lnL w="12700" cap="flat" cmpd="sng" algn="ctr">
+                      <a:solidFill>
+                        <a:schemeClr val="tx1"/>
+                      </a:solidFill>
+                      <a:prstDash val="solid"/>
+                      <a:round/>
+                      <a:headEnd type="none" w="med" len="med"/>
+                      <a:tailEnd type="none" w="med" len="med"/>
+                    </a:lnL>
+                    <a:lnR w="12700" cap="flat" cmpd="sng" algn="ctr">
+                      <a:solidFill>
+                        <a:schemeClr val="tx1"/>
+                      </a:solidFill>
+                      <a:prstDash val="solid"/>
+                      <a:round/>
+                      <a:headEnd type="none" w="med" len="med"/>
+                      <a:tailEnd type="none" w="med" len="med"/>
+                    </a:lnR>
+                    <a:lnT w="12700" cap="flat" cmpd="sng" algn="ctr">
+                      <a:solidFill>
+                        <a:schemeClr val="tx1"/>
+                      </a:solidFill>
+                      <a:prstDash val="solid"/>
+                      <a:round/>
+                      <a:headEnd type="none" w="med" len="med"/>
+                      <a:tailEnd type="none" w="med" len="med"/>
+                    </a:lnT>
+                    <a:lnB w="12700" cap="flat" cmpd="sng" algn="ctr">
+                      <a:solidFill>
+                        <a:schemeClr val="tx1"/>
+                      </a:solidFill>
+                      <a:prstDash val="solid"/>
+                      <a:round/>
+                      <a:headEnd type="none" w="med" len="med"/>
+                      <a:tailEnd type="none" w="med" len="med"/>
+                    </a:lnB>
+                  </a:tcPr>
+                </a:tc>
+              </a:tr>
+            </a:tbl>
+          </a:graphicData>
+        </a:graphic>
+      </p:graphicFrame>
+      <p:pic>
+        <p:nvPicPr>
+          <p:cNvPr id="7" name="Picture 2"/>
+          <p:cNvPicPr>
+            <a:picLocks noChangeAspect="1" noChangeArrowheads="1"/>
+          </p:cNvPicPr>
+          <p:nvPr/>
+        </p:nvPicPr>
+        <p:blipFill>
+          <a:blip r:embed="rId2" cstate="print"/>
+          <a:srcRect/>
+          <a:stretch>
+            <a:fillRect/>
+          </a:stretch>
+        </p:blipFill>
+        <p:spPr bwMode="auto">
+          <a:xfrm>
+            <a:off x="1482570" y="1006752"/>
+            <a:ext cx="3559945" cy="2142324"/>
+          </a:xfrm>
+          <a:prstGeom prst="rect">
+            <a:avLst/>
+          </a:prstGeom>
+          <a:noFill/>
+          <a:ln w="9525">
+            <a:noFill/>
+            <a:miter lim="800000"/>
+            <a:headEnd/>
+            <a:tailEnd/>
+          </a:ln>
+        </p:spPr>
+      </p:pic>
+      <p:pic>
+        <p:nvPicPr>
+          <p:cNvPr id="11" name="Picture 3"/>
+          <p:cNvPicPr>
+            <a:picLocks noChangeAspect="1" noChangeArrowheads="1"/>
+          </p:cNvPicPr>
+          <p:nvPr/>
+        </p:nvPicPr>
+        <p:blipFill>
+          <a:blip r:embed="rId3" cstate="print"/>
+          <a:srcRect/>
+          <a:stretch>
+            <a:fillRect/>
+          </a:stretch>
+        </p:blipFill>
+        <p:spPr bwMode="auto">
+          <a:xfrm>
+            <a:off x="6793219" y="949909"/>
+            <a:ext cx="3592914" cy="2164303"/>
+          </a:xfrm>
+          <a:prstGeom prst="rect">
+            <a:avLst/>
+          </a:prstGeom>
+          <a:noFill/>
+          <a:ln w="9525">
+            <a:noFill/>
+            <a:miter lim="800000"/>
+            <a:headEnd/>
+            <a:tailEnd/>
+          </a:ln>
+        </p:spPr>
+      </p:pic>
+      <p:pic>
+        <p:nvPicPr>
+          <p:cNvPr id="12" name="Picture 4"/>
+          <p:cNvPicPr>
+            <a:picLocks noChangeAspect="1" noChangeArrowheads="1"/>
+          </p:cNvPicPr>
+          <p:nvPr/>
+        </p:nvPicPr>
+        <p:blipFill>
+          <a:blip r:embed="rId4" cstate="print"/>
+          <a:srcRect/>
+          <a:stretch>
+            <a:fillRect/>
+          </a:stretch>
+        </p:blipFill>
+        <p:spPr bwMode="auto">
+          <a:xfrm>
+            <a:off x="1775534" y="3698766"/>
+            <a:ext cx="3745635" cy="2256299"/>
+          </a:xfrm>
+          <a:prstGeom prst="rect">
+            <a:avLst/>
+          </a:prstGeom>
+          <a:noFill/>
+          <a:ln w="9525">
+            <a:noFill/>
+            <a:miter lim="800000"/>
+            <a:headEnd/>
+            <a:tailEnd/>
+          </a:ln>
+        </p:spPr>
+      </p:pic>
+      <p:pic>
+        <p:nvPicPr>
+          <p:cNvPr id="13" name="Picture 5"/>
+          <p:cNvPicPr>
+            <a:picLocks noChangeAspect="1" noChangeArrowheads="1"/>
+          </p:cNvPicPr>
+          <p:nvPr/>
+        </p:nvPicPr>
+        <p:blipFill>
+          <a:blip r:embed="rId5" cstate="print"/>
+          <a:srcRect l="56345" t="11812" r="18743" b="42828"/>
+          <a:stretch>
+            <a:fillRect/>
+          </a:stretch>
+        </p:blipFill>
+        <p:spPr bwMode="auto">
+          <a:xfrm>
+            <a:off x="6409678" y="3415136"/>
+            <a:ext cx="4604551" cy="2515146"/>
+          </a:xfrm>
+          <a:prstGeom prst="rect">
+            <a:avLst/>
+          </a:prstGeom>
+          <a:noFill/>
+          <a:ln w="9525">
+            <a:noFill/>
+            <a:miter lim="800000"/>
+            <a:headEnd/>
+            <a:tailEnd/>
+          </a:ln>
+        </p:spPr>
+      </p:pic>
+    </p:spTree>
+  </p:cSld>
+  <p:clrMapOvr>
+    <a:masterClrMapping/>
+  </p:clrMapOvr>
+</p:sld>
+</file>
+
+<file path=ppt/slides/slide19.xml><?xml version="1.0" encoding="utf-8"?>
+<p:sld xmlns:a="http://schemas.openxmlformats.org/drawingml/2006/main" xmlns:r="http://schemas.openxmlformats.org/officeDocument/2006/relationships" xmlns:p="http://schemas.openxmlformats.org/presentationml/2006/main">
+  <p:cSld>
+    <p:spTree>
+      <p:nvGrpSpPr>
+        <p:cNvPr id="1" name=""/>
+        <p:cNvGrpSpPr/>
+        <p:nvPr/>
+      </p:nvGrpSpPr>
+      <p:grpSpPr>
+        <a:xfrm>
+          <a:off x="0" y="0"/>
+          <a:ext cx="0" cy="0"/>
+          <a:chOff x="0" y="0"/>
+          <a:chExt cx="0" cy="0"/>
+        </a:xfrm>
+      </p:grpSpPr>
+      <p:pic>
+        <p:nvPicPr>
+          <p:cNvPr id="1026" name="Picture 2"/>
+          <p:cNvPicPr>
+            <a:picLocks noGrp="1" noChangeAspect="1" noChangeArrowheads="1"/>
+          </p:cNvPicPr>
+          <p:nvPr>
+            <p:ph idx="1"/>
+          </p:nvPr>
+        </p:nvPicPr>
+        <p:blipFill>
+          <a:blip r:embed="rId2" cstate="print"/>
+          <a:srcRect/>
+          <a:stretch>
+            <a:fillRect/>
+          </a:stretch>
+        </p:blipFill>
+        <p:spPr bwMode="auto">
+          <a:xfrm>
+            <a:off x="727460" y="356548"/>
+            <a:ext cx="4238625" cy="2495550"/>
+          </a:xfrm>
+          <a:prstGeom prst="rect">
+            <a:avLst/>
+          </a:prstGeom>
+          <a:noFill/>
+          <a:ln w="9525">
+            <a:noFill/>
+            <a:miter lim="800000"/>
+            <a:headEnd/>
+            <a:tailEnd/>
+          </a:ln>
+        </p:spPr>
+      </p:pic>
+      <p:pic>
+        <p:nvPicPr>
+          <p:cNvPr id="1027" name="Picture 3"/>
+          <p:cNvPicPr>
+            <a:picLocks noChangeAspect="1" noChangeArrowheads="1"/>
+          </p:cNvPicPr>
+          <p:nvPr/>
+        </p:nvPicPr>
+        <p:blipFill>
+          <a:blip r:embed="rId3" cstate="print"/>
+          <a:srcRect/>
+          <a:stretch>
+            <a:fillRect/>
+          </a:stretch>
+        </p:blipFill>
+        <p:spPr bwMode="auto">
+          <a:xfrm>
+            <a:off x="5785328" y="393577"/>
+            <a:ext cx="5876925" cy="2590800"/>
+          </a:xfrm>
+          <a:prstGeom prst="rect">
+            <a:avLst/>
+          </a:prstGeom>
+          <a:noFill/>
+          <a:ln w="9525">
+            <a:noFill/>
+            <a:miter lim="800000"/>
+            <a:headEnd/>
+            <a:tailEnd/>
+          </a:ln>
+        </p:spPr>
+      </p:pic>
+      <p:pic>
+        <p:nvPicPr>
+          <p:cNvPr id="1028" name="Picture 4"/>
+          <p:cNvPicPr>
+            <a:picLocks noChangeAspect="1" noChangeArrowheads="1"/>
+          </p:cNvPicPr>
+          <p:nvPr/>
+        </p:nvPicPr>
+        <p:blipFill>
+          <a:blip r:embed="rId4" cstate="print"/>
+          <a:srcRect/>
+          <a:stretch>
+            <a:fillRect/>
+          </a:stretch>
+        </p:blipFill>
+        <p:spPr bwMode="auto">
+          <a:xfrm>
+            <a:off x="812632" y="2870013"/>
+            <a:ext cx="6937574" cy="3774970"/>
+          </a:xfrm>
+          <a:prstGeom prst="rect">
+            <a:avLst/>
+          </a:prstGeom>
+          <a:noFill/>
+          <a:ln w="9525">
+            <a:noFill/>
+            <a:miter lim="800000"/>
+            <a:headEnd/>
+            <a:tailEnd/>
+          </a:ln>
+        </p:spPr>
+      </p:pic>
+    </p:spTree>
   </p:cSld>
   <p:clrMapOvr>
     <a:masterClrMapping/>
@@ -3893,7 +6732,7 @@
           <p:cNvPr id="18" name="Groep 17">
             <a:extLst>
               <a:ext uri="{FF2B5EF4-FFF2-40B4-BE49-F238E27FC236}">
-                <a16:creationId xmlns:a16="http://schemas.microsoft.com/office/drawing/2014/main" xmlns="" id="{85753293-FD95-419C-A81F-896022D96F8E}"/>
+                <a16:creationId xmlns="" xmlns:a16="http://schemas.microsoft.com/office/drawing/2014/main" id="{85753293-FD95-419C-A81F-896022D96F8E}"/>
               </a:ext>
             </a:extLst>
           </p:cNvPr>
@@ -3913,7 +6752,7 @@
             <p:cNvPr id="13" name="Afbeelding 12">
               <a:extLst>
                 <a:ext uri="{FF2B5EF4-FFF2-40B4-BE49-F238E27FC236}">
-                  <a16:creationId xmlns:a16="http://schemas.microsoft.com/office/drawing/2014/main" xmlns="" id="{137D454B-C00C-45FE-B143-026148A07A20}"/>
+                  <a16:creationId xmlns="" xmlns:a16="http://schemas.microsoft.com/office/drawing/2014/main" id="{137D454B-C00C-45FE-B143-026148A07A20}"/>
                 </a:ext>
               </a:extLst>
             </p:cNvPr>
@@ -3943,7 +6782,7 @@
             <p:cNvPr id="6" name="Tekstvak 5">
               <a:extLst>
                 <a:ext uri="{FF2B5EF4-FFF2-40B4-BE49-F238E27FC236}">
-                  <a16:creationId xmlns:a16="http://schemas.microsoft.com/office/drawing/2014/main" xmlns="" id="{33712DB5-A541-48EB-A474-20E149CED57E}"/>
+                  <a16:creationId xmlns="" xmlns:a16="http://schemas.microsoft.com/office/drawing/2014/main" id="{33712DB5-A541-48EB-A474-20E149CED57E}"/>
                 </a:ext>
               </a:extLst>
             </p:cNvPr>
@@ -3980,7 +6819,7 @@
             <p:cNvPr id="8" name="Tekstvak 7">
               <a:extLst>
                 <a:ext uri="{FF2B5EF4-FFF2-40B4-BE49-F238E27FC236}">
-                  <a16:creationId xmlns:a16="http://schemas.microsoft.com/office/drawing/2014/main" xmlns="" id="{D9C485DC-A8B5-4614-8CD1-19AB1EA7E543}"/>
+                  <a16:creationId xmlns="" xmlns:a16="http://schemas.microsoft.com/office/drawing/2014/main" id="{D9C485DC-A8B5-4614-8CD1-19AB1EA7E543}"/>
                 </a:ext>
               </a:extLst>
             </p:cNvPr>
@@ -4019,7 +6858,7 @@
             <p:cNvPr id="10" name="Tekstvak 9">
               <a:extLst>
                 <a:ext uri="{FF2B5EF4-FFF2-40B4-BE49-F238E27FC236}">
-                  <a16:creationId xmlns:a16="http://schemas.microsoft.com/office/drawing/2014/main" xmlns="" id="{34075E6A-7C22-4C89-9947-9731A9CEC5C6}"/>
+                  <a16:creationId xmlns="" xmlns:a16="http://schemas.microsoft.com/office/drawing/2014/main" id="{34075E6A-7C22-4C89-9947-9731A9CEC5C6}"/>
                 </a:ext>
               </a:extLst>
             </p:cNvPr>
@@ -4056,7 +6895,7 @@
             <p:cNvPr id="12" name="Tekstvak 11">
               <a:extLst>
                 <a:ext uri="{FF2B5EF4-FFF2-40B4-BE49-F238E27FC236}">
-                  <a16:creationId xmlns:a16="http://schemas.microsoft.com/office/drawing/2014/main" xmlns="" id="{B975F279-3569-44F7-8003-5C8E66801F2D}"/>
+                  <a16:creationId xmlns="" xmlns:a16="http://schemas.microsoft.com/office/drawing/2014/main" id="{B975F279-3569-44F7-8003-5C8E66801F2D}"/>
                 </a:ext>
               </a:extLst>
             </p:cNvPr>
@@ -4095,7 +6934,7 @@
             <p:cNvPr id="15" name="Tekstvak 14">
               <a:extLst>
                 <a:ext uri="{FF2B5EF4-FFF2-40B4-BE49-F238E27FC236}">
-                  <a16:creationId xmlns:a16="http://schemas.microsoft.com/office/drawing/2014/main" xmlns="" id="{4995B4FD-EAEB-4B5F-9FDA-E0D1758B0691}"/>
+                  <a16:creationId xmlns="" xmlns:a16="http://schemas.microsoft.com/office/drawing/2014/main" id="{4995B4FD-EAEB-4B5F-9FDA-E0D1758B0691}"/>
                 </a:ext>
               </a:extLst>
             </p:cNvPr>
@@ -4134,7 +6973,7 @@
             <p:cNvPr id="17" name="Tekstvak 16">
               <a:extLst>
                 <a:ext uri="{FF2B5EF4-FFF2-40B4-BE49-F238E27FC236}">
-                  <a16:creationId xmlns:a16="http://schemas.microsoft.com/office/drawing/2014/main" xmlns="" id="{691C9F98-6371-43BD-8674-51E27646F083}"/>
+                  <a16:creationId xmlns="" xmlns:a16="http://schemas.microsoft.com/office/drawing/2014/main" id="{691C9F98-6371-43BD-8674-51E27646F083}"/>
                 </a:ext>
               </a:extLst>
             </p:cNvPr>
@@ -4170,9 +7009,708 @@
     </p:spTree>
     <p:extLst>
       <p:ext uri="{BB962C8B-B14F-4D97-AF65-F5344CB8AC3E}">
-        <p14:creationId xmlns:p14="http://schemas.microsoft.com/office/powerpoint/2010/main" xmlns="" val="3332669872"/>
+        <p14:creationId xmlns="" xmlns:p14="http://schemas.microsoft.com/office/powerpoint/2010/main" val="3332669872"/>
       </p:ext>
     </p:extLst>
+  </p:cSld>
+  <p:clrMapOvr>
+    <a:masterClrMapping/>
+  </p:clrMapOvr>
+</p:sld>
+</file>
+
+<file path=ppt/slides/slide20.xml><?xml version="1.0" encoding="utf-8"?>
+<p:sld xmlns:a="http://schemas.openxmlformats.org/drawingml/2006/main" xmlns:r="http://schemas.openxmlformats.org/officeDocument/2006/relationships" xmlns:p="http://schemas.openxmlformats.org/presentationml/2006/main">
+  <p:cSld>
+    <p:spTree>
+      <p:nvGrpSpPr>
+        <p:cNvPr id="1" name=""/>
+        <p:cNvGrpSpPr/>
+        <p:nvPr/>
+      </p:nvGrpSpPr>
+      <p:grpSpPr>
+        <a:xfrm>
+          <a:off x="0" y="0"/>
+          <a:ext cx="0" cy="0"/>
+          <a:chOff x="0" y="0"/>
+          <a:chExt cx="0" cy="0"/>
+        </a:xfrm>
+      </p:grpSpPr>
+      <p:sp>
+        <p:nvSpPr>
+          <p:cNvPr id="2" name="Title 1"/>
+          <p:cNvSpPr>
+            <a:spLocks noGrp="1"/>
+          </p:cNvSpPr>
+          <p:nvPr>
+            <p:ph type="title"/>
+          </p:nvPr>
+        </p:nvSpPr>
+        <p:spPr/>
+        <p:txBody>
+          <a:bodyPr/>
+          <a:lstStyle/>
+          <a:p>
+            <a:endParaRPr lang="nl-NL"/>
+          </a:p>
+        </p:txBody>
+      </p:sp>
+      <p:pic>
+        <p:nvPicPr>
+          <p:cNvPr id="2050" name="Picture 2"/>
+          <p:cNvPicPr>
+            <a:picLocks noChangeAspect="1" noChangeArrowheads="1"/>
+          </p:cNvPicPr>
+          <p:nvPr/>
+        </p:nvPicPr>
+        <p:blipFill>
+          <a:blip r:embed="rId2" cstate="print"/>
+          <a:srcRect/>
+          <a:stretch>
+            <a:fillRect/>
+          </a:stretch>
+        </p:blipFill>
+        <p:spPr bwMode="auto">
+          <a:xfrm>
+            <a:off x="555871" y="426128"/>
+            <a:ext cx="6085142" cy="2934487"/>
+          </a:xfrm>
+          <a:prstGeom prst="rect">
+            <a:avLst/>
+          </a:prstGeom>
+          <a:noFill/>
+          <a:ln w="9525">
+            <a:noFill/>
+            <a:miter lim="800000"/>
+            <a:headEnd/>
+            <a:tailEnd/>
+          </a:ln>
+        </p:spPr>
+      </p:pic>
+      <p:pic>
+        <p:nvPicPr>
+          <p:cNvPr id="2052" name="Picture 4"/>
+          <p:cNvPicPr>
+            <a:picLocks noGrp="1" noChangeAspect="1" noChangeArrowheads="1"/>
+          </p:cNvPicPr>
+          <p:nvPr>
+            <p:ph idx="1"/>
+          </p:nvPr>
+        </p:nvPicPr>
+        <p:blipFill>
+          <a:blip r:embed="rId3" cstate="print"/>
+          <a:srcRect/>
+          <a:stretch>
+            <a:fillRect/>
+          </a:stretch>
+        </p:blipFill>
+        <p:spPr bwMode="auto">
+          <a:xfrm>
+            <a:off x="2592740" y="1390619"/>
+            <a:ext cx="6704681" cy="4351338"/>
+          </a:xfrm>
+          <a:prstGeom prst="rect">
+            <a:avLst/>
+          </a:prstGeom>
+          <a:noFill/>
+          <a:ln w="9525">
+            <a:noFill/>
+            <a:miter lim="800000"/>
+            <a:headEnd/>
+            <a:tailEnd/>
+          </a:ln>
+        </p:spPr>
+      </p:pic>
+      <p:pic>
+        <p:nvPicPr>
+          <p:cNvPr id="2053" name="Picture 5"/>
+          <p:cNvPicPr>
+            <a:picLocks noChangeAspect="1" noChangeArrowheads="1"/>
+          </p:cNvPicPr>
+          <p:nvPr/>
+        </p:nvPicPr>
+        <p:blipFill>
+          <a:blip r:embed="rId4" cstate="print"/>
+          <a:srcRect/>
+          <a:stretch>
+            <a:fillRect/>
+          </a:stretch>
+        </p:blipFill>
+        <p:spPr bwMode="auto">
+          <a:xfrm>
+            <a:off x="5495278" y="3137434"/>
+            <a:ext cx="5968060" cy="2896654"/>
+          </a:xfrm>
+          <a:prstGeom prst="rect">
+            <a:avLst/>
+          </a:prstGeom>
+          <a:noFill/>
+          <a:ln w="9525">
+            <a:noFill/>
+            <a:miter lim="800000"/>
+            <a:headEnd/>
+            <a:tailEnd/>
+          </a:ln>
+        </p:spPr>
+      </p:pic>
+    </p:spTree>
+  </p:cSld>
+  <p:clrMapOvr>
+    <a:masterClrMapping/>
+  </p:clrMapOvr>
+</p:sld>
+</file>
+
+<file path=ppt/slides/slide21.xml><?xml version="1.0" encoding="utf-8"?>
+<p:sld xmlns:a="http://schemas.openxmlformats.org/drawingml/2006/main" xmlns:r="http://schemas.openxmlformats.org/officeDocument/2006/relationships" xmlns:p="http://schemas.openxmlformats.org/presentationml/2006/main">
+  <p:cSld>
+    <p:spTree>
+      <p:nvGrpSpPr>
+        <p:cNvPr id="1" name=""/>
+        <p:cNvGrpSpPr/>
+        <p:nvPr/>
+      </p:nvGrpSpPr>
+      <p:grpSpPr>
+        <a:xfrm>
+          <a:off x="0" y="0"/>
+          <a:ext cx="0" cy="0"/>
+          <a:chOff x="0" y="0"/>
+          <a:chExt cx="0" cy="0"/>
+        </a:xfrm>
+      </p:grpSpPr>
+      <p:sp>
+        <p:nvSpPr>
+          <p:cNvPr id="2" name="Title 1"/>
+          <p:cNvSpPr>
+            <a:spLocks noGrp="1"/>
+          </p:cNvSpPr>
+          <p:nvPr>
+            <p:ph type="title"/>
+          </p:nvPr>
+        </p:nvSpPr>
+        <p:spPr/>
+        <p:txBody>
+          <a:bodyPr/>
+          <a:lstStyle/>
+          <a:p>
+            <a:endParaRPr lang="nl-NL"/>
+          </a:p>
+        </p:txBody>
+      </p:sp>
+      <p:pic>
+        <p:nvPicPr>
+          <p:cNvPr id="3074" name="Picture 2"/>
+          <p:cNvPicPr>
+            <a:picLocks noChangeAspect="1" noChangeArrowheads="1"/>
+          </p:cNvPicPr>
+          <p:nvPr/>
+        </p:nvPicPr>
+        <p:blipFill>
+          <a:blip r:embed="rId2" cstate="print"/>
+          <a:srcRect/>
+          <a:stretch>
+            <a:fillRect/>
+          </a:stretch>
+        </p:blipFill>
+        <p:spPr bwMode="auto">
+          <a:xfrm>
+            <a:off x="0" y="0"/>
+            <a:ext cx="6510291" cy="3553049"/>
+          </a:xfrm>
+          <a:prstGeom prst="rect">
+            <a:avLst/>
+          </a:prstGeom>
+          <a:noFill/>
+          <a:ln w="9525">
+            <a:noFill/>
+            <a:miter lim="800000"/>
+            <a:headEnd/>
+            <a:tailEnd/>
+          </a:ln>
+        </p:spPr>
+      </p:pic>
+      <p:pic>
+        <p:nvPicPr>
+          <p:cNvPr id="3075" name="Picture 3"/>
+          <p:cNvPicPr>
+            <a:picLocks noGrp="1" noChangeAspect="1" noChangeArrowheads="1"/>
+          </p:cNvPicPr>
+          <p:nvPr>
+            <p:ph idx="1"/>
+          </p:nvPr>
+        </p:nvPicPr>
+        <p:blipFill>
+          <a:blip r:embed="rId3" cstate="print"/>
+          <a:srcRect/>
+          <a:stretch>
+            <a:fillRect/>
+          </a:stretch>
+        </p:blipFill>
+        <p:spPr bwMode="auto">
+          <a:xfrm>
+            <a:off x="1856505" y="1216241"/>
+            <a:ext cx="5646305" cy="3078656"/>
+          </a:xfrm>
+          <a:prstGeom prst="rect">
+            <a:avLst/>
+          </a:prstGeom>
+          <a:noFill/>
+          <a:ln w="9525">
+            <a:noFill/>
+            <a:miter lim="800000"/>
+            <a:headEnd/>
+            <a:tailEnd/>
+          </a:ln>
+        </p:spPr>
+      </p:pic>
+      <p:pic>
+        <p:nvPicPr>
+          <p:cNvPr id="3076" name="Picture 4"/>
+          <p:cNvPicPr>
+            <a:picLocks noChangeAspect="1" noChangeArrowheads="1"/>
+          </p:cNvPicPr>
+          <p:nvPr/>
+        </p:nvPicPr>
+        <p:blipFill>
+          <a:blip r:embed="rId4" cstate="print"/>
+          <a:srcRect/>
+          <a:stretch>
+            <a:fillRect/>
+          </a:stretch>
+        </p:blipFill>
+        <p:spPr bwMode="auto">
+          <a:xfrm>
+            <a:off x="2787588" y="1713213"/>
+            <a:ext cx="6338148" cy="3454608"/>
+          </a:xfrm>
+          <a:prstGeom prst="rect">
+            <a:avLst/>
+          </a:prstGeom>
+          <a:noFill/>
+          <a:ln w="9525">
+            <a:noFill/>
+            <a:miter lim="800000"/>
+            <a:headEnd/>
+            <a:tailEnd/>
+          </a:ln>
+        </p:spPr>
+      </p:pic>
+      <p:pic>
+        <p:nvPicPr>
+          <p:cNvPr id="3077" name="Picture 5"/>
+          <p:cNvPicPr>
+            <a:picLocks noChangeAspect="1" noChangeArrowheads="1"/>
+          </p:cNvPicPr>
+          <p:nvPr/>
+        </p:nvPicPr>
+        <p:blipFill>
+          <a:blip r:embed="rId5" cstate="print"/>
+          <a:srcRect/>
+          <a:stretch>
+            <a:fillRect/>
+          </a:stretch>
+        </p:blipFill>
+        <p:spPr bwMode="auto">
+          <a:xfrm>
+            <a:off x="4225771" y="2431265"/>
+            <a:ext cx="6169472" cy="3376396"/>
+          </a:xfrm>
+          <a:prstGeom prst="rect">
+            <a:avLst/>
+          </a:prstGeom>
+          <a:noFill/>
+          <a:ln w="9525">
+            <a:noFill/>
+            <a:miter lim="800000"/>
+            <a:headEnd/>
+            <a:tailEnd/>
+          </a:ln>
+        </p:spPr>
+      </p:pic>
+      <p:pic>
+        <p:nvPicPr>
+          <p:cNvPr id="3078" name="Picture 6"/>
+          <p:cNvPicPr>
+            <a:picLocks noChangeAspect="1" noChangeArrowheads="1"/>
+          </p:cNvPicPr>
+          <p:nvPr/>
+        </p:nvPicPr>
+        <p:blipFill>
+          <a:blip r:embed="rId6" cstate="print"/>
+          <a:srcRect/>
+          <a:stretch>
+            <a:fillRect/>
+          </a:stretch>
+        </p:blipFill>
+        <p:spPr bwMode="auto">
+          <a:xfrm>
+            <a:off x="6871317" y="4449525"/>
+            <a:ext cx="5320683" cy="2408475"/>
+          </a:xfrm>
+          <a:prstGeom prst="rect">
+            <a:avLst/>
+          </a:prstGeom>
+          <a:noFill/>
+          <a:ln w="9525">
+            <a:noFill/>
+            <a:miter lim="800000"/>
+            <a:headEnd/>
+            <a:tailEnd/>
+          </a:ln>
+        </p:spPr>
+      </p:pic>
+      <p:pic>
+        <p:nvPicPr>
+          <p:cNvPr id="3079" name="Picture 7"/>
+          <p:cNvPicPr>
+            <a:picLocks noChangeAspect="1" noChangeArrowheads="1"/>
+          </p:cNvPicPr>
+          <p:nvPr/>
+        </p:nvPicPr>
+        <p:blipFill>
+          <a:blip r:embed="rId7" cstate="print"/>
+          <a:srcRect/>
+          <a:stretch>
+            <a:fillRect/>
+          </a:stretch>
+        </p:blipFill>
+        <p:spPr bwMode="auto">
+          <a:xfrm>
+            <a:off x="5548544" y="3155833"/>
+            <a:ext cx="2929400" cy="2897628"/>
+          </a:xfrm>
+          <a:prstGeom prst="rect">
+            <a:avLst/>
+          </a:prstGeom>
+          <a:noFill/>
+          <a:ln w="9525">
+            <a:noFill/>
+            <a:miter lim="800000"/>
+            <a:headEnd/>
+            <a:tailEnd/>
+          </a:ln>
+        </p:spPr>
+      </p:pic>
+    </p:spTree>
+  </p:cSld>
+  <p:clrMapOvr>
+    <a:masterClrMapping/>
+  </p:clrMapOvr>
+</p:sld>
+</file>
+
+<file path=ppt/slides/slide22.xml><?xml version="1.0" encoding="utf-8"?>
+<p:sld xmlns:a="http://schemas.openxmlformats.org/drawingml/2006/main" xmlns:r="http://schemas.openxmlformats.org/officeDocument/2006/relationships" xmlns:p="http://schemas.openxmlformats.org/presentationml/2006/main">
+  <p:cSld>
+    <p:spTree>
+      <p:nvGrpSpPr>
+        <p:cNvPr id="1" name=""/>
+        <p:cNvGrpSpPr/>
+        <p:nvPr/>
+      </p:nvGrpSpPr>
+      <p:grpSpPr>
+        <a:xfrm>
+          <a:off x="0" y="0"/>
+          <a:ext cx="0" cy="0"/>
+          <a:chOff x="0" y="0"/>
+          <a:chExt cx="0" cy="0"/>
+        </a:xfrm>
+      </p:grpSpPr>
+      <p:sp>
+        <p:nvSpPr>
+          <p:cNvPr id="2" name="Title 1"/>
+          <p:cNvSpPr>
+            <a:spLocks noGrp="1"/>
+          </p:cNvSpPr>
+          <p:nvPr>
+            <p:ph type="title"/>
+          </p:nvPr>
+        </p:nvSpPr>
+        <p:spPr/>
+        <p:txBody>
+          <a:bodyPr/>
+          <a:lstStyle/>
+          <a:p>
+            <a:endParaRPr lang="nl-NL"/>
+          </a:p>
+        </p:txBody>
+      </p:sp>
+      <p:sp>
+        <p:nvSpPr>
+          <p:cNvPr id="3" name="Content Placeholder 2"/>
+          <p:cNvSpPr>
+            <a:spLocks noGrp="1"/>
+          </p:cNvSpPr>
+          <p:nvPr>
+            <p:ph idx="1"/>
+          </p:nvPr>
+        </p:nvSpPr>
+        <p:spPr/>
+        <p:txBody>
+          <a:bodyPr/>
+          <a:lstStyle/>
+          <a:p>
+            <a:endParaRPr lang="nl-NL" dirty="0"/>
+          </a:p>
+        </p:txBody>
+      </p:sp>
+      <p:pic>
+        <p:nvPicPr>
+          <p:cNvPr id="4098" name="Picture 2"/>
+          <p:cNvPicPr>
+            <a:picLocks noChangeAspect="1" noChangeArrowheads="1"/>
+          </p:cNvPicPr>
+          <p:nvPr/>
+        </p:nvPicPr>
+        <p:blipFill>
+          <a:blip r:embed="rId2" cstate="print"/>
+          <a:srcRect/>
+          <a:stretch>
+            <a:fillRect/>
+          </a:stretch>
+        </p:blipFill>
+        <p:spPr bwMode="auto">
+          <a:xfrm>
+            <a:off x="252946" y="0"/>
+            <a:ext cx="8522630" cy="5128797"/>
+          </a:xfrm>
+          <a:prstGeom prst="rect">
+            <a:avLst/>
+          </a:prstGeom>
+          <a:noFill/>
+          <a:ln w="9525">
+            <a:noFill/>
+            <a:miter lim="800000"/>
+            <a:headEnd/>
+            <a:tailEnd/>
+          </a:ln>
+        </p:spPr>
+      </p:pic>
+      <p:pic>
+        <p:nvPicPr>
+          <p:cNvPr id="4099" name="Picture 3"/>
+          <p:cNvPicPr>
+            <a:picLocks noChangeAspect="1" noChangeArrowheads="1"/>
+          </p:cNvPicPr>
+          <p:nvPr/>
+        </p:nvPicPr>
+        <p:blipFill>
+          <a:blip r:embed="rId3" cstate="print"/>
+          <a:srcRect/>
+          <a:stretch>
+            <a:fillRect/>
+          </a:stretch>
+        </p:blipFill>
+        <p:spPr bwMode="auto">
+          <a:xfrm>
+            <a:off x="870012" y="418256"/>
+            <a:ext cx="9427346" cy="5678854"/>
+          </a:xfrm>
+          <a:prstGeom prst="rect">
+            <a:avLst/>
+          </a:prstGeom>
+          <a:noFill/>
+          <a:ln w="9525">
+            <a:noFill/>
+            <a:miter lim="800000"/>
+            <a:headEnd/>
+            <a:tailEnd/>
+          </a:ln>
+        </p:spPr>
+      </p:pic>
+      <p:pic>
+        <p:nvPicPr>
+          <p:cNvPr id="4100" name="Picture 4"/>
+          <p:cNvPicPr>
+            <a:picLocks noChangeAspect="1" noChangeArrowheads="1"/>
+          </p:cNvPicPr>
+          <p:nvPr/>
+        </p:nvPicPr>
+        <p:blipFill>
+          <a:blip r:embed="rId4" cstate="print"/>
+          <a:srcRect/>
+          <a:stretch>
+            <a:fillRect/>
+          </a:stretch>
+        </p:blipFill>
+        <p:spPr bwMode="auto">
+          <a:xfrm>
+            <a:off x="1278383" y="759706"/>
+            <a:ext cx="10687975" cy="6438233"/>
+          </a:xfrm>
+          <a:prstGeom prst="rect">
+            <a:avLst/>
+          </a:prstGeom>
+          <a:noFill/>
+          <a:ln w="9525">
+            <a:noFill/>
+            <a:miter lim="800000"/>
+            <a:headEnd/>
+            <a:tailEnd/>
+          </a:ln>
+        </p:spPr>
+      </p:pic>
+      <p:pic>
+        <p:nvPicPr>
+          <p:cNvPr id="4101" name="Picture 5"/>
+          <p:cNvPicPr>
+            <a:picLocks noChangeAspect="1" noChangeArrowheads="1"/>
+          </p:cNvPicPr>
+          <p:nvPr/>
+        </p:nvPicPr>
+        <p:blipFill>
+          <a:blip r:embed="rId5" cstate="print"/>
+          <a:srcRect l="56345" t="11812" r="18743" b="42828"/>
+          <a:stretch>
+            <a:fillRect/>
+          </a:stretch>
+        </p:blipFill>
+        <p:spPr bwMode="auto">
+          <a:xfrm>
+            <a:off x="4684450" y="2911875"/>
+            <a:ext cx="6241002" cy="3409025"/>
+          </a:xfrm>
+          <a:prstGeom prst="rect">
+            <a:avLst/>
+          </a:prstGeom>
+          <a:noFill/>
+          <a:ln w="9525">
+            <a:noFill/>
+            <a:miter lim="800000"/>
+            <a:headEnd/>
+            <a:tailEnd/>
+          </a:ln>
+        </p:spPr>
+      </p:pic>
+      <p:pic>
+        <p:nvPicPr>
+          <p:cNvPr id="4102" name="Picture 6"/>
+          <p:cNvPicPr>
+            <a:picLocks noChangeAspect="1" noChangeArrowheads="1"/>
+          </p:cNvPicPr>
+          <p:nvPr/>
+        </p:nvPicPr>
+        <p:blipFill>
+          <a:blip r:embed="rId6" cstate="print"/>
+          <a:srcRect/>
+          <a:stretch>
+            <a:fillRect/>
+          </a:stretch>
+        </p:blipFill>
+        <p:spPr bwMode="auto">
+          <a:xfrm>
+            <a:off x="5900368" y="3562072"/>
+            <a:ext cx="6410325" cy="2876550"/>
+          </a:xfrm>
+          <a:prstGeom prst="rect">
+            <a:avLst/>
+          </a:prstGeom>
+          <a:noFill/>
+          <a:ln w="9525">
+            <a:noFill/>
+            <a:miter lim="800000"/>
+            <a:headEnd/>
+            <a:tailEnd/>
+          </a:ln>
+        </p:spPr>
+      </p:pic>
+      <p:pic>
+        <p:nvPicPr>
+          <p:cNvPr id="4103" name="Picture 7"/>
+          <p:cNvPicPr>
+            <a:picLocks noChangeAspect="1" noChangeArrowheads="1"/>
+          </p:cNvPicPr>
+          <p:nvPr/>
+        </p:nvPicPr>
+        <p:blipFill>
+          <a:blip r:embed="rId7" cstate="print"/>
+          <a:srcRect l="56403" t="11737" r="18595" b="42511"/>
+          <a:stretch>
+            <a:fillRect/>
+          </a:stretch>
+        </p:blipFill>
+        <p:spPr bwMode="auto">
+          <a:xfrm>
+            <a:off x="7131729" y="4315267"/>
+            <a:ext cx="5060271" cy="2777992"/>
+          </a:xfrm>
+          <a:prstGeom prst="rect">
+            <a:avLst/>
+          </a:prstGeom>
+          <a:noFill/>
+          <a:ln w="9525">
+            <a:noFill/>
+            <a:miter lim="800000"/>
+            <a:headEnd/>
+            <a:tailEnd/>
+          </a:ln>
+        </p:spPr>
+      </p:pic>
+      <p:pic>
+        <p:nvPicPr>
+          <p:cNvPr id="4104" name="Picture 8"/>
+          <p:cNvPicPr>
+            <a:picLocks noChangeAspect="1" noChangeArrowheads="1"/>
+          </p:cNvPicPr>
+          <p:nvPr/>
+        </p:nvPicPr>
+        <p:blipFill>
+          <a:blip r:embed="rId8" cstate="print"/>
+          <a:srcRect/>
+          <a:stretch>
+            <a:fillRect/>
+          </a:stretch>
+        </p:blipFill>
+        <p:spPr bwMode="auto">
+          <a:xfrm>
+            <a:off x="8205511" y="4564649"/>
+            <a:ext cx="4410075" cy="3286125"/>
+          </a:xfrm>
+          <a:prstGeom prst="rect">
+            <a:avLst/>
+          </a:prstGeom>
+          <a:noFill/>
+          <a:ln w="9525">
+            <a:noFill/>
+            <a:miter lim="800000"/>
+            <a:headEnd/>
+            <a:tailEnd/>
+          </a:ln>
+        </p:spPr>
+      </p:pic>
+      <p:pic>
+        <p:nvPicPr>
+          <p:cNvPr id="4105" name="Picture 9"/>
+          <p:cNvPicPr>
+            <a:picLocks noChangeAspect="1" noChangeArrowheads="1"/>
+          </p:cNvPicPr>
+          <p:nvPr/>
+        </p:nvPicPr>
+        <p:blipFill>
+          <a:blip r:embed="rId9" cstate="print"/>
+          <a:srcRect/>
+          <a:stretch>
+            <a:fillRect/>
+          </a:stretch>
+        </p:blipFill>
+        <p:spPr bwMode="auto">
+          <a:xfrm>
+            <a:off x="8590883" y="5797118"/>
+            <a:ext cx="5086602" cy="3287744"/>
+          </a:xfrm>
+          <a:prstGeom prst="rect">
+            <a:avLst/>
+          </a:prstGeom>
+          <a:noFill/>
+          <a:ln w="9525">
+            <a:noFill/>
+            <a:miter lim="800000"/>
+            <a:headEnd/>
+            <a:tailEnd/>
+          </a:ln>
+        </p:spPr>
+      </p:pic>
+    </p:spTree>
   </p:cSld>
   <p:clrMapOvr>
     <a:masterClrMapping/>
@@ -4202,7 +7740,7 @@
           <p:cNvPr id="9" name="Groep 8">
             <a:extLst>
               <a:ext uri="{FF2B5EF4-FFF2-40B4-BE49-F238E27FC236}">
-                <a16:creationId xmlns:a16="http://schemas.microsoft.com/office/drawing/2014/main" xmlns="" id="{F74B3E4B-9CA4-40FA-ADE7-643289962F85}"/>
+                <a16:creationId xmlns="" xmlns:a16="http://schemas.microsoft.com/office/drawing/2014/main" id="{F74B3E4B-9CA4-40FA-ADE7-643289962F85}"/>
               </a:ext>
             </a:extLst>
           </p:cNvPr>
@@ -4222,7 +7760,7 @@
             <p:cNvPr id="4" name="Afbeelding 3">
               <a:extLst>
                 <a:ext uri="{FF2B5EF4-FFF2-40B4-BE49-F238E27FC236}">
-                  <a16:creationId xmlns:a16="http://schemas.microsoft.com/office/drawing/2014/main" xmlns="" id="{263EECB5-1CA1-47BD-AB2F-8805FD34ADE4}"/>
+                  <a16:creationId xmlns="" xmlns:a16="http://schemas.microsoft.com/office/drawing/2014/main" id="{263EECB5-1CA1-47BD-AB2F-8805FD34ADE4}"/>
                 </a:ext>
               </a:extLst>
             </p:cNvPr>
@@ -4252,7 +7790,7 @@
             <p:cNvPr id="6" name="Tekstvak 5">
               <a:extLst>
                 <a:ext uri="{FF2B5EF4-FFF2-40B4-BE49-F238E27FC236}">
-                  <a16:creationId xmlns:a16="http://schemas.microsoft.com/office/drawing/2014/main" xmlns="" id="{A0C4B51A-D201-48AF-A191-B742ABC75F37}"/>
+                  <a16:creationId xmlns="" xmlns:a16="http://schemas.microsoft.com/office/drawing/2014/main" id="{A0C4B51A-D201-48AF-A191-B742ABC75F37}"/>
                 </a:ext>
               </a:extLst>
             </p:cNvPr>
@@ -4289,7 +7827,7 @@
             <p:cNvPr id="8" name="Tekstvak 7">
               <a:extLst>
                 <a:ext uri="{FF2B5EF4-FFF2-40B4-BE49-F238E27FC236}">
-                  <a16:creationId xmlns:a16="http://schemas.microsoft.com/office/drawing/2014/main" xmlns="" id="{3CCA7197-2F71-4C83-B7DE-EDB04CEE150A}"/>
+                  <a16:creationId xmlns="" xmlns:a16="http://schemas.microsoft.com/office/drawing/2014/main" id="{3CCA7197-2F71-4C83-B7DE-EDB04CEE150A}"/>
                 </a:ext>
               </a:extLst>
             </p:cNvPr>
@@ -4327,7 +7865,7 @@
     </p:spTree>
     <p:extLst>
       <p:ext uri="{BB962C8B-B14F-4D97-AF65-F5344CB8AC3E}">
-        <p14:creationId xmlns:p14="http://schemas.microsoft.com/office/powerpoint/2010/main" xmlns="" val="3572043699"/>
+        <p14:creationId xmlns="" xmlns:p14="http://schemas.microsoft.com/office/powerpoint/2010/main" val="3572043699"/>
       </p:ext>
     </p:extLst>
   </p:cSld>
@@ -4359,7 +7897,7 @@
           <p:cNvPr id="18" name="Groep 17">
             <a:extLst>
               <a:ext uri="{FF2B5EF4-FFF2-40B4-BE49-F238E27FC236}">
-                <a16:creationId xmlns:a16="http://schemas.microsoft.com/office/drawing/2014/main" xmlns="" id="{7A582CC3-15E8-41A4-83B8-16B96C3689B7}"/>
+                <a16:creationId xmlns="" xmlns:a16="http://schemas.microsoft.com/office/drawing/2014/main" id="{7A582CC3-15E8-41A4-83B8-16B96C3689B7}"/>
               </a:ext>
             </a:extLst>
           </p:cNvPr>
@@ -4379,7 +7917,7 @@
             <p:cNvPr id="13" name="Afbeelding 12">
               <a:extLst>
                 <a:ext uri="{FF2B5EF4-FFF2-40B4-BE49-F238E27FC236}">
-                  <a16:creationId xmlns:a16="http://schemas.microsoft.com/office/drawing/2014/main" xmlns="" id="{0047E823-16EE-4C8E-83E1-D6D180F04383}"/>
+                  <a16:creationId xmlns="" xmlns:a16="http://schemas.microsoft.com/office/drawing/2014/main" id="{0047E823-16EE-4C8E-83E1-D6D180F04383}"/>
                 </a:ext>
               </a:extLst>
             </p:cNvPr>
@@ -4408,7 +7946,7 @@
             <p:cNvPr id="6" name="Tekstvak 5">
               <a:extLst>
                 <a:ext uri="{FF2B5EF4-FFF2-40B4-BE49-F238E27FC236}">
-                  <a16:creationId xmlns:a16="http://schemas.microsoft.com/office/drawing/2014/main" xmlns="" id="{18C844BB-092F-44F8-9C1A-EE075FC3B62F}"/>
+                  <a16:creationId xmlns="" xmlns:a16="http://schemas.microsoft.com/office/drawing/2014/main" id="{18C844BB-092F-44F8-9C1A-EE075FC3B62F}"/>
                 </a:ext>
               </a:extLst>
             </p:cNvPr>
@@ -4445,7 +7983,7 @@
             <p:cNvPr id="8" name="Tekstvak 7">
               <a:extLst>
                 <a:ext uri="{FF2B5EF4-FFF2-40B4-BE49-F238E27FC236}">
-                  <a16:creationId xmlns:a16="http://schemas.microsoft.com/office/drawing/2014/main" xmlns="" id="{FC72E59D-16AE-4D6E-A8B2-A0262468575B}"/>
+                  <a16:creationId xmlns="" xmlns:a16="http://schemas.microsoft.com/office/drawing/2014/main" id="{FC72E59D-16AE-4D6E-A8B2-A0262468575B}"/>
                 </a:ext>
               </a:extLst>
             </p:cNvPr>
@@ -4484,7 +8022,7 @@
             <p:cNvPr id="10" name="Tekstvak 9">
               <a:extLst>
                 <a:ext uri="{FF2B5EF4-FFF2-40B4-BE49-F238E27FC236}">
-                  <a16:creationId xmlns:a16="http://schemas.microsoft.com/office/drawing/2014/main" xmlns="" id="{5FE181FB-3BDB-4EA4-AE79-235B931E1E88}"/>
+                  <a16:creationId xmlns="" xmlns:a16="http://schemas.microsoft.com/office/drawing/2014/main" id="{5FE181FB-3BDB-4EA4-AE79-235B931E1E88}"/>
                 </a:ext>
               </a:extLst>
             </p:cNvPr>
@@ -4521,7 +8059,7 @@
             <p:cNvPr id="12" name="Tekstvak 11">
               <a:extLst>
                 <a:ext uri="{FF2B5EF4-FFF2-40B4-BE49-F238E27FC236}">
-                  <a16:creationId xmlns:a16="http://schemas.microsoft.com/office/drawing/2014/main" xmlns="" id="{ED16823C-7F29-4D34-897E-7B38A1B6E5A4}"/>
+                  <a16:creationId xmlns="" xmlns:a16="http://schemas.microsoft.com/office/drawing/2014/main" id="{ED16823C-7F29-4D34-897E-7B38A1B6E5A4}"/>
                 </a:ext>
               </a:extLst>
             </p:cNvPr>
@@ -4560,7 +8098,7 @@
             <p:cNvPr id="15" name="Tekstvak 14">
               <a:extLst>
                 <a:ext uri="{FF2B5EF4-FFF2-40B4-BE49-F238E27FC236}">
-                  <a16:creationId xmlns:a16="http://schemas.microsoft.com/office/drawing/2014/main" xmlns="" id="{1234FD78-BA6F-4D09-B4C9-DB475A31CEBF}"/>
+                  <a16:creationId xmlns="" xmlns:a16="http://schemas.microsoft.com/office/drawing/2014/main" id="{1234FD78-BA6F-4D09-B4C9-DB475A31CEBF}"/>
                 </a:ext>
               </a:extLst>
             </p:cNvPr>
@@ -4597,7 +8135,7 @@
             <p:cNvPr id="17" name="Tekstvak 16">
               <a:extLst>
                 <a:ext uri="{FF2B5EF4-FFF2-40B4-BE49-F238E27FC236}">
-                  <a16:creationId xmlns:a16="http://schemas.microsoft.com/office/drawing/2014/main" xmlns="" id="{606C943C-CF05-47CC-9965-D6FDD5A22B58}"/>
+                  <a16:creationId xmlns="" xmlns:a16="http://schemas.microsoft.com/office/drawing/2014/main" id="{606C943C-CF05-47CC-9965-D6FDD5A22B58}"/>
                 </a:ext>
               </a:extLst>
             </p:cNvPr>
@@ -4635,7 +8173,7 @@
     </p:spTree>
     <p:extLst>
       <p:ext uri="{BB962C8B-B14F-4D97-AF65-F5344CB8AC3E}">
-        <p14:creationId xmlns:p14="http://schemas.microsoft.com/office/powerpoint/2010/main" xmlns="" val="1848513770"/>
+        <p14:creationId xmlns="" xmlns:p14="http://schemas.microsoft.com/office/powerpoint/2010/main" val="1848513770"/>
       </p:ext>
     </p:extLst>
   </p:cSld>
@@ -4734,38 +8272,93 @@
       </p:pic>
       <p:sp>
         <p:nvSpPr>
-          <p:cNvPr id="19" name="Tekstvak 16">
-            <a:extLst>
-              <a:ext uri="{FF2B5EF4-FFF2-40B4-BE49-F238E27FC236}">
-                <a16:creationId xmlns:a16="http://schemas.microsoft.com/office/drawing/2014/main" xmlns="" id="{06A12986-1419-49C2-8FE0-F45EF49222E0}"/>
-              </a:ext>
-            </a:extLst>
-          </p:cNvPr>
-          <p:cNvSpPr txBox="1"/>
+          <p:cNvPr id="6" name="Rectangle 5"/>
+          <p:cNvSpPr/>
           <p:nvPr/>
         </p:nvSpPr>
         <p:spPr>
           <a:xfrm>
-            <a:off x="1335271" y="1220643"/>
-            <a:ext cx="1354663" cy="369332"/>
+            <a:off x="1376363" y="1209675"/>
+            <a:ext cx="1204912" cy="261938"/>
           </a:xfrm>
           <a:prstGeom prst="rect">
             <a:avLst/>
           </a:prstGeom>
           <a:noFill/>
-          <a:ln w="19050">
+          <a:ln>
             <a:solidFill>
               <a:srgbClr val="FF0000"/>
             </a:solidFill>
           </a:ln>
         </p:spPr>
+        <p:style>
+          <a:lnRef idx="2">
+            <a:schemeClr val="accent1">
+              <a:shade val="50000"/>
+            </a:schemeClr>
+          </a:lnRef>
+          <a:fillRef idx="1">
+            <a:schemeClr val="accent1"/>
+          </a:fillRef>
+          <a:effectRef idx="0">
+            <a:schemeClr val="accent1"/>
+          </a:effectRef>
+          <a:fontRef idx="minor">
+            <a:schemeClr val="lt1"/>
+          </a:fontRef>
+        </p:style>
         <p:txBody>
-          <a:bodyPr wrap="square" rtlCol="0">
-            <a:spAutoFit/>
-          </a:bodyPr>
+          <a:bodyPr rtlCol="0" anchor="ctr"/>
           <a:lstStyle/>
           <a:p>
-            <a:endParaRPr lang="nl-NL" dirty="0"/>
+            <a:pPr algn="ctr"/>
+            <a:endParaRPr lang="nl-NL"/>
+          </a:p>
+        </p:txBody>
+      </p:sp>
+      <p:sp>
+        <p:nvSpPr>
+          <p:cNvPr id="7" name="Rectangle 6"/>
+          <p:cNvSpPr/>
+          <p:nvPr/>
+        </p:nvSpPr>
+        <p:spPr>
+          <a:xfrm>
+            <a:off x="1604963" y="1657350"/>
+            <a:ext cx="1576387" cy="1423988"/>
+          </a:xfrm>
+          <a:prstGeom prst="rect">
+            <a:avLst/>
+          </a:prstGeom>
+          <a:noFill/>
+          <a:ln>
+            <a:solidFill>
+              <a:srgbClr val="FF0000"/>
+            </a:solidFill>
+          </a:ln>
+        </p:spPr>
+        <p:style>
+          <a:lnRef idx="2">
+            <a:schemeClr val="accent1">
+              <a:shade val="50000"/>
+            </a:schemeClr>
+          </a:lnRef>
+          <a:fillRef idx="1">
+            <a:schemeClr val="accent1"/>
+          </a:fillRef>
+          <a:effectRef idx="0">
+            <a:schemeClr val="accent1"/>
+          </a:effectRef>
+          <a:fontRef idx="minor">
+            <a:schemeClr val="lt1"/>
+          </a:fontRef>
+        </p:style>
+        <p:txBody>
+          <a:bodyPr rtlCol="0" anchor="ctr"/>
+          <a:lstStyle/>
+          <a:p>
+            <a:pPr algn="ctr"/>
+            <a:endParaRPr lang="nl-NL"/>
           </a:p>
         </p:txBody>
       </p:sp>
@@ -4774,6 +8367,13 @@
   <p:clrMapOvr>
     <a:masterClrMapping/>
   </p:clrMapOvr>
+  <p:timing>
+    <p:tnLst>
+      <p:par>
+        <p:cTn id="1" dur="indefinite" restart="never" nodeType="tmRoot"/>
+      </p:par>
+    </p:tnLst>
+  </p:timing>
 </p:sld>
 </file>
 
@@ -4864,11 +8464,64 @@
           </a:ln>
         </p:spPr>
       </p:pic>
+      <p:sp>
+        <p:nvSpPr>
+          <p:cNvPr id="7" name="Rectangle 6"/>
+          <p:cNvSpPr/>
+          <p:nvPr/>
+        </p:nvSpPr>
+        <p:spPr>
+          <a:xfrm>
+            <a:off x="1422400" y="1504950"/>
+            <a:ext cx="876300" cy="177800"/>
+          </a:xfrm>
+          <a:prstGeom prst="rect">
+            <a:avLst/>
+          </a:prstGeom>
+          <a:noFill/>
+          <a:ln>
+            <a:solidFill>
+              <a:srgbClr val="FF0000"/>
+            </a:solidFill>
+          </a:ln>
+        </p:spPr>
+        <p:style>
+          <a:lnRef idx="2">
+            <a:schemeClr val="accent1">
+              <a:shade val="50000"/>
+            </a:schemeClr>
+          </a:lnRef>
+          <a:fillRef idx="1">
+            <a:schemeClr val="accent1"/>
+          </a:fillRef>
+          <a:effectRef idx="0">
+            <a:schemeClr val="accent1"/>
+          </a:effectRef>
+          <a:fontRef idx="minor">
+            <a:schemeClr val="lt1"/>
+          </a:fontRef>
+        </p:style>
+        <p:txBody>
+          <a:bodyPr rtlCol="0" anchor="ctr"/>
+          <a:lstStyle/>
+          <a:p>
+            <a:pPr algn="ctr"/>
+            <a:endParaRPr lang="nl-NL"/>
+          </a:p>
+        </p:txBody>
+      </p:sp>
     </p:spTree>
   </p:cSld>
   <p:clrMapOvr>
     <a:masterClrMapping/>
   </p:clrMapOvr>
+  <p:timing>
+    <p:tnLst>
+      <p:par>
+        <p:cTn id="1" dur="indefinite" restart="never" nodeType="tmRoot"/>
+      </p:par>
+    </p:tnLst>
+  </p:timing>
 </p:sld>
 </file>
 
@@ -4964,6 +8617,13 @@
   <p:clrMapOvr>
     <a:masterClrMapping/>
   </p:clrMapOvr>
+  <p:timing>
+    <p:tnLst>
+      <p:par>
+        <p:cTn id="1" dur="indefinite" restart="never" nodeType="tmRoot"/>
+      </p:par>
+    </p:tnLst>
+  </p:timing>
 </p:sld>
 </file>
 
@@ -5059,6 +8719,491 @@
   <p:clrMapOvr>
     <a:masterClrMapping/>
   </p:clrMapOvr>
+  <p:timing>
+    <p:tnLst>
+      <p:par>
+        <p:cTn id="1" dur="indefinite" restart="never" nodeType="tmRoot"/>
+      </p:par>
+    </p:tnLst>
+  </p:timing>
+</p:sld>
+</file>
+
+<file path=ppt/slides/slide9.xml><?xml version="1.0" encoding="utf-8"?>
+<p:sld xmlns:a="http://schemas.openxmlformats.org/drawingml/2006/main" xmlns:r="http://schemas.openxmlformats.org/officeDocument/2006/relationships" xmlns:p="http://schemas.openxmlformats.org/presentationml/2006/main">
+  <p:cSld>
+    <p:spTree>
+      <p:nvGrpSpPr>
+        <p:cNvPr id="1" name=""/>
+        <p:cNvGrpSpPr/>
+        <p:nvPr/>
+      </p:nvGrpSpPr>
+      <p:grpSpPr>
+        <a:xfrm>
+          <a:off x="0" y="0"/>
+          <a:ext cx="0" cy="0"/>
+          <a:chOff x="0" y="0"/>
+          <a:chExt cx="0" cy="0"/>
+        </a:xfrm>
+      </p:grpSpPr>
+      <p:graphicFrame>
+        <p:nvGraphicFramePr>
+          <p:cNvPr id="4" name="Table 3"/>
+          <p:cNvGraphicFramePr>
+            <a:graphicFrameLocks noGrp="1"/>
+          </p:cNvGraphicFramePr>
+          <p:nvPr/>
+        </p:nvGraphicFramePr>
+        <p:xfrm>
+          <a:off x="621435" y="470517"/>
+          <a:ext cx="10670962" cy="5495276"/>
+        </p:xfrm>
+        <a:graphic>
+          <a:graphicData uri="http://schemas.openxmlformats.org/drawingml/2006/table">
+            <a:tbl>
+              <a:tblPr firstRow="1" bandRow="1">
+                <a:tableStyleId>{2D5ABB26-0587-4C30-8999-92F81FD0307C}</a:tableStyleId>
+              </a:tblPr>
+              <a:tblGrid>
+                <a:gridCol w="5335481"/>
+                <a:gridCol w="5335481"/>
+              </a:tblGrid>
+              <a:tr h="2747638">
+                <a:tc>
+                  <a:txBody>
+                    <a:bodyPr/>
+                    <a:lstStyle/>
+                    <a:p>
+                      <a:r>
+                        <a:rPr lang="nl-NL" dirty="0" smtClean="0"/>
+                        <a:t>1.</a:t>
+                      </a:r>
+                      <a:r>
+                        <a:rPr lang="nl-NL" baseline="0" dirty="0" smtClean="0"/>
+                        <a:t> Open Git GUI</a:t>
+                      </a:r>
+                      <a:endParaRPr lang="nl-NL" dirty="0"/>
+                    </a:p>
+                  </a:txBody>
+                  <a:tcPr>
+                    <a:lnL w="12700" cap="flat" cmpd="sng" algn="ctr">
+                      <a:solidFill>
+                        <a:schemeClr val="tx1"/>
+                      </a:solidFill>
+                      <a:prstDash val="solid"/>
+                      <a:round/>
+                      <a:headEnd type="none" w="med" len="med"/>
+                      <a:tailEnd type="none" w="med" len="med"/>
+                    </a:lnL>
+                    <a:lnR w="12700" cap="flat" cmpd="sng" algn="ctr">
+                      <a:solidFill>
+                        <a:schemeClr val="tx1"/>
+                      </a:solidFill>
+                      <a:prstDash val="solid"/>
+                      <a:round/>
+                      <a:headEnd type="none" w="med" len="med"/>
+                      <a:tailEnd type="none" w="med" len="med"/>
+                    </a:lnR>
+                    <a:lnT w="12700" cap="flat" cmpd="sng" algn="ctr">
+                      <a:solidFill>
+                        <a:schemeClr val="tx1"/>
+                      </a:solidFill>
+                      <a:prstDash val="solid"/>
+                      <a:round/>
+                      <a:headEnd type="none" w="med" len="med"/>
+                      <a:tailEnd type="none" w="med" len="med"/>
+                    </a:lnT>
+                    <a:lnB w="12700" cap="flat" cmpd="sng" algn="ctr">
+                      <a:solidFill>
+                        <a:schemeClr val="tx1"/>
+                      </a:solidFill>
+                      <a:prstDash val="solid"/>
+                      <a:round/>
+                      <a:headEnd type="none" w="med" len="med"/>
+                      <a:tailEnd type="none" w="med" len="med"/>
+                    </a:lnB>
+                  </a:tcPr>
+                </a:tc>
+                <a:tc>
+                  <a:txBody>
+                    <a:bodyPr/>
+                    <a:lstStyle/>
+                    <a:p>
+                      <a:r>
+                        <a:rPr lang="nl-NL" dirty="0" smtClean="0"/>
+                        <a:t>2. </a:t>
+                      </a:r>
+                      <a:r>
+                        <a:rPr lang="nl-NL" dirty="0" err="1" smtClean="0"/>
+                        <a:t>Clone</a:t>
+                      </a:r>
+                      <a:r>
+                        <a:rPr lang="nl-NL" dirty="0" smtClean="0"/>
+                        <a:t> </a:t>
+                      </a:r>
+                      <a:r>
+                        <a:rPr lang="nl-NL" dirty="0" err="1" smtClean="0"/>
+                        <a:t>Existing</a:t>
+                      </a:r>
+                      <a:r>
+                        <a:rPr lang="nl-NL" dirty="0" smtClean="0"/>
+                        <a:t> </a:t>
+                      </a:r>
+                      <a:r>
+                        <a:rPr lang="nl-NL" dirty="0" err="1" smtClean="0"/>
+                        <a:t>Repository</a:t>
+                      </a:r>
+                      <a:endParaRPr lang="nl-NL" dirty="0"/>
+                    </a:p>
+                  </a:txBody>
+                  <a:tcPr>
+                    <a:lnL w="12700" cap="flat" cmpd="sng" algn="ctr">
+                      <a:solidFill>
+                        <a:schemeClr val="tx1"/>
+                      </a:solidFill>
+                      <a:prstDash val="solid"/>
+                      <a:round/>
+                      <a:headEnd type="none" w="med" len="med"/>
+                      <a:tailEnd type="none" w="med" len="med"/>
+                    </a:lnL>
+                    <a:lnR w="12700" cap="flat" cmpd="sng" algn="ctr">
+                      <a:solidFill>
+                        <a:schemeClr val="tx1"/>
+                      </a:solidFill>
+                      <a:prstDash val="solid"/>
+                      <a:round/>
+                      <a:headEnd type="none" w="med" len="med"/>
+                      <a:tailEnd type="none" w="med" len="med"/>
+                    </a:lnR>
+                    <a:lnT w="12700" cap="flat" cmpd="sng" algn="ctr">
+                      <a:solidFill>
+                        <a:schemeClr val="tx1"/>
+                      </a:solidFill>
+                      <a:prstDash val="solid"/>
+                      <a:round/>
+                      <a:headEnd type="none" w="med" len="med"/>
+                      <a:tailEnd type="none" w="med" len="med"/>
+                    </a:lnT>
+                    <a:lnB w="12700" cap="flat" cmpd="sng" algn="ctr">
+                      <a:solidFill>
+                        <a:schemeClr val="tx1"/>
+                      </a:solidFill>
+                      <a:prstDash val="solid"/>
+                      <a:round/>
+                      <a:headEnd type="none" w="med" len="med"/>
+                      <a:tailEnd type="none" w="med" len="med"/>
+                    </a:lnB>
+                  </a:tcPr>
+                </a:tc>
+              </a:tr>
+              <a:tr h="2747638">
+                <a:tc>
+                  <a:txBody>
+                    <a:bodyPr/>
+                    <a:lstStyle/>
+                    <a:p>
+                      <a:r>
+                        <a:rPr lang="nl-NL" dirty="0" smtClean="0"/>
+                        <a:t>3. Het volgende</a:t>
+                      </a:r>
+                      <a:r>
+                        <a:rPr lang="nl-NL" baseline="0" dirty="0" smtClean="0"/>
+                        <a:t> scherm komt tevoorschijn</a:t>
+                      </a:r>
+                      <a:endParaRPr lang="nl-NL" dirty="0"/>
+                    </a:p>
+                  </a:txBody>
+                  <a:tcPr>
+                    <a:lnL w="12700" cap="flat" cmpd="sng" algn="ctr">
+                      <a:solidFill>
+                        <a:schemeClr val="tx1"/>
+                      </a:solidFill>
+                      <a:prstDash val="solid"/>
+                      <a:round/>
+                      <a:headEnd type="none" w="med" len="med"/>
+                      <a:tailEnd type="none" w="med" len="med"/>
+                    </a:lnL>
+                    <a:lnR w="12700" cap="flat" cmpd="sng" algn="ctr">
+                      <a:solidFill>
+                        <a:schemeClr val="tx1"/>
+                      </a:solidFill>
+                      <a:prstDash val="solid"/>
+                      <a:round/>
+                      <a:headEnd type="none" w="med" len="med"/>
+                      <a:tailEnd type="none" w="med" len="med"/>
+                    </a:lnR>
+                    <a:lnT w="12700" cap="flat" cmpd="sng" algn="ctr">
+                      <a:solidFill>
+                        <a:schemeClr val="tx1"/>
+                      </a:solidFill>
+                      <a:prstDash val="solid"/>
+                      <a:round/>
+                      <a:headEnd type="none" w="med" len="med"/>
+                      <a:tailEnd type="none" w="med" len="med"/>
+                    </a:lnT>
+                    <a:lnB w="12700" cap="flat" cmpd="sng" algn="ctr">
+                      <a:solidFill>
+                        <a:schemeClr val="tx1"/>
+                      </a:solidFill>
+                      <a:prstDash val="solid"/>
+                      <a:round/>
+                      <a:headEnd type="none" w="med" len="med"/>
+                      <a:tailEnd type="none" w="med" len="med"/>
+                    </a:lnB>
+                  </a:tcPr>
+                </a:tc>
+                <a:tc>
+                  <a:txBody>
+                    <a:bodyPr/>
+                    <a:lstStyle/>
+                    <a:p>
+                      <a:r>
+                        <a:rPr lang="nl-NL" dirty="0" smtClean="0"/>
+                        <a:t>4. Open de </a:t>
+                      </a:r>
+                      <a:r>
+                        <a:rPr lang="nl-NL" dirty="0" err="1" smtClean="0"/>
+                        <a:t>repository</a:t>
+                      </a:r>
+                      <a:r>
+                        <a:rPr lang="nl-NL" baseline="0" dirty="0" smtClean="0"/>
+                        <a:t> lokaal</a:t>
+                      </a:r>
+                      <a:endParaRPr lang="nl-NL" dirty="0"/>
+                    </a:p>
+                  </a:txBody>
+                  <a:tcPr>
+                    <a:lnL w="12700" cap="flat" cmpd="sng" algn="ctr">
+                      <a:solidFill>
+                        <a:schemeClr val="tx1"/>
+                      </a:solidFill>
+                      <a:prstDash val="solid"/>
+                      <a:round/>
+                      <a:headEnd type="none" w="med" len="med"/>
+                      <a:tailEnd type="none" w="med" len="med"/>
+                    </a:lnL>
+                    <a:lnR w="12700" cap="flat" cmpd="sng" algn="ctr">
+                      <a:solidFill>
+                        <a:schemeClr val="tx1"/>
+                      </a:solidFill>
+                      <a:prstDash val="solid"/>
+                      <a:round/>
+                      <a:headEnd type="none" w="med" len="med"/>
+                      <a:tailEnd type="none" w="med" len="med"/>
+                    </a:lnR>
+                    <a:lnT w="12700" cap="flat" cmpd="sng" algn="ctr">
+                      <a:solidFill>
+                        <a:schemeClr val="tx1"/>
+                      </a:solidFill>
+                      <a:prstDash val="solid"/>
+                      <a:round/>
+                      <a:headEnd type="none" w="med" len="med"/>
+                      <a:tailEnd type="none" w="med" len="med"/>
+                    </a:lnT>
+                    <a:lnB w="12700" cap="flat" cmpd="sng" algn="ctr">
+                      <a:solidFill>
+                        <a:schemeClr val="tx1"/>
+                      </a:solidFill>
+                      <a:prstDash val="solid"/>
+                      <a:round/>
+                      <a:headEnd type="none" w="med" len="med"/>
+                      <a:tailEnd type="none" w="med" len="med"/>
+                    </a:lnB>
+                  </a:tcPr>
+                </a:tc>
+              </a:tr>
+            </a:tbl>
+          </a:graphicData>
+        </a:graphic>
+      </p:graphicFrame>
+      <p:pic>
+        <p:nvPicPr>
+          <p:cNvPr id="5" name="Picture 2"/>
+          <p:cNvPicPr>
+            <a:picLocks noGrp="1" noChangeAspect="1" noChangeArrowheads="1"/>
+          </p:cNvPicPr>
+          <p:nvPr>
+            <p:ph idx="1"/>
+          </p:nvPr>
+        </p:nvPicPr>
+        <p:blipFill>
+          <a:blip r:embed="rId2" cstate="print"/>
+          <a:srcRect/>
+          <a:stretch>
+            <a:fillRect/>
+          </a:stretch>
+        </p:blipFill>
+        <p:spPr bwMode="auto">
+          <a:xfrm>
+            <a:off x="1305017" y="970223"/>
+            <a:ext cx="3678823" cy="2165959"/>
+          </a:xfrm>
+          <a:prstGeom prst="rect">
+            <a:avLst/>
+          </a:prstGeom>
+          <a:noFill/>
+          <a:ln w="9525">
+            <a:noFill/>
+            <a:miter lim="800000"/>
+            <a:headEnd/>
+            <a:tailEnd/>
+          </a:ln>
+        </p:spPr>
+      </p:pic>
+      <p:sp>
+        <p:nvSpPr>
+          <p:cNvPr id="10" name="Rectangle 9"/>
+          <p:cNvSpPr/>
+          <p:nvPr/>
+        </p:nvSpPr>
+        <p:spPr>
+          <a:xfrm>
+            <a:off x="2343150" y="1662113"/>
+            <a:ext cx="1185863" cy="171450"/>
+          </a:xfrm>
+          <a:prstGeom prst="rect">
+            <a:avLst/>
+          </a:prstGeom>
+          <a:noFill/>
+          <a:ln>
+            <a:solidFill>
+              <a:srgbClr val="FF0000"/>
+            </a:solidFill>
+          </a:ln>
+        </p:spPr>
+        <p:style>
+          <a:lnRef idx="2">
+            <a:schemeClr val="accent1">
+              <a:shade val="50000"/>
+            </a:schemeClr>
+          </a:lnRef>
+          <a:fillRef idx="1">
+            <a:schemeClr val="accent1"/>
+          </a:fillRef>
+          <a:effectRef idx="0">
+            <a:schemeClr val="accent1"/>
+          </a:effectRef>
+          <a:fontRef idx="minor">
+            <a:schemeClr val="lt1"/>
+          </a:fontRef>
+        </p:style>
+        <p:txBody>
+          <a:bodyPr rtlCol="0" anchor="ctr"/>
+          <a:lstStyle/>
+          <a:p>
+            <a:pPr algn="ctr"/>
+            <a:endParaRPr lang="nl-NL"/>
+          </a:p>
+        </p:txBody>
+      </p:sp>
+      <p:pic>
+        <p:nvPicPr>
+          <p:cNvPr id="7171" name="Picture 3"/>
+          <p:cNvPicPr>
+            <a:picLocks noChangeAspect="1" noChangeArrowheads="1"/>
+          </p:cNvPicPr>
+          <p:nvPr/>
+        </p:nvPicPr>
+        <p:blipFill>
+          <a:blip r:embed="rId3" cstate="print"/>
+          <a:srcRect/>
+          <a:stretch>
+            <a:fillRect/>
+          </a:stretch>
+        </p:blipFill>
+        <p:spPr bwMode="auto">
+          <a:xfrm>
+            <a:off x="6153654" y="962025"/>
+            <a:ext cx="4914395" cy="2166938"/>
+          </a:xfrm>
+          <a:prstGeom prst="rect">
+            <a:avLst/>
+          </a:prstGeom>
+          <a:noFill/>
+          <a:ln w="9525">
+            <a:noFill/>
+            <a:miter lim="800000"/>
+            <a:headEnd/>
+            <a:tailEnd/>
+          </a:ln>
+        </p:spPr>
+      </p:pic>
+      <p:pic>
+        <p:nvPicPr>
+          <p:cNvPr id="7172" name="Picture 4"/>
+          <p:cNvPicPr>
+            <a:picLocks noChangeAspect="1" noChangeArrowheads="1"/>
+          </p:cNvPicPr>
+          <p:nvPr/>
+        </p:nvPicPr>
+        <p:blipFill>
+          <a:blip r:embed="rId4" cstate="print"/>
+          <a:srcRect/>
+          <a:stretch>
+            <a:fillRect/>
+          </a:stretch>
+        </p:blipFill>
+        <p:spPr bwMode="auto">
+          <a:xfrm>
+            <a:off x="929640" y="3548468"/>
+            <a:ext cx="4370704" cy="2391640"/>
+          </a:xfrm>
+          <a:prstGeom prst="rect">
+            <a:avLst/>
+          </a:prstGeom>
+          <a:noFill/>
+          <a:ln w="9525">
+            <a:noFill/>
+            <a:miter lim="800000"/>
+            <a:headEnd/>
+            <a:tailEnd/>
+          </a:ln>
+        </p:spPr>
+      </p:pic>
+      <p:pic>
+        <p:nvPicPr>
+          <p:cNvPr id="7173" name="Picture 5"/>
+          <p:cNvPicPr>
+            <a:picLocks noChangeAspect="1" noChangeArrowheads="1"/>
+          </p:cNvPicPr>
+          <p:nvPr/>
+        </p:nvPicPr>
+        <p:blipFill>
+          <a:blip r:embed="rId5" cstate="print"/>
+          <a:srcRect/>
+          <a:stretch>
+            <a:fillRect/>
+          </a:stretch>
+        </p:blipFill>
+        <p:spPr bwMode="auto">
+          <a:xfrm>
+            <a:off x="6219825" y="3582528"/>
+            <a:ext cx="4876800" cy="2342021"/>
+          </a:xfrm>
+          <a:prstGeom prst="rect">
+            <a:avLst/>
+          </a:prstGeom>
+          <a:noFill/>
+          <a:ln w="9525">
+            <a:noFill/>
+            <a:miter lim="800000"/>
+            <a:headEnd/>
+            <a:tailEnd/>
+          </a:ln>
+        </p:spPr>
+      </p:pic>
+    </p:spTree>
+  </p:cSld>
+  <p:clrMapOvr>
+    <a:masterClrMapping/>
+  </p:clrMapOvr>
+  <p:timing>
+    <p:tnLst>
+      <p:par>
+        <p:cTn id="1" dur="indefinite" restart="never" nodeType="tmRoot"/>
+      </p:par>
+    </p:tnLst>
+  </p:timing>
 </p:sld>
 </file>
 
@@ -5351,7 +9496,7 @@
   <a:extraClrSchemeLst/>
   <a:extLst>
     <a:ext uri="{05A4C25C-085E-4340-85A3-A5531E510DB2}">
-      <thm15:themeFamily xmlns:thm15="http://schemas.microsoft.com/office/thememl/2012/main" xmlns="" name="Office Theme" id="{62F939B6-93AF-4DB8-9C6B-D6C7DFDC589F}" vid="{4A3C46E8-61CC-4603-A589-7422A47A8E4A}"/>
+      <thm15:themeFamily xmlns="" xmlns:thm15="http://schemas.microsoft.com/office/thememl/2012/main" name="Office Theme" id="{62F939B6-93AF-4DB8-9C6B-D6C7DFDC589F}" vid="{4A3C46E8-61CC-4603-A589-7422A47A8E4A}"/>
     </a:ext>
   </a:extLst>
 </a:theme>
